--- a/algorithm/electricity/03_denki-koujishi/01_kakomon/R1_1/02_jitsugi/q10/a10.pptx
+++ b/algorithm/electricity/03_denki-koujishi/01_kakomon/R1_1/02_jitsugi/q10/a10.pptx
@@ -10,7 +10,7 @@
     <p:sldId id="336" r:id="rId4"/>
     <p:sldId id="337" r:id="rId5"/>
     <p:sldId id="338" r:id="rId6"/>
-    <p:sldId id="334" r:id="rId7"/>
+    <p:sldId id="339" r:id="rId7"/>
     <p:sldId id="323" r:id="rId8"/>
     <p:sldId id="303" r:id="rId9"/>
     <p:sldId id="321" r:id="rId10"/>
@@ -12818,7 +12818,10 @@
           </a:prstGeom>
           <a:ln w="57150">
             <a:solidFill>
-              <a:srgbClr val="FF0000"/>
+              <a:schemeClr val="tx1">
+                <a:lumMod val="95000"/>
+                <a:lumOff val="5000"/>
+              </a:schemeClr>
             </a:solidFill>
           </a:ln>
         </p:spPr>
@@ -13537,6 +13540,684 @@
           </a:fontRef>
         </p:style>
       </p:cxnSp>
+      <p:sp>
+        <p:nvSpPr>
+          <p:cNvPr id="73" name="テキスト ボックス 68">
+            <a:extLst>
+              <a:ext uri="{FF2B5EF4-FFF2-40B4-BE49-F238E27FC236}">
+                <a16:creationId xmlns:a16="http://schemas.microsoft.com/office/drawing/2014/main" id="{65BED0B1-B358-4FAB-AA2D-95A92093335B}"/>
+              </a:ext>
+            </a:extLst>
+          </p:cNvPr>
+          <p:cNvSpPr txBox="1"/>
+          <p:nvPr/>
+        </p:nvSpPr>
+        <p:spPr>
+          <a:xfrm>
+            <a:off x="841678" y="3204133"/>
+            <a:ext cx="2053767" cy="830997"/>
+          </a:xfrm>
+          <a:prstGeom prst="rect">
+            <a:avLst/>
+          </a:prstGeom>
+          <a:noFill/>
+        </p:spPr>
+        <p:txBody>
+          <a:bodyPr wrap="none" rtlCol="0">
+            <a:spAutoFit/>
+          </a:bodyPr>
+          <a:lstStyle>
+            <a:defPPr>
+              <a:defRPr lang="ja-JP"/>
+            </a:defPPr>
+            <a:lvl1pPr marL="0" algn="l" defTabSz="914400" rtl="0" eaLnBrk="1" latinLnBrk="0" hangingPunct="1">
+              <a:defRPr kumimoji="1" sz="1800" kern="1200">
+                <a:solidFill>
+                  <a:schemeClr val="tx1"/>
+                </a:solidFill>
+                <a:latin typeface="+mn-lt"/>
+                <a:ea typeface="+mn-ea"/>
+                <a:cs typeface="+mn-cs"/>
+              </a:defRPr>
+            </a:lvl1pPr>
+            <a:lvl2pPr marL="457200" algn="l" defTabSz="914400" rtl="0" eaLnBrk="1" latinLnBrk="0" hangingPunct="1">
+              <a:defRPr kumimoji="1" sz="1800" kern="1200">
+                <a:solidFill>
+                  <a:schemeClr val="tx1"/>
+                </a:solidFill>
+                <a:latin typeface="+mn-lt"/>
+                <a:ea typeface="+mn-ea"/>
+                <a:cs typeface="+mn-cs"/>
+              </a:defRPr>
+            </a:lvl2pPr>
+            <a:lvl3pPr marL="914400" algn="l" defTabSz="914400" rtl="0" eaLnBrk="1" latinLnBrk="0" hangingPunct="1">
+              <a:defRPr kumimoji="1" sz="1800" kern="1200">
+                <a:solidFill>
+                  <a:schemeClr val="tx1"/>
+                </a:solidFill>
+                <a:latin typeface="+mn-lt"/>
+                <a:ea typeface="+mn-ea"/>
+                <a:cs typeface="+mn-cs"/>
+              </a:defRPr>
+            </a:lvl3pPr>
+            <a:lvl4pPr marL="1371600" algn="l" defTabSz="914400" rtl="0" eaLnBrk="1" latinLnBrk="0" hangingPunct="1">
+              <a:defRPr kumimoji="1" sz="1800" kern="1200">
+                <a:solidFill>
+                  <a:schemeClr val="tx1"/>
+                </a:solidFill>
+                <a:latin typeface="+mn-lt"/>
+                <a:ea typeface="+mn-ea"/>
+                <a:cs typeface="+mn-cs"/>
+              </a:defRPr>
+            </a:lvl4pPr>
+            <a:lvl5pPr marL="1828800" algn="l" defTabSz="914400" rtl="0" eaLnBrk="1" latinLnBrk="0" hangingPunct="1">
+              <a:defRPr kumimoji="1" sz="1800" kern="1200">
+                <a:solidFill>
+                  <a:schemeClr val="tx1"/>
+                </a:solidFill>
+                <a:latin typeface="+mn-lt"/>
+                <a:ea typeface="+mn-ea"/>
+                <a:cs typeface="+mn-cs"/>
+              </a:defRPr>
+            </a:lvl5pPr>
+            <a:lvl6pPr marL="2286000" algn="l" defTabSz="914400" rtl="0" eaLnBrk="1" latinLnBrk="0" hangingPunct="1">
+              <a:defRPr kumimoji="1" sz="1800" kern="1200">
+                <a:solidFill>
+                  <a:schemeClr val="tx1"/>
+                </a:solidFill>
+                <a:latin typeface="+mn-lt"/>
+                <a:ea typeface="+mn-ea"/>
+                <a:cs typeface="+mn-cs"/>
+              </a:defRPr>
+            </a:lvl6pPr>
+            <a:lvl7pPr marL="2743200" algn="l" defTabSz="914400" rtl="0" eaLnBrk="1" latinLnBrk="0" hangingPunct="1">
+              <a:defRPr kumimoji="1" sz="1800" kern="1200">
+                <a:solidFill>
+                  <a:schemeClr val="tx1"/>
+                </a:solidFill>
+                <a:latin typeface="+mn-lt"/>
+                <a:ea typeface="+mn-ea"/>
+                <a:cs typeface="+mn-cs"/>
+              </a:defRPr>
+            </a:lvl7pPr>
+            <a:lvl8pPr marL="3200400" algn="l" defTabSz="914400" rtl="0" eaLnBrk="1" latinLnBrk="0" hangingPunct="1">
+              <a:defRPr kumimoji="1" sz="1800" kern="1200">
+                <a:solidFill>
+                  <a:schemeClr val="tx1"/>
+                </a:solidFill>
+                <a:latin typeface="+mn-lt"/>
+                <a:ea typeface="+mn-ea"/>
+                <a:cs typeface="+mn-cs"/>
+              </a:defRPr>
+            </a:lvl8pPr>
+            <a:lvl9pPr marL="3657600" algn="l" defTabSz="914400" rtl="0" eaLnBrk="1" latinLnBrk="0" hangingPunct="1">
+              <a:defRPr kumimoji="1" sz="1800" kern="1200">
+                <a:solidFill>
+                  <a:schemeClr val="tx1"/>
+                </a:solidFill>
+                <a:latin typeface="+mn-lt"/>
+                <a:ea typeface="+mn-ea"/>
+                <a:cs typeface="+mn-cs"/>
+              </a:defRPr>
+            </a:lvl9pPr>
+          </a:lstStyle>
+          <a:p>
+            <a:r>
+              <a:rPr kumimoji="1" lang="en-US" altLang="ja-JP" sz="2400" b="1" dirty="0">
+                <a:solidFill>
+                  <a:schemeClr val="accent6">
+                    <a:lumMod val="60000"/>
+                    <a:lumOff val="40000"/>
+                  </a:schemeClr>
+                </a:solidFill>
+                <a:latin typeface="+mn-ea"/>
+              </a:rPr>
+              <a:t>50+150+100</a:t>
+            </a:r>
+          </a:p>
+          <a:p>
+            <a:r>
+              <a:rPr lang="en-US" altLang="ja-JP" sz="2400" b="1" dirty="0">
+                <a:solidFill>
+                  <a:schemeClr val="accent6">
+                    <a:lumMod val="60000"/>
+                    <a:lumOff val="40000"/>
+                  </a:schemeClr>
+                </a:solidFill>
+                <a:latin typeface="+mn-ea"/>
+              </a:rPr>
+              <a:t>(VVF2.0-2C)</a:t>
+            </a:r>
+            <a:endParaRPr kumimoji="1" lang="ja-JP" altLang="en-US" sz="2400" b="1" dirty="0">
+              <a:solidFill>
+                <a:schemeClr val="accent6">
+                  <a:lumMod val="60000"/>
+                  <a:lumOff val="40000"/>
+                </a:schemeClr>
+              </a:solidFill>
+              <a:latin typeface="+mn-ea"/>
+            </a:endParaRPr>
+          </a:p>
+        </p:txBody>
+      </p:sp>
+      <p:sp>
+        <p:nvSpPr>
+          <p:cNvPr id="76" name="テキスト ボックス 68">
+            <a:extLst>
+              <a:ext uri="{FF2B5EF4-FFF2-40B4-BE49-F238E27FC236}">
+                <a16:creationId xmlns:a16="http://schemas.microsoft.com/office/drawing/2014/main" id="{B47A4E15-AEDF-43C2-913B-7D43EB8641DB}"/>
+              </a:ext>
+            </a:extLst>
+          </p:cNvPr>
+          <p:cNvSpPr txBox="1"/>
+          <p:nvPr/>
+        </p:nvSpPr>
+        <p:spPr>
+          <a:xfrm>
+            <a:off x="2261970" y="997626"/>
+            <a:ext cx="2053767" cy="461665"/>
+          </a:xfrm>
+          <a:prstGeom prst="rect">
+            <a:avLst/>
+          </a:prstGeom>
+          <a:noFill/>
+        </p:spPr>
+        <p:txBody>
+          <a:bodyPr wrap="none" rtlCol="0">
+            <a:spAutoFit/>
+          </a:bodyPr>
+          <a:lstStyle>
+            <a:defPPr>
+              <a:defRPr lang="ja-JP"/>
+            </a:defPPr>
+            <a:lvl1pPr marL="0" algn="l" defTabSz="914400" rtl="0" eaLnBrk="1" latinLnBrk="0" hangingPunct="1">
+              <a:defRPr kumimoji="1" sz="1800" kern="1200">
+                <a:solidFill>
+                  <a:schemeClr val="tx1"/>
+                </a:solidFill>
+                <a:latin typeface="+mn-lt"/>
+                <a:ea typeface="+mn-ea"/>
+                <a:cs typeface="+mn-cs"/>
+              </a:defRPr>
+            </a:lvl1pPr>
+            <a:lvl2pPr marL="457200" algn="l" defTabSz="914400" rtl="0" eaLnBrk="1" latinLnBrk="0" hangingPunct="1">
+              <a:defRPr kumimoji="1" sz="1800" kern="1200">
+                <a:solidFill>
+                  <a:schemeClr val="tx1"/>
+                </a:solidFill>
+                <a:latin typeface="+mn-lt"/>
+                <a:ea typeface="+mn-ea"/>
+                <a:cs typeface="+mn-cs"/>
+              </a:defRPr>
+            </a:lvl2pPr>
+            <a:lvl3pPr marL="914400" algn="l" defTabSz="914400" rtl="0" eaLnBrk="1" latinLnBrk="0" hangingPunct="1">
+              <a:defRPr kumimoji="1" sz="1800" kern="1200">
+                <a:solidFill>
+                  <a:schemeClr val="tx1"/>
+                </a:solidFill>
+                <a:latin typeface="+mn-lt"/>
+                <a:ea typeface="+mn-ea"/>
+                <a:cs typeface="+mn-cs"/>
+              </a:defRPr>
+            </a:lvl3pPr>
+            <a:lvl4pPr marL="1371600" algn="l" defTabSz="914400" rtl="0" eaLnBrk="1" latinLnBrk="0" hangingPunct="1">
+              <a:defRPr kumimoji="1" sz="1800" kern="1200">
+                <a:solidFill>
+                  <a:schemeClr val="tx1"/>
+                </a:solidFill>
+                <a:latin typeface="+mn-lt"/>
+                <a:ea typeface="+mn-ea"/>
+                <a:cs typeface="+mn-cs"/>
+              </a:defRPr>
+            </a:lvl4pPr>
+            <a:lvl5pPr marL="1828800" algn="l" defTabSz="914400" rtl="0" eaLnBrk="1" latinLnBrk="0" hangingPunct="1">
+              <a:defRPr kumimoji="1" sz="1800" kern="1200">
+                <a:solidFill>
+                  <a:schemeClr val="tx1"/>
+                </a:solidFill>
+                <a:latin typeface="+mn-lt"/>
+                <a:ea typeface="+mn-ea"/>
+                <a:cs typeface="+mn-cs"/>
+              </a:defRPr>
+            </a:lvl5pPr>
+            <a:lvl6pPr marL="2286000" algn="l" defTabSz="914400" rtl="0" eaLnBrk="1" latinLnBrk="0" hangingPunct="1">
+              <a:defRPr kumimoji="1" sz="1800" kern="1200">
+                <a:solidFill>
+                  <a:schemeClr val="tx1"/>
+                </a:solidFill>
+                <a:latin typeface="+mn-lt"/>
+                <a:ea typeface="+mn-ea"/>
+                <a:cs typeface="+mn-cs"/>
+              </a:defRPr>
+            </a:lvl6pPr>
+            <a:lvl7pPr marL="2743200" algn="l" defTabSz="914400" rtl="0" eaLnBrk="1" latinLnBrk="0" hangingPunct="1">
+              <a:defRPr kumimoji="1" sz="1800" kern="1200">
+                <a:solidFill>
+                  <a:schemeClr val="tx1"/>
+                </a:solidFill>
+                <a:latin typeface="+mn-lt"/>
+                <a:ea typeface="+mn-ea"/>
+                <a:cs typeface="+mn-cs"/>
+              </a:defRPr>
+            </a:lvl7pPr>
+            <a:lvl8pPr marL="3200400" algn="l" defTabSz="914400" rtl="0" eaLnBrk="1" latinLnBrk="0" hangingPunct="1">
+              <a:defRPr kumimoji="1" sz="1800" kern="1200">
+                <a:solidFill>
+                  <a:schemeClr val="tx1"/>
+                </a:solidFill>
+                <a:latin typeface="+mn-lt"/>
+                <a:ea typeface="+mn-ea"/>
+                <a:cs typeface="+mn-cs"/>
+              </a:defRPr>
+            </a:lvl8pPr>
+            <a:lvl9pPr marL="3657600" algn="l" defTabSz="914400" rtl="0" eaLnBrk="1" latinLnBrk="0" hangingPunct="1">
+              <a:defRPr kumimoji="1" sz="1800" kern="1200">
+                <a:solidFill>
+                  <a:schemeClr val="tx1"/>
+                </a:solidFill>
+                <a:latin typeface="+mn-lt"/>
+                <a:ea typeface="+mn-ea"/>
+                <a:cs typeface="+mn-cs"/>
+              </a:defRPr>
+            </a:lvl9pPr>
+          </a:lstStyle>
+          <a:p>
+            <a:r>
+              <a:rPr kumimoji="1" lang="en-US" altLang="ja-JP" sz="2400" b="1" dirty="0">
+                <a:solidFill>
+                  <a:schemeClr val="accent6">
+                    <a:lumMod val="60000"/>
+                    <a:lumOff val="40000"/>
+                  </a:schemeClr>
+                </a:solidFill>
+                <a:latin typeface="+mn-ea"/>
+              </a:rPr>
+              <a:t>20+150+100</a:t>
+            </a:r>
+            <a:endParaRPr kumimoji="1" lang="ja-JP" altLang="en-US" sz="2400" b="1" dirty="0">
+              <a:solidFill>
+                <a:schemeClr val="accent6">
+                  <a:lumMod val="60000"/>
+                  <a:lumOff val="40000"/>
+                </a:schemeClr>
+              </a:solidFill>
+              <a:latin typeface="+mn-ea"/>
+            </a:endParaRPr>
+          </a:p>
+        </p:txBody>
+      </p:sp>
+      <p:sp>
+        <p:nvSpPr>
+          <p:cNvPr id="77" name="テキスト ボックス 68">
+            <a:extLst>
+              <a:ext uri="{FF2B5EF4-FFF2-40B4-BE49-F238E27FC236}">
+                <a16:creationId xmlns:a16="http://schemas.microsoft.com/office/drawing/2014/main" id="{AB627FFC-12AC-4FA3-A857-13227B9929E1}"/>
+              </a:ext>
+            </a:extLst>
+          </p:cNvPr>
+          <p:cNvSpPr txBox="1"/>
+          <p:nvPr/>
+        </p:nvSpPr>
+        <p:spPr>
+          <a:xfrm>
+            <a:off x="5853397" y="3011553"/>
+            <a:ext cx="2053767" cy="461665"/>
+          </a:xfrm>
+          <a:prstGeom prst="rect">
+            <a:avLst/>
+          </a:prstGeom>
+          <a:noFill/>
+        </p:spPr>
+        <p:txBody>
+          <a:bodyPr wrap="none" rtlCol="0">
+            <a:spAutoFit/>
+          </a:bodyPr>
+          <a:lstStyle>
+            <a:defPPr>
+              <a:defRPr lang="ja-JP"/>
+            </a:defPPr>
+            <a:lvl1pPr marL="0" algn="l" defTabSz="914400" rtl="0" eaLnBrk="1" latinLnBrk="0" hangingPunct="1">
+              <a:defRPr kumimoji="1" sz="1800" kern="1200">
+                <a:solidFill>
+                  <a:schemeClr val="tx1"/>
+                </a:solidFill>
+                <a:latin typeface="+mn-lt"/>
+                <a:ea typeface="+mn-ea"/>
+                <a:cs typeface="+mn-cs"/>
+              </a:defRPr>
+            </a:lvl1pPr>
+            <a:lvl2pPr marL="457200" algn="l" defTabSz="914400" rtl="0" eaLnBrk="1" latinLnBrk="0" hangingPunct="1">
+              <a:defRPr kumimoji="1" sz="1800" kern="1200">
+                <a:solidFill>
+                  <a:schemeClr val="tx1"/>
+                </a:solidFill>
+                <a:latin typeface="+mn-lt"/>
+                <a:ea typeface="+mn-ea"/>
+                <a:cs typeface="+mn-cs"/>
+              </a:defRPr>
+            </a:lvl2pPr>
+            <a:lvl3pPr marL="914400" algn="l" defTabSz="914400" rtl="0" eaLnBrk="1" latinLnBrk="0" hangingPunct="1">
+              <a:defRPr kumimoji="1" sz="1800" kern="1200">
+                <a:solidFill>
+                  <a:schemeClr val="tx1"/>
+                </a:solidFill>
+                <a:latin typeface="+mn-lt"/>
+                <a:ea typeface="+mn-ea"/>
+                <a:cs typeface="+mn-cs"/>
+              </a:defRPr>
+            </a:lvl3pPr>
+            <a:lvl4pPr marL="1371600" algn="l" defTabSz="914400" rtl="0" eaLnBrk="1" latinLnBrk="0" hangingPunct="1">
+              <a:defRPr kumimoji="1" sz="1800" kern="1200">
+                <a:solidFill>
+                  <a:schemeClr val="tx1"/>
+                </a:solidFill>
+                <a:latin typeface="+mn-lt"/>
+                <a:ea typeface="+mn-ea"/>
+                <a:cs typeface="+mn-cs"/>
+              </a:defRPr>
+            </a:lvl4pPr>
+            <a:lvl5pPr marL="1828800" algn="l" defTabSz="914400" rtl="0" eaLnBrk="1" latinLnBrk="0" hangingPunct="1">
+              <a:defRPr kumimoji="1" sz="1800" kern="1200">
+                <a:solidFill>
+                  <a:schemeClr val="tx1"/>
+                </a:solidFill>
+                <a:latin typeface="+mn-lt"/>
+                <a:ea typeface="+mn-ea"/>
+                <a:cs typeface="+mn-cs"/>
+              </a:defRPr>
+            </a:lvl5pPr>
+            <a:lvl6pPr marL="2286000" algn="l" defTabSz="914400" rtl="0" eaLnBrk="1" latinLnBrk="0" hangingPunct="1">
+              <a:defRPr kumimoji="1" sz="1800" kern="1200">
+                <a:solidFill>
+                  <a:schemeClr val="tx1"/>
+                </a:solidFill>
+                <a:latin typeface="+mn-lt"/>
+                <a:ea typeface="+mn-ea"/>
+                <a:cs typeface="+mn-cs"/>
+              </a:defRPr>
+            </a:lvl6pPr>
+            <a:lvl7pPr marL="2743200" algn="l" defTabSz="914400" rtl="0" eaLnBrk="1" latinLnBrk="0" hangingPunct="1">
+              <a:defRPr kumimoji="1" sz="1800" kern="1200">
+                <a:solidFill>
+                  <a:schemeClr val="tx1"/>
+                </a:solidFill>
+                <a:latin typeface="+mn-lt"/>
+                <a:ea typeface="+mn-ea"/>
+                <a:cs typeface="+mn-cs"/>
+              </a:defRPr>
+            </a:lvl7pPr>
+            <a:lvl8pPr marL="3200400" algn="l" defTabSz="914400" rtl="0" eaLnBrk="1" latinLnBrk="0" hangingPunct="1">
+              <a:defRPr kumimoji="1" sz="1800" kern="1200">
+                <a:solidFill>
+                  <a:schemeClr val="tx1"/>
+                </a:solidFill>
+                <a:latin typeface="+mn-lt"/>
+                <a:ea typeface="+mn-ea"/>
+                <a:cs typeface="+mn-cs"/>
+              </a:defRPr>
+            </a:lvl8pPr>
+            <a:lvl9pPr marL="3657600" algn="l" defTabSz="914400" rtl="0" eaLnBrk="1" latinLnBrk="0" hangingPunct="1">
+              <a:defRPr kumimoji="1" sz="1800" kern="1200">
+                <a:solidFill>
+                  <a:schemeClr val="tx1"/>
+                </a:solidFill>
+                <a:latin typeface="+mn-lt"/>
+                <a:ea typeface="+mn-ea"/>
+                <a:cs typeface="+mn-cs"/>
+              </a:defRPr>
+            </a:lvl9pPr>
+          </a:lstStyle>
+          <a:p>
+            <a:r>
+              <a:rPr lang="en-US" altLang="ja-JP" sz="2400" b="1" dirty="0">
+                <a:solidFill>
+                  <a:schemeClr val="accent6">
+                    <a:lumMod val="60000"/>
+                    <a:lumOff val="40000"/>
+                  </a:schemeClr>
+                </a:solidFill>
+                <a:latin typeface="+mn-ea"/>
+              </a:rPr>
+              <a:t>10</a:t>
+            </a:r>
+            <a:r>
+              <a:rPr kumimoji="1" lang="en-US" altLang="ja-JP" sz="2400" b="1" dirty="0">
+                <a:solidFill>
+                  <a:schemeClr val="accent6">
+                    <a:lumMod val="60000"/>
+                    <a:lumOff val="40000"/>
+                  </a:schemeClr>
+                </a:solidFill>
+                <a:latin typeface="+mn-ea"/>
+              </a:rPr>
+              <a:t>0+150+50</a:t>
+            </a:r>
+            <a:endParaRPr kumimoji="1" lang="ja-JP" altLang="en-US" sz="2400" b="1" dirty="0">
+              <a:solidFill>
+                <a:schemeClr val="accent6">
+                  <a:lumMod val="60000"/>
+                  <a:lumOff val="40000"/>
+                </a:schemeClr>
+              </a:solidFill>
+              <a:latin typeface="+mn-ea"/>
+            </a:endParaRPr>
+          </a:p>
+        </p:txBody>
+      </p:sp>
+      <p:sp>
+        <p:nvSpPr>
+          <p:cNvPr id="78" name="テキスト ボックス 68">
+            <a:extLst>
+              <a:ext uri="{FF2B5EF4-FFF2-40B4-BE49-F238E27FC236}">
+                <a16:creationId xmlns:a16="http://schemas.microsoft.com/office/drawing/2014/main" id="{F926122E-231A-466B-8F43-0000B79455CA}"/>
+              </a:ext>
+            </a:extLst>
+          </p:cNvPr>
+          <p:cNvSpPr txBox="1"/>
+          <p:nvPr/>
+        </p:nvSpPr>
+        <p:spPr>
+          <a:xfrm>
+            <a:off x="5293974" y="3993192"/>
+            <a:ext cx="2230098" cy="461665"/>
+          </a:xfrm>
+          <a:prstGeom prst="rect">
+            <a:avLst/>
+          </a:prstGeom>
+          <a:noFill/>
+        </p:spPr>
+        <p:txBody>
+          <a:bodyPr wrap="none" rtlCol="0">
+            <a:spAutoFit/>
+          </a:bodyPr>
+          <a:lstStyle>
+            <a:defPPr>
+              <a:defRPr lang="ja-JP"/>
+            </a:defPPr>
+            <a:lvl1pPr marL="0" algn="l" defTabSz="914400" rtl="0" eaLnBrk="1" latinLnBrk="0" hangingPunct="1">
+              <a:defRPr kumimoji="1" sz="1800" kern="1200">
+                <a:solidFill>
+                  <a:schemeClr val="tx1"/>
+                </a:solidFill>
+                <a:latin typeface="+mn-lt"/>
+                <a:ea typeface="+mn-ea"/>
+                <a:cs typeface="+mn-cs"/>
+              </a:defRPr>
+            </a:lvl1pPr>
+            <a:lvl2pPr marL="457200" algn="l" defTabSz="914400" rtl="0" eaLnBrk="1" latinLnBrk="0" hangingPunct="1">
+              <a:defRPr kumimoji="1" sz="1800" kern="1200">
+                <a:solidFill>
+                  <a:schemeClr val="tx1"/>
+                </a:solidFill>
+                <a:latin typeface="+mn-lt"/>
+                <a:ea typeface="+mn-ea"/>
+                <a:cs typeface="+mn-cs"/>
+              </a:defRPr>
+            </a:lvl2pPr>
+            <a:lvl3pPr marL="914400" algn="l" defTabSz="914400" rtl="0" eaLnBrk="1" latinLnBrk="0" hangingPunct="1">
+              <a:defRPr kumimoji="1" sz="1800" kern="1200">
+                <a:solidFill>
+                  <a:schemeClr val="tx1"/>
+                </a:solidFill>
+                <a:latin typeface="+mn-lt"/>
+                <a:ea typeface="+mn-ea"/>
+                <a:cs typeface="+mn-cs"/>
+              </a:defRPr>
+            </a:lvl3pPr>
+            <a:lvl4pPr marL="1371600" algn="l" defTabSz="914400" rtl="0" eaLnBrk="1" latinLnBrk="0" hangingPunct="1">
+              <a:defRPr kumimoji="1" sz="1800" kern="1200">
+                <a:solidFill>
+                  <a:schemeClr val="tx1"/>
+                </a:solidFill>
+                <a:latin typeface="+mn-lt"/>
+                <a:ea typeface="+mn-ea"/>
+                <a:cs typeface="+mn-cs"/>
+              </a:defRPr>
+            </a:lvl4pPr>
+            <a:lvl5pPr marL="1828800" algn="l" defTabSz="914400" rtl="0" eaLnBrk="1" latinLnBrk="0" hangingPunct="1">
+              <a:defRPr kumimoji="1" sz="1800" kern="1200">
+                <a:solidFill>
+                  <a:schemeClr val="tx1"/>
+                </a:solidFill>
+                <a:latin typeface="+mn-lt"/>
+                <a:ea typeface="+mn-ea"/>
+                <a:cs typeface="+mn-cs"/>
+              </a:defRPr>
+            </a:lvl5pPr>
+            <a:lvl6pPr marL="2286000" algn="l" defTabSz="914400" rtl="0" eaLnBrk="1" latinLnBrk="0" hangingPunct="1">
+              <a:defRPr kumimoji="1" sz="1800" kern="1200">
+                <a:solidFill>
+                  <a:schemeClr val="tx1"/>
+                </a:solidFill>
+                <a:latin typeface="+mn-lt"/>
+                <a:ea typeface="+mn-ea"/>
+                <a:cs typeface="+mn-cs"/>
+              </a:defRPr>
+            </a:lvl6pPr>
+            <a:lvl7pPr marL="2743200" algn="l" defTabSz="914400" rtl="0" eaLnBrk="1" latinLnBrk="0" hangingPunct="1">
+              <a:defRPr kumimoji="1" sz="1800" kern="1200">
+                <a:solidFill>
+                  <a:schemeClr val="tx1"/>
+                </a:solidFill>
+                <a:latin typeface="+mn-lt"/>
+                <a:ea typeface="+mn-ea"/>
+                <a:cs typeface="+mn-cs"/>
+              </a:defRPr>
+            </a:lvl7pPr>
+            <a:lvl8pPr marL="3200400" algn="l" defTabSz="914400" rtl="0" eaLnBrk="1" latinLnBrk="0" hangingPunct="1">
+              <a:defRPr kumimoji="1" sz="1800" kern="1200">
+                <a:solidFill>
+                  <a:schemeClr val="tx1"/>
+                </a:solidFill>
+                <a:latin typeface="+mn-lt"/>
+                <a:ea typeface="+mn-ea"/>
+                <a:cs typeface="+mn-cs"/>
+              </a:defRPr>
+            </a:lvl8pPr>
+            <a:lvl9pPr marL="3657600" algn="l" defTabSz="914400" rtl="0" eaLnBrk="1" latinLnBrk="0" hangingPunct="1">
+              <a:defRPr kumimoji="1" sz="1800" kern="1200">
+                <a:solidFill>
+                  <a:schemeClr val="tx1"/>
+                </a:solidFill>
+                <a:latin typeface="+mn-lt"/>
+                <a:ea typeface="+mn-ea"/>
+                <a:cs typeface="+mn-cs"/>
+              </a:defRPr>
+            </a:lvl9pPr>
+          </a:lstStyle>
+          <a:p>
+            <a:r>
+              <a:rPr lang="en-US" altLang="ja-JP" sz="2400" b="1" dirty="0">
+                <a:solidFill>
+                  <a:schemeClr val="accent6">
+                    <a:lumMod val="60000"/>
+                    <a:lumOff val="40000"/>
+                  </a:schemeClr>
+                </a:solidFill>
+                <a:latin typeface="+mn-ea"/>
+              </a:rPr>
+              <a:t>10</a:t>
+            </a:r>
+            <a:r>
+              <a:rPr kumimoji="1" lang="en-US" altLang="ja-JP" sz="2400" b="1" dirty="0">
+                <a:solidFill>
+                  <a:schemeClr val="accent6">
+                    <a:lumMod val="60000"/>
+                    <a:lumOff val="40000"/>
+                  </a:schemeClr>
+                </a:solidFill>
+                <a:latin typeface="+mn-ea"/>
+              </a:rPr>
+              <a:t>0+150+100</a:t>
+            </a:r>
+            <a:endParaRPr kumimoji="1" lang="ja-JP" altLang="en-US" sz="2400" b="1" dirty="0">
+              <a:solidFill>
+                <a:schemeClr val="accent6">
+                  <a:lumMod val="60000"/>
+                  <a:lumOff val="40000"/>
+                </a:schemeClr>
+              </a:solidFill>
+              <a:latin typeface="+mn-ea"/>
+            </a:endParaRPr>
+          </a:p>
+        </p:txBody>
+      </p:sp>
+      <p:sp>
+        <p:nvSpPr>
+          <p:cNvPr id="79" name="楕円 78">
+            <a:extLst>
+              <a:ext uri="{FF2B5EF4-FFF2-40B4-BE49-F238E27FC236}">
+                <a16:creationId xmlns:a16="http://schemas.microsoft.com/office/drawing/2014/main" id="{174FC538-E42C-4B90-9006-C9C82421B6CB}"/>
+              </a:ext>
+            </a:extLst>
+          </p:cNvPr>
+          <p:cNvSpPr/>
+          <p:nvPr/>
+        </p:nvSpPr>
+        <p:spPr>
+          <a:xfrm>
+            <a:off x="4609387" y="4865548"/>
+            <a:ext cx="477250" cy="461666"/>
+          </a:xfrm>
+          <a:prstGeom prst="ellipse">
+            <a:avLst/>
+          </a:prstGeom>
+          <a:noFill/>
+          <a:ln w="28575">
+            <a:solidFill>
+              <a:schemeClr val="accent4">
+                <a:lumMod val="60000"/>
+                <a:lumOff val="40000"/>
+              </a:schemeClr>
+            </a:solidFill>
+            <a:prstDash val="dash"/>
+          </a:ln>
+        </p:spPr>
+        <p:style>
+          <a:lnRef idx="2">
+            <a:schemeClr val="accent1">
+              <a:shade val="50000"/>
+            </a:schemeClr>
+          </a:lnRef>
+          <a:fillRef idx="1">
+            <a:schemeClr val="accent1"/>
+          </a:fillRef>
+          <a:effectRef idx="0">
+            <a:schemeClr val="accent1"/>
+          </a:effectRef>
+          <a:fontRef idx="minor">
+            <a:schemeClr val="lt1"/>
+          </a:fontRef>
+        </p:style>
+        <p:txBody>
+          <a:bodyPr rtlCol="0" anchor="ctr"/>
+          <a:lstStyle/>
+          <a:p>
+            <a:pPr algn="ctr"/>
+            <a:endParaRPr kumimoji="1" lang="ja-JP" altLang="en-US"/>
+          </a:p>
+        </p:txBody>
+      </p:sp>
     </p:spTree>
     <p:extLst>
       <p:ext uri="{BB962C8B-B14F-4D97-AF65-F5344CB8AC3E}">
@@ -13581,7 +14262,7 @@
         </p:nvSpPr>
         <p:spPr>
           <a:xfrm>
-            <a:off x="7586885" y="325626"/>
+            <a:off x="4349624" y="5983098"/>
             <a:ext cx="786798" cy="736573"/>
           </a:xfrm>
           <a:prstGeom prst="ellipse">
@@ -13623,12 +14304,354 @@
           </a:p>
         </p:txBody>
       </p:sp>
-      <p:sp>
-        <p:nvSpPr>
-          <p:cNvPr id="65" name="テキスト ボックス 64">
-            <a:extLst>
-              <a:ext uri="{FF2B5EF4-FFF2-40B4-BE49-F238E27FC236}">
-                <a16:creationId xmlns:a16="http://schemas.microsoft.com/office/drawing/2014/main" id="{720CAE87-79A7-4680-AF5B-CD23648F3E71}"/>
+      <p:cxnSp>
+        <p:nvCxnSpPr>
+          <p:cNvPr id="50" name="直線コネクタ 49">
+            <a:extLst>
+              <a:ext uri="{FF2B5EF4-FFF2-40B4-BE49-F238E27FC236}">
+                <a16:creationId xmlns:a16="http://schemas.microsoft.com/office/drawing/2014/main" id="{56332DDB-6A1C-4EF3-9621-CC3E4A766C5B}"/>
+              </a:ext>
+            </a:extLst>
+          </p:cNvPr>
+          <p:cNvCxnSpPr>
+            <a:cxnSpLocks/>
+          </p:cNvCxnSpPr>
+          <p:nvPr/>
+        </p:nvCxnSpPr>
+        <p:spPr>
+          <a:xfrm flipH="1" flipV="1">
+            <a:off x="4457104" y="6551468"/>
+            <a:ext cx="571838" cy="345"/>
+          </a:xfrm>
+          <a:prstGeom prst="line">
+            <a:avLst/>
+          </a:prstGeom>
+          <a:ln w="57150">
+            <a:solidFill>
+              <a:schemeClr val="bg2">
+                <a:lumMod val="10000"/>
+              </a:schemeClr>
+            </a:solidFill>
+          </a:ln>
+        </p:spPr>
+        <p:style>
+          <a:lnRef idx="1">
+            <a:schemeClr val="accent1"/>
+          </a:lnRef>
+          <a:fillRef idx="0">
+            <a:schemeClr val="accent1"/>
+          </a:fillRef>
+          <a:effectRef idx="0">
+            <a:schemeClr val="accent1"/>
+          </a:effectRef>
+          <a:fontRef idx="minor">
+            <a:schemeClr val="tx1"/>
+          </a:fontRef>
+        </p:style>
+      </p:cxnSp>
+      <p:cxnSp>
+        <p:nvCxnSpPr>
+          <p:cNvPr id="55" name="直線コネクタ 54">
+            <a:extLst>
+              <a:ext uri="{FF2B5EF4-FFF2-40B4-BE49-F238E27FC236}">
+                <a16:creationId xmlns:a16="http://schemas.microsoft.com/office/drawing/2014/main" id="{7F65EDAD-F862-4A67-83DB-A8ECF73A00F4}"/>
+              </a:ext>
+            </a:extLst>
+          </p:cNvPr>
+          <p:cNvCxnSpPr>
+            <a:cxnSpLocks/>
+            <a:endCxn id="57" idx="5"/>
+          </p:cNvCxnSpPr>
+          <p:nvPr/>
+        </p:nvCxnSpPr>
+        <p:spPr>
+          <a:xfrm flipH="1" flipV="1">
+            <a:off x="4582462" y="5358241"/>
+            <a:ext cx="343122" cy="263819"/>
+          </a:xfrm>
+          <a:prstGeom prst="line">
+            <a:avLst/>
+          </a:prstGeom>
+          <a:ln w="19050">
+            <a:solidFill>
+              <a:schemeClr val="bg2">
+                <a:lumMod val="10000"/>
+              </a:schemeClr>
+            </a:solidFill>
+          </a:ln>
+        </p:spPr>
+        <p:style>
+          <a:lnRef idx="1">
+            <a:schemeClr val="accent1"/>
+          </a:lnRef>
+          <a:fillRef idx="0">
+            <a:schemeClr val="accent1"/>
+          </a:fillRef>
+          <a:effectRef idx="0">
+            <a:schemeClr val="accent1"/>
+          </a:effectRef>
+          <a:fontRef idx="minor">
+            <a:schemeClr val="tx1"/>
+          </a:fontRef>
+        </p:style>
+      </p:cxnSp>
+      <p:sp>
+        <p:nvSpPr>
+          <p:cNvPr id="56" name="楕円 55">
+            <a:extLst>
+              <a:ext uri="{FF2B5EF4-FFF2-40B4-BE49-F238E27FC236}">
+                <a16:creationId xmlns:a16="http://schemas.microsoft.com/office/drawing/2014/main" id="{6F64983C-8A89-4E4D-8122-0AD058935A51}"/>
+              </a:ext>
+            </a:extLst>
+          </p:cNvPr>
+          <p:cNvSpPr/>
+          <p:nvPr/>
+        </p:nvSpPr>
+        <p:spPr>
+          <a:xfrm flipV="1">
+            <a:off x="4992874" y="5331791"/>
+            <a:ext cx="176092" cy="182966"/>
+          </a:xfrm>
+          <a:prstGeom prst="ellipse">
+            <a:avLst/>
+          </a:prstGeom>
+          <a:noFill/>
+          <a:ln w="28575">
+            <a:solidFill>
+              <a:schemeClr val="tx1"/>
+            </a:solidFill>
+          </a:ln>
+        </p:spPr>
+        <p:style>
+          <a:lnRef idx="2">
+            <a:schemeClr val="accent1">
+              <a:shade val="50000"/>
+            </a:schemeClr>
+          </a:lnRef>
+          <a:fillRef idx="1">
+            <a:schemeClr val="accent1"/>
+          </a:fillRef>
+          <a:effectRef idx="0">
+            <a:schemeClr val="accent1"/>
+          </a:effectRef>
+          <a:fontRef idx="minor">
+            <a:schemeClr val="lt1"/>
+          </a:fontRef>
+        </p:style>
+        <p:txBody>
+          <a:bodyPr rtlCol="0" anchor="ctr"/>
+          <a:lstStyle/>
+          <a:p>
+            <a:pPr algn="ctr"/>
+            <a:endParaRPr kumimoji="1" lang="ja-JP" altLang="en-US"/>
+          </a:p>
+        </p:txBody>
+      </p:sp>
+      <p:sp>
+        <p:nvSpPr>
+          <p:cNvPr id="57" name="楕円 56">
+            <a:extLst>
+              <a:ext uri="{FF2B5EF4-FFF2-40B4-BE49-F238E27FC236}">
+                <a16:creationId xmlns:a16="http://schemas.microsoft.com/office/drawing/2014/main" id="{F4F8F858-C738-46FB-9F0D-CEC6F20372E8}"/>
+              </a:ext>
+            </a:extLst>
+          </p:cNvPr>
+          <p:cNvSpPr/>
+          <p:nvPr/>
+        </p:nvSpPr>
+        <p:spPr>
+          <a:xfrm flipV="1">
+            <a:off x="4432158" y="5331446"/>
+            <a:ext cx="176092" cy="182966"/>
+          </a:xfrm>
+          <a:prstGeom prst="ellipse">
+            <a:avLst/>
+          </a:prstGeom>
+          <a:noFill/>
+          <a:ln w="28575">
+            <a:solidFill>
+              <a:schemeClr val="tx1"/>
+            </a:solidFill>
+          </a:ln>
+        </p:spPr>
+        <p:style>
+          <a:lnRef idx="2">
+            <a:schemeClr val="accent1">
+              <a:shade val="50000"/>
+            </a:schemeClr>
+          </a:lnRef>
+          <a:fillRef idx="1">
+            <a:schemeClr val="accent1"/>
+          </a:fillRef>
+          <a:effectRef idx="0">
+            <a:schemeClr val="accent1"/>
+          </a:effectRef>
+          <a:fontRef idx="minor">
+            <a:schemeClr val="lt1"/>
+          </a:fontRef>
+        </p:style>
+        <p:txBody>
+          <a:bodyPr rtlCol="0" anchor="ctr"/>
+          <a:lstStyle/>
+          <a:p>
+            <a:pPr algn="ctr"/>
+            <a:endParaRPr kumimoji="1" lang="ja-JP" altLang="en-US"/>
+          </a:p>
+        </p:txBody>
+      </p:sp>
+      <p:cxnSp>
+        <p:nvCxnSpPr>
+          <p:cNvPr id="64" name="直線コネクタ 63">
+            <a:extLst>
+              <a:ext uri="{FF2B5EF4-FFF2-40B4-BE49-F238E27FC236}">
+                <a16:creationId xmlns:a16="http://schemas.microsoft.com/office/drawing/2014/main" id="{4D658397-2C4B-4000-8063-9848F82650BA}"/>
+              </a:ext>
+            </a:extLst>
+          </p:cNvPr>
+          <p:cNvCxnSpPr>
+            <a:cxnSpLocks/>
+          </p:cNvCxnSpPr>
+          <p:nvPr/>
+        </p:nvCxnSpPr>
+        <p:spPr>
+          <a:xfrm flipV="1">
+            <a:off x="4638511" y="5983098"/>
+            <a:ext cx="0" cy="554960"/>
+          </a:xfrm>
+          <a:prstGeom prst="line">
+            <a:avLst/>
+          </a:prstGeom>
+          <a:ln w="57150">
+            <a:solidFill>
+              <a:schemeClr val="bg2">
+                <a:lumMod val="10000"/>
+              </a:schemeClr>
+            </a:solidFill>
+          </a:ln>
+        </p:spPr>
+        <p:style>
+          <a:lnRef idx="1">
+            <a:schemeClr val="accent1"/>
+          </a:lnRef>
+          <a:fillRef idx="0">
+            <a:schemeClr val="accent1"/>
+          </a:fillRef>
+          <a:effectRef idx="0">
+            <a:schemeClr val="accent1"/>
+          </a:effectRef>
+          <a:fontRef idx="minor">
+            <a:schemeClr val="tx1"/>
+          </a:fontRef>
+        </p:style>
+      </p:cxnSp>
+      <p:cxnSp>
+        <p:nvCxnSpPr>
+          <p:cNvPr id="66" name="直線コネクタ 65">
+            <a:extLst>
+              <a:ext uri="{FF2B5EF4-FFF2-40B4-BE49-F238E27FC236}">
+                <a16:creationId xmlns:a16="http://schemas.microsoft.com/office/drawing/2014/main" id="{F9F57985-8243-4B72-9226-BFAD4CE2DEEC}"/>
+              </a:ext>
+            </a:extLst>
+          </p:cNvPr>
+          <p:cNvCxnSpPr>
+            <a:cxnSpLocks/>
+          </p:cNvCxnSpPr>
+          <p:nvPr/>
+        </p:nvCxnSpPr>
+        <p:spPr>
+          <a:xfrm flipV="1">
+            <a:off x="4844756" y="5984351"/>
+            <a:ext cx="0" cy="554960"/>
+          </a:xfrm>
+          <a:prstGeom prst="line">
+            <a:avLst/>
+          </a:prstGeom>
+          <a:ln w="57150">
+            <a:solidFill>
+              <a:schemeClr val="bg2">
+                <a:lumMod val="10000"/>
+              </a:schemeClr>
+            </a:solidFill>
+          </a:ln>
+        </p:spPr>
+        <p:style>
+          <a:lnRef idx="1">
+            <a:schemeClr val="accent1"/>
+          </a:lnRef>
+          <a:fillRef idx="0">
+            <a:schemeClr val="accent1"/>
+          </a:fillRef>
+          <a:effectRef idx="0">
+            <a:schemeClr val="accent1"/>
+          </a:effectRef>
+          <a:fontRef idx="minor">
+            <a:schemeClr val="tx1"/>
+          </a:fontRef>
+        </p:style>
+      </p:cxnSp>
+      <p:sp>
+        <p:nvSpPr>
+          <p:cNvPr id="9" name="楕円 8">
+            <a:extLst>
+              <a:ext uri="{FF2B5EF4-FFF2-40B4-BE49-F238E27FC236}">
+                <a16:creationId xmlns:a16="http://schemas.microsoft.com/office/drawing/2014/main" id="{5F83C3E4-DD28-48F0-9CF1-131ACAD0A376}"/>
+              </a:ext>
+            </a:extLst>
+          </p:cNvPr>
+          <p:cNvSpPr/>
+          <p:nvPr/>
+        </p:nvSpPr>
+        <p:spPr>
+          <a:xfrm>
+            <a:off x="3856005" y="1809541"/>
+            <a:ext cx="1943891" cy="1922693"/>
+          </a:xfrm>
+          <a:prstGeom prst="ellipse">
+            <a:avLst/>
+          </a:prstGeom>
+          <a:solidFill>
+            <a:schemeClr val="bg1"/>
+          </a:solidFill>
+          <a:ln w="28575">
+            <a:solidFill>
+              <a:schemeClr val="bg2">
+                <a:lumMod val="10000"/>
+              </a:schemeClr>
+            </a:solidFill>
+            <a:prstDash val="dash"/>
+          </a:ln>
+        </p:spPr>
+        <p:style>
+          <a:lnRef idx="2">
+            <a:schemeClr val="accent1">
+              <a:shade val="50000"/>
+            </a:schemeClr>
+          </a:lnRef>
+          <a:fillRef idx="1">
+            <a:schemeClr val="accent1"/>
+          </a:fillRef>
+          <a:effectRef idx="0">
+            <a:schemeClr val="accent1"/>
+          </a:effectRef>
+          <a:fontRef idx="minor">
+            <a:schemeClr val="lt1"/>
+          </a:fontRef>
+        </p:style>
+        <p:txBody>
+          <a:bodyPr rtlCol="0" anchor="ctr"/>
+          <a:lstStyle/>
+          <a:p>
+            <a:pPr algn="ctr"/>
+            <a:endParaRPr kumimoji="1" lang="ja-JP" altLang="en-US"/>
+          </a:p>
+        </p:txBody>
+      </p:sp>
+      <p:sp>
+        <p:nvSpPr>
+          <p:cNvPr id="20" name="テキスト ボックス 19">
+            <a:extLst>
+              <a:ext uri="{FF2B5EF4-FFF2-40B4-BE49-F238E27FC236}">
+                <a16:creationId xmlns:a16="http://schemas.microsoft.com/office/drawing/2014/main" id="{717BE03C-CB30-4BDE-AEBF-A8972D86E172}"/>
               </a:ext>
             </a:extLst>
           </p:cNvPr>
@@ -13637,7 +14660,7 @@
         </p:nvSpPr>
         <p:spPr>
           <a:xfrm>
-            <a:off x="5478370" y="5296002"/>
+            <a:off x="4492416" y="5008293"/>
             <a:ext cx="492443" cy="461665"/>
           </a:xfrm>
           <a:prstGeom prst="rect">
@@ -13662,10 +14685,47 @@
       </p:sp>
       <p:sp>
         <p:nvSpPr>
-          <p:cNvPr id="44" name="楕円 43">
-            <a:extLst>
-              <a:ext uri="{FF2B5EF4-FFF2-40B4-BE49-F238E27FC236}">
-                <a16:creationId xmlns:a16="http://schemas.microsoft.com/office/drawing/2014/main" id="{F928BFB5-9CA6-4D76-89C5-95229637D3F1}"/>
+          <p:cNvPr id="2" name="テキスト ボックス 1">
+            <a:extLst>
+              <a:ext uri="{FF2B5EF4-FFF2-40B4-BE49-F238E27FC236}">
+                <a16:creationId xmlns:a16="http://schemas.microsoft.com/office/drawing/2014/main" id="{3BAA7CD5-5A36-45E7-8A9E-8452104EE84E}"/>
+              </a:ext>
+            </a:extLst>
+          </p:cNvPr>
+          <p:cNvSpPr txBox="1"/>
+          <p:nvPr/>
+        </p:nvSpPr>
+        <p:spPr>
+          <a:xfrm>
+            <a:off x="8373465" y="2544318"/>
+            <a:ext cx="492443" cy="461665"/>
+          </a:xfrm>
+          <a:prstGeom prst="rect">
+            <a:avLst/>
+          </a:prstGeom>
+          <a:noFill/>
+        </p:spPr>
+        <p:txBody>
+          <a:bodyPr wrap="none" rtlCol="0">
+            <a:spAutoFit/>
+          </a:bodyPr>
+          <a:lstStyle/>
+          <a:p>
+            <a:r>
+              <a:rPr kumimoji="1" lang="ja-JP" altLang="en-US" sz="2400" b="1" dirty="0">
+                <a:latin typeface="Georgia" panose="02040502050405020303" pitchFamily="18" charset="0"/>
+              </a:rPr>
+              <a:t>イ</a:t>
+            </a:r>
+          </a:p>
+        </p:txBody>
+      </p:sp>
+      <p:sp>
+        <p:nvSpPr>
+          <p:cNvPr id="3" name="楕円 2">
+            <a:extLst>
+              <a:ext uri="{FF2B5EF4-FFF2-40B4-BE49-F238E27FC236}">
+                <a16:creationId xmlns:a16="http://schemas.microsoft.com/office/drawing/2014/main" id="{CB003734-785B-4885-B625-31F194B279F2}"/>
               </a:ext>
             </a:extLst>
           </p:cNvPr>
@@ -13674,7 +14734,7 @@
         </p:nvSpPr>
         <p:spPr>
           <a:xfrm>
-            <a:off x="4691572" y="4996776"/>
+            <a:off x="7586667" y="2245092"/>
             <a:ext cx="786798" cy="818707"/>
           </a:xfrm>
           <a:prstGeom prst="ellipse">
@@ -13718,10 +14778,10 @@
       </p:sp>
       <p:sp>
         <p:nvSpPr>
-          <p:cNvPr id="17" name="テキスト ボックス 16">
-            <a:extLst>
-              <a:ext uri="{FF2B5EF4-FFF2-40B4-BE49-F238E27FC236}">
-                <a16:creationId xmlns:a16="http://schemas.microsoft.com/office/drawing/2014/main" id="{AC6C95F1-9AEE-4281-815C-B257B0651CA7}"/>
+          <p:cNvPr id="8" name="テキスト ボックス 7">
+            <a:extLst>
+              <a:ext uri="{FF2B5EF4-FFF2-40B4-BE49-F238E27FC236}">
+                <a16:creationId xmlns:a16="http://schemas.microsoft.com/office/drawing/2014/main" id="{1E0AF941-4756-4A0D-BEAD-851DF1A9F734}"/>
               </a:ext>
             </a:extLst>
           </p:cNvPr>
@@ -13730,8 +14790,8 @@
         </p:nvSpPr>
         <p:spPr>
           <a:xfrm>
-            <a:off x="4704332" y="4967160"/>
-            <a:ext cx="777777" cy="769441"/>
+            <a:off x="7694365" y="2260366"/>
+            <a:ext cx="535724" cy="769441"/>
           </a:xfrm>
           <a:prstGeom prst="rect">
             <a:avLst/>
@@ -13747,8 +14807,9 @@
             <a:r>
               <a:rPr kumimoji="1" lang="en-US" altLang="ja-JP" sz="4400" dirty="0">
                 <a:latin typeface="Cambria Math" panose="02040503050406030204" pitchFamily="18" charset="0"/>
+                <a:ea typeface="Cambria Math" panose="02040503050406030204" pitchFamily="18" charset="0"/>
               </a:rPr>
-              <a:t>( )</a:t>
+              <a:t>R</a:t>
             </a:r>
             <a:endParaRPr kumimoji="1" lang="ja-JP" altLang="en-US" sz="4400" dirty="0">
               <a:latin typeface="Cambria Math" panose="02040503050406030204" pitchFamily="18" charset="0"/>
@@ -13756,103 +14817,92 @@
           </a:p>
         </p:txBody>
       </p:sp>
-      <p:cxnSp>
-        <p:nvCxnSpPr>
-          <p:cNvPr id="50" name="直線コネクタ 49">
-            <a:extLst>
-              <a:ext uri="{FF2B5EF4-FFF2-40B4-BE49-F238E27FC236}">
-                <a16:creationId xmlns:a16="http://schemas.microsoft.com/office/drawing/2014/main" id="{56332DDB-6A1C-4EF3-9621-CC3E4A766C5B}"/>
-              </a:ext>
-            </a:extLst>
-          </p:cNvPr>
-          <p:cNvCxnSpPr>
-            <a:cxnSpLocks/>
-          </p:cNvCxnSpPr>
-          <p:nvPr/>
-        </p:nvCxnSpPr>
-        <p:spPr>
-          <a:xfrm flipH="1" flipV="1">
-            <a:off x="7694365" y="893996"/>
-            <a:ext cx="571838" cy="345"/>
-          </a:xfrm>
-          <a:prstGeom prst="line">
-            <a:avLst/>
-          </a:prstGeom>
-          <a:ln w="57150">
-            <a:solidFill>
-              <a:schemeClr val="bg2">
-                <a:lumMod val="10000"/>
-              </a:schemeClr>
-            </a:solidFill>
-          </a:ln>
-        </p:spPr>
-        <p:style>
-          <a:lnRef idx="1">
-            <a:schemeClr val="accent1"/>
-          </a:lnRef>
-          <a:fillRef idx="0">
-            <a:schemeClr val="accent1"/>
-          </a:fillRef>
-          <a:effectRef idx="0">
-            <a:schemeClr val="accent1"/>
-          </a:effectRef>
-          <a:fontRef idx="minor">
-            <a:schemeClr val="tx1"/>
-          </a:fontRef>
-        </p:style>
-      </p:cxnSp>
-      <p:cxnSp>
-        <p:nvCxnSpPr>
-          <p:cNvPr id="55" name="直線コネクタ 54">
-            <a:extLst>
-              <a:ext uri="{FF2B5EF4-FFF2-40B4-BE49-F238E27FC236}">
-                <a16:creationId xmlns:a16="http://schemas.microsoft.com/office/drawing/2014/main" id="{7F65EDAD-F862-4A67-83DB-A8ECF73A00F4}"/>
-              </a:ext>
-            </a:extLst>
-          </p:cNvPr>
-          <p:cNvCxnSpPr>
-            <a:cxnSpLocks/>
-            <a:endCxn id="57" idx="5"/>
-          </p:cNvCxnSpPr>
-          <p:nvPr/>
-        </p:nvCxnSpPr>
-        <p:spPr>
-          <a:xfrm flipH="1">
-            <a:off x="1988471" y="5296002"/>
-            <a:ext cx="461204" cy="168565"/>
-          </a:xfrm>
-          <a:prstGeom prst="line">
-            <a:avLst/>
-          </a:prstGeom>
-          <a:ln w="19050">
-            <a:solidFill>
-              <a:schemeClr val="bg2">
-                <a:lumMod val="10000"/>
-              </a:schemeClr>
-            </a:solidFill>
-          </a:ln>
-        </p:spPr>
-        <p:style>
-          <a:lnRef idx="1">
-            <a:schemeClr val="accent1"/>
-          </a:lnRef>
-          <a:fillRef idx="0">
-            <a:schemeClr val="accent1"/>
-          </a:fillRef>
-          <a:effectRef idx="0">
-            <a:schemeClr val="accent1"/>
-          </a:effectRef>
-          <a:fontRef idx="minor">
-            <a:schemeClr val="tx1"/>
-          </a:fontRef>
-        </p:style>
-      </p:cxnSp>
-      <p:sp>
-        <p:nvSpPr>
-          <p:cNvPr id="56" name="楕円 55">
-            <a:extLst>
-              <a:ext uri="{FF2B5EF4-FFF2-40B4-BE49-F238E27FC236}">
-                <a16:creationId xmlns:a16="http://schemas.microsoft.com/office/drawing/2014/main" id="{6F64983C-8A89-4E4D-8122-0AD058935A51}"/>
+      <p:sp>
+        <p:nvSpPr>
+          <p:cNvPr id="33" name="テキスト ボックス 32">
+            <a:extLst>
+              <a:ext uri="{FF2B5EF4-FFF2-40B4-BE49-F238E27FC236}">
+                <a16:creationId xmlns:a16="http://schemas.microsoft.com/office/drawing/2014/main" id="{7ED70862-48FD-48CF-813A-6872E76486D3}"/>
+              </a:ext>
+            </a:extLst>
+          </p:cNvPr>
+          <p:cNvSpPr txBox="1"/>
+          <p:nvPr/>
+        </p:nvSpPr>
+        <p:spPr>
+          <a:xfrm>
+            <a:off x="1135422" y="2112551"/>
+            <a:ext cx="442750" cy="461665"/>
+          </a:xfrm>
+          <a:prstGeom prst="rect">
+            <a:avLst/>
+          </a:prstGeom>
+          <a:noFill/>
+        </p:spPr>
+        <p:txBody>
+          <a:bodyPr wrap="none" rtlCol="0">
+            <a:spAutoFit/>
+          </a:bodyPr>
+          <a:lstStyle/>
+          <a:p>
+            <a:r>
+              <a:rPr lang="en-US" altLang="ja-JP" sz="2400" b="1" dirty="0">
+                <a:latin typeface="Georgia" panose="02040502050405020303" pitchFamily="18" charset="0"/>
+              </a:rPr>
+              <a:t>N</a:t>
+            </a:r>
+            <a:endParaRPr kumimoji="1" lang="ja-JP" altLang="en-US" sz="2400" b="1" dirty="0">
+              <a:latin typeface="Georgia" panose="02040502050405020303" pitchFamily="18" charset="0"/>
+            </a:endParaRPr>
+          </a:p>
+        </p:txBody>
+      </p:sp>
+      <p:sp>
+        <p:nvSpPr>
+          <p:cNvPr id="34" name="テキスト ボックス 33">
+            <a:extLst>
+              <a:ext uri="{FF2B5EF4-FFF2-40B4-BE49-F238E27FC236}">
+                <a16:creationId xmlns:a16="http://schemas.microsoft.com/office/drawing/2014/main" id="{078D4802-1811-4D5C-932C-3F41C8678B74}"/>
+              </a:ext>
+            </a:extLst>
+          </p:cNvPr>
+          <p:cNvSpPr txBox="1"/>
+          <p:nvPr/>
+        </p:nvSpPr>
+        <p:spPr>
+          <a:xfrm>
+            <a:off x="1135422" y="2610035"/>
+            <a:ext cx="396262" cy="461665"/>
+          </a:xfrm>
+          <a:prstGeom prst="rect">
+            <a:avLst/>
+          </a:prstGeom>
+          <a:noFill/>
+        </p:spPr>
+        <p:txBody>
+          <a:bodyPr wrap="none" rtlCol="0">
+            <a:spAutoFit/>
+          </a:bodyPr>
+          <a:lstStyle/>
+          <a:p>
+            <a:r>
+              <a:rPr lang="en-US" altLang="ja-JP" sz="2400" b="1" dirty="0">
+                <a:latin typeface="Georgia" panose="02040502050405020303" pitchFamily="18" charset="0"/>
+              </a:rPr>
+              <a:t>L</a:t>
+            </a:r>
+            <a:endParaRPr kumimoji="1" lang="ja-JP" altLang="en-US" sz="2400" b="1" dirty="0">
+              <a:latin typeface="Georgia" panose="02040502050405020303" pitchFamily="18" charset="0"/>
+            </a:endParaRPr>
+          </a:p>
+        </p:txBody>
+      </p:sp>
+      <p:sp>
+        <p:nvSpPr>
+          <p:cNvPr id="36" name="楕円 35">
+            <a:extLst>
+              <a:ext uri="{FF2B5EF4-FFF2-40B4-BE49-F238E27FC236}">
+                <a16:creationId xmlns:a16="http://schemas.microsoft.com/office/drawing/2014/main" id="{A802A497-CEBD-4627-AC85-B1C145F8A7EE}"/>
               </a:ext>
             </a:extLst>
           </p:cNvPr>
@@ -13861,7 +14911,7 @@
         </p:nvSpPr>
         <p:spPr>
           <a:xfrm flipV="1">
-            <a:off x="2398883" y="5438117"/>
+            <a:off x="1753180" y="2337643"/>
             <a:ext cx="176092" cy="182966"/>
           </a:xfrm>
           <a:prstGeom prst="ellipse">
@@ -13901,10 +14951,10 @@
       </p:sp>
       <p:sp>
         <p:nvSpPr>
-          <p:cNvPr id="57" name="楕円 56">
-            <a:extLst>
-              <a:ext uri="{FF2B5EF4-FFF2-40B4-BE49-F238E27FC236}">
-                <a16:creationId xmlns:a16="http://schemas.microsoft.com/office/drawing/2014/main" id="{F4F8F858-C738-46FB-9F0D-CEC6F20372E8}"/>
+          <p:cNvPr id="37" name="楕円 36">
+            <a:extLst>
+              <a:ext uri="{FF2B5EF4-FFF2-40B4-BE49-F238E27FC236}">
+                <a16:creationId xmlns:a16="http://schemas.microsoft.com/office/drawing/2014/main" id="{4147115E-3C80-454F-8ADC-8FAD7AF44464}"/>
               </a:ext>
             </a:extLst>
           </p:cNvPr>
@@ -13913,7 +14963,7 @@
         </p:nvSpPr>
         <p:spPr>
           <a:xfrm flipV="1">
-            <a:off x="1838167" y="5437772"/>
+            <a:off x="1762916" y="2770888"/>
             <a:ext cx="176092" cy="182966"/>
           </a:xfrm>
           <a:prstGeom prst="ellipse">
@@ -13951,102 +15001,12 @@
           </a:p>
         </p:txBody>
       </p:sp>
-      <p:cxnSp>
-        <p:nvCxnSpPr>
-          <p:cNvPr id="64" name="直線コネクタ 63">
-            <a:extLst>
-              <a:ext uri="{FF2B5EF4-FFF2-40B4-BE49-F238E27FC236}">
-                <a16:creationId xmlns:a16="http://schemas.microsoft.com/office/drawing/2014/main" id="{4D658397-2C4B-4000-8063-9848F82650BA}"/>
-              </a:ext>
-            </a:extLst>
-          </p:cNvPr>
-          <p:cNvCxnSpPr>
-            <a:cxnSpLocks/>
-          </p:cNvCxnSpPr>
-          <p:nvPr/>
-        </p:nvCxnSpPr>
-        <p:spPr>
-          <a:xfrm flipV="1">
-            <a:off x="7875772" y="325626"/>
-            <a:ext cx="0" cy="554960"/>
-          </a:xfrm>
-          <a:prstGeom prst="line">
-            <a:avLst/>
-          </a:prstGeom>
-          <a:ln w="57150">
-            <a:solidFill>
-              <a:schemeClr val="bg2">
-                <a:lumMod val="10000"/>
-              </a:schemeClr>
-            </a:solidFill>
-          </a:ln>
-        </p:spPr>
-        <p:style>
-          <a:lnRef idx="1">
-            <a:schemeClr val="accent1"/>
-          </a:lnRef>
-          <a:fillRef idx="0">
-            <a:schemeClr val="accent1"/>
-          </a:fillRef>
-          <a:effectRef idx="0">
-            <a:schemeClr val="accent1"/>
-          </a:effectRef>
-          <a:fontRef idx="minor">
-            <a:schemeClr val="tx1"/>
-          </a:fontRef>
-        </p:style>
-      </p:cxnSp>
-      <p:cxnSp>
-        <p:nvCxnSpPr>
-          <p:cNvPr id="66" name="直線コネクタ 65">
-            <a:extLst>
-              <a:ext uri="{FF2B5EF4-FFF2-40B4-BE49-F238E27FC236}">
-                <a16:creationId xmlns:a16="http://schemas.microsoft.com/office/drawing/2014/main" id="{F9F57985-8243-4B72-9226-BFAD4CE2DEEC}"/>
-              </a:ext>
-            </a:extLst>
-          </p:cNvPr>
-          <p:cNvCxnSpPr>
-            <a:cxnSpLocks/>
-          </p:cNvCxnSpPr>
-          <p:nvPr/>
-        </p:nvCxnSpPr>
-        <p:spPr>
-          <a:xfrm flipV="1">
-            <a:off x="8082017" y="326879"/>
-            <a:ext cx="0" cy="554960"/>
-          </a:xfrm>
-          <a:prstGeom prst="line">
-            <a:avLst/>
-          </a:prstGeom>
-          <a:ln w="57150">
-            <a:solidFill>
-              <a:schemeClr val="bg2">
-                <a:lumMod val="10000"/>
-              </a:schemeClr>
-            </a:solidFill>
-          </a:ln>
-        </p:spPr>
-        <p:style>
-          <a:lnRef idx="1">
-            <a:schemeClr val="accent1"/>
-          </a:lnRef>
-          <a:fillRef idx="0">
-            <a:schemeClr val="accent1"/>
-          </a:fillRef>
-          <a:effectRef idx="0">
-            <a:schemeClr val="accent1"/>
-          </a:effectRef>
-          <a:fontRef idx="minor">
-            <a:schemeClr val="tx1"/>
-          </a:fontRef>
-        </p:style>
-      </p:cxnSp>
-      <p:sp>
-        <p:nvSpPr>
-          <p:cNvPr id="5" name="楕円 4">
-            <a:extLst>
-              <a:ext uri="{FF2B5EF4-FFF2-40B4-BE49-F238E27FC236}">
-                <a16:creationId xmlns:a16="http://schemas.microsoft.com/office/drawing/2014/main" id="{4542E235-6EE1-4DB0-BE9E-EE5CE07EC58A}"/>
+      <p:sp>
+        <p:nvSpPr>
+          <p:cNvPr id="39" name="正方形/長方形 38">
+            <a:extLst>
+              <a:ext uri="{FF2B5EF4-FFF2-40B4-BE49-F238E27FC236}">
+                <a16:creationId xmlns:a16="http://schemas.microsoft.com/office/drawing/2014/main" id="{D6CC2596-A934-4865-9DB7-5322396F0D0B}"/>
               </a:ext>
             </a:extLst>
           </p:cNvPr>
@@ -14054,11 +15014,11 @@
           <p:nvPr/>
         </p:nvSpPr>
         <p:spPr>
-          <a:xfrm flipV="1">
-            <a:off x="5168966" y="679254"/>
-            <a:ext cx="176092" cy="182966"/>
-          </a:xfrm>
-          <a:prstGeom prst="ellipse">
+          <a:xfrm rot="5400000">
+            <a:off x="1459959" y="2443505"/>
+            <a:ext cx="838866" cy="396262"/>
+          </a:xfrm>
+          <a:prstGeom prst="rect">
             <a:avLst/>
           </a:prstGeom>
           <a:noFill/>
@@ -14089,16 +15049,523 @@
           <a:lstStyle/>
           <a:p>
             <a:pPr algn="ctr"/>
+            <a:r>
+              <a:rPr lang="ja-JP" altLang="en-US" dirty="0"/>
+              <a:t>（）</a:t>
+            </a:r>
+            <a:endParaRPr kumimoji="1" lang="ja-JP" altLang="en-US" dirty="0"/>
+          </a:p>
+        </p:txBody>
+      </p:sp>
+      <p:sp>
+        <p:nvSpPr>
+          <p:cNvPr id="45" name="正方形/長方形 44">
+            <a:extLst>
+              <a:ext uri="{FF2B5EF4-FFF2-40B4-BE49-F238E27FC236}">
+                <a16:creationId xmlns:a16="http://schemas.microsoft.com/office/drawing/2014/main" id="{C10A138B-7BF2-422B-B12D-8901A2F2F335}"/>
+              </a:ext>
+            </a:extLst>
+          </p:cNvPr>
+          <p:cNvSpPr/>
+          <p:nvPr/>
+        </p:nvSpPr>
+        <p:spPr>
+          <a:xfrm rot="5400000">
+            <a:off x="4533190" y="-160835"/>
+            <a:ext cx="574370" cy="1172698"/>
+          </a:xfrm>
+          <a:prstGeom prst="rect">
+            <a:avLst/>
+          </a:prstGeom>
+          <a:noFill/>
+          <a:ln w="28575">
+            <a:solidFill>
+              <a:schemeClr val="tx1"/>
+            </a:solidFill>
+          </a:ln>
+        </p:spPr>
+        <p:style>
+          <a:lnRef idx="2">
+            <a:schemeClr val="accent1">
+              <a:shade val="50000"/>
+            </a:schemeClr>
+          </a:lnRef>
+          <a:fillRef idx="1">
+            <a:schemeClr val="accent1"/>
+          </a:fillRef>
+          <a:effectRef idx="0">
+            <a:schemeClr val="accent1"/>
+          </a:effectRef>
+          <a:fontRef idx="minor">
+            <a:schemeClr val="lt1"/>
+          </a:fontRef>
+        </p:style>
+        <p:txBody>
+          <a:bodyPr rtlCol="0" anchor="ctr"/>
+          <a:lstStyle/>
+          <a:p>
+            <a:pPr algn="ctr"/>
+            <a:r>
+              <a:rPr lang="ja-JP" altLang="en-US" dirty="0"/>
+              <a:t>（）</a:t>
+            </a:r>
+            <a:endParaRPr kumimoji="1" lang="ja-JP" altLang="en-US" dirty="0"/>
+          </a:p>
+        </p:txBody>
+      </p:sp>
+      <p:sp>
+        <p:nvSpPr>
+          <p:cNvPr id="46" name="テキスト ボックス 45">
+            <a:extLst>
+              <a:ext uri="{FF2B5EF4-FFF2-40B4-BE49-F238E27FC236}">
+                <a16:creationId xmlns:a16="http://schemas.microsoft.com/office/drawing/2014/main" id="{CE959F0D-37D9-4B3B-B022-8C82B71A64D8}"/>
+              </a:ext>
+            </a:extLst>
+          </p:cNvPr>
+          <p:cNvSpPr txBox="1"/>
+          <p:nvPr/>
+        </p:nvSpPr>
+        <p:spPr>
+          <a:xfrm rot="16200000">
+            <a:off x="4665694" y="62866"/>
+            <a:ext cx="461665" cy="769441"/>
+          </a:xfrm>
+          <a:prstGeom prst="rect">
+            <a:avLst/>
+          </a:prstGeom>
+          <a:noFill/>
+        </p:spPr>
+        <p:txBody>
+          <a:bodyPr vert="eaVert" wrap="square" rtlCol="0">
+            <a:spAutoFit/>
+          </a:bodyPr>
+          <a:lstStyle/>
+          <a:p>
+            <a:r>
+              <a:rPr kumimoji="1" lang="ja-JP" altLang="en-US" b="1" dirty="0"/>
+              <a:t>（ ）</a:t>
+            </a:r>
+          </a:p>
+        </p:txBody>
+      </p:sp>
+      <p:sp>
+        <p:nvSpPr>
+          <p:cNvPr id="47" name="テキスト ボックス 46">
+            <a:extLst>
+              <a:ext uri="{FF2B5EF4-FFF2-40B4-BE49-F238E27FC236}">
+                <a16:creationId xmlns:a16="http://schemas.microsoft.com/office/drawing/2014/main" id="{E195AD40-6689-445B-8205-5350C301C0FD}"/>
+              </a:ext>
+            </a:extLst>
+          </p:cNvPr>
+          <p:cNvSpPr txBox="1"/>
+          <p:nvPr/>
+        </p:nvSpPr>
+        <p:spPr>
+          <a:xfrm>
+            <a:off x="5341122" y="251034"/>
+            <a:ext cx="570990" cy="461665"/>
+          </a:xfrm>
+          <a:prstGeom prst="rect">
+            <a:avLst/>
+          </a:prstGeom>
+          <a:noFill/>
+        </p:spPr>
+        <p:txBody>
+          <a:bodyPr wrap="none" rtlCol="0">
+            <a:spAutoFit/>
+          </a:bodyPr>
+          <a:lstStyle/>
+          <a:p>
+            <a:r>
+              <a:rPr lang="en-US" altLang="ja-JP" sz="2400" b="1" dirty="0">
+                <a:latin typeface="Georgia" panose="02040502050405020303" pitchFamily="18" charset="0"/>
+              </a:rPr>
+              <a:t> </a:t>
+            </a:r>
+            <a:r>
+              <a:rPr lang="ja-JP" altLang="en-US" sz="2400" b="1" dirty="0">
+                <a:latin typeface="Georgia" panose="02040502050405020303" pitchFamily="18" charset="0"/>
+              </a:rPr>
+              <a:t>イ</a:t>
+            </a:r>
+            <a:endParaRPr kumimoji="1" lang="ja-JP" altLang="en-US" sz="2400" b="1" dirty="0">
+              <a:latin typeface="Georgia" panose="02040502050405020303" pitchFamily="18" charset="0"/>
+            </a:endParaRPr>
+          </a:p>
+        </p:txBody>
+      </p:sp>
+      <p:sp>
+        <p:nvSpPr>
+          <p:cNvPr id="48" name="楕円 47">
+            <a:extLst>
+              <a:ext uri="{FF2B5EF4-FFF2-40B4-BE49-F238E27FC236}">
+                <a16:creationId xmlns:a16="http://schemas.microsoft.com/office/drawing/2014/main" id="{8A1DEFC9-8860-4A6B-B66D-D521EDB7257C}"/>
+              </a:ext>
+            </a:extLst>
+          </p:cNvPr>
+          <p:cNvSpPr/>
+          <p:nvPr/>
+        </p:nvSpPr>
+        <p:spPr>
+          <a:xfrm flipV="1">
+            <a:off x="4633160" y="4548750"/>
+            <a:ext cx="292424" cy="308916"/>
+          </a:xfrm>
+          <a:prstGeom prst="ellipse">
+            <a:avLst/>
+          </a:prstGeom>
+          <a:noFill/>
+          <a:ln w="28575">
+            <a:solidFill>
+              <a:schemeClr val="tx1"/>
+            </a:solidFill>
+          </a:ln>
+        </p:spPr>
+        <p:style>
+          <a:lnRef idx="2">
+            <a:schemeClr val="accent1">
+              <a:shade val="50000"/>
+            </a:schemeClr>
+          </a:lnRef>
+          <a:fillRef idx="1">
+            <a:schemeClr val="accent1"/>
+          </a:fillRef>
+          <a:effectRef idx="0">
+            <a:schemeClr val="accent1"/>
+          </a:effectRef>
+          <a:fontRef idx="minor">
+            <a:schemeClr val="lt1"/>
+          </a:fontRef>
+        </p:style>
+        <p:txBody>
+          <a:bodyPr rtlCol="0" anchor="ctr"/>
+          <a:lstStyle/>
+          <a:p>
+            <a:pPr algn="ctr"/>
             <a:endParaRPr kumimoji="1" lang="ja-JP" altLang="en-US"/>
           </a:p>
         </p:txBody>
       </p:sp>
       <p:sp>
         <p:nvSpPr>
-          <p:cNvPr id="6" name="楕円 5">
-            <a:extLst>
-              <a:ext uri="{FF2B5EF4-FFF2-40B4-BE49-F238E27FC236}">
-                <a16:creationId xmlns:a16="http://schemas.microsoft.com/office/drawing/2014/main" id="{630E7E12-91AA-49D1-96D5-8D8D3C17C1BA}"/>
+          <p:cNvPr id="49" name="テキスト ボックス 48">
+            <a:extLst>
+              <a:ext uri="{FF2B5EF4-FFF2-40B4-BE49-F238E27FC236}">
+                <a16:creationId xmlns:a16="http://schemas.microsoft.com/office/drawing/2014/main" id="{9E61F3D8-5FAE-45EF-821C-A49EA5E5D206}"/>
+              </a:ext>
+            </a:extLst>
+          </p:cNvPr>
+          <p:cNvSpPr txBox="1"/>
+          <p:nvPr/>
+        </p:nvSpPr>
+        <p:spPr>
+          <a:xfrm>
+            <a:off x="4520204" y="4121729"/>
+            <a:ext cx="492443" cy="461665"/>
+          </a:xfrm>
+          <a:prstGeom prst="rect">
+            <a:avLst/>
+          </a:prstGeom>
+          <a:noFill/>
+        </p:spPr>
+        <p:txBody>
+          <a:bodyPr wrap="none" rtlCol="0">
+            <a:spAutoFit/>
+          </a:bodyPr>
+          <a:lstStyle/>
+          <a:p>
+            <a:r>
+              <a:rPr kumimoji="1" lang="ja-JP" altLang="en-US" sz="2400" b="1" dirty="0">
+                <a:latin typeface="Georgia" panose="02040502050405020303" pitchFamily="18" charset="0"/>
+              </a:rPr>
+              <a:t>イ</a:t>
+            </a:r>
+          </a:p>
+        </p:txBody>
+      </p:sp>
+      <p:cxnSp>
+        <p:nvCxnSpPr>
+          <p:cNvPr id="24" name="直線コネクタ 23">
+            <a:extLst>
+              <a:ext uri="{FF2B5EF4-FFF2-40B4-BE49-F238E27FC236}">
+                <a16:creationId xmlns:a16="http://schemas.microsoft.com/office/drawing/2014/main" id="{15A72FF9-77F0-4C05-8422-EBC03A9826C0}"/>
+              </a:ext>
+            </a:extLst>
+          </p:cNvPr>
+          <p:cNvCxnSpPr>
+            <a:cxnSpLocks/>
+          </p:cNvCxnSpPr>
+          <p:nvPr/>
+        </p:nvCxnSpPr>
+        <p:spPr>
+          <a:xfrm flipH="1" flipV="1">
+            <a:off x="1909944" y="2424159"/>
+            <a:ext cx="5676723" cy="67420"/>
+          </a:xfrm>
+          <a:prstGeom prst="line">
+            <a:avLst/>
+          </a:prstGeom>
+          <a:ln w="57150">
+            <a:solidFill>
+              <a:schemeClr val="accent1">
+                <a:lumMod val="60000"/>
+                <a:lumOff val="40000"/>
+              </a:schemeClr>
+            </a:solidFill>
+          </a:ln>
+        </p:spPr>
+        <p:style>
+          <a:lnRef idx="1">
+            <a:schemeClr val="accent1"/>
+          </a:lnRef>
+          <a:fillRef idx="0">
+            <a:schemeClr val="accent1"/>
+          </a:fillRef>
+          <a:effectRef idx="0">
+            <a:schemeClr val="accent1"/>
+          </a:effectRef>
+          <a:fontRef idx="minor">
+            <a:schemeClr val="tx1"/>
+          </a:fontRef>
+        </p:style>
+      </p:cxnSp>
+      <p:cxnSp>
+        <p:nvCxnSpPr>
+          <p:cNvPr id="26" name="直線コネクタ 25">
+            <a:extLst>
+              <a:ext uri="{FF2B5EF4-FFF2-40B4-BE49-F238E27FC236}">
+                <a16:creationId xmlns:a16="http://schemas.microsoft.com/office/drawing/2014/main" id="{EC141467-15C5-48BF-96DC-B869200F9784}"/>
+              </a:ext>
+            </a:extLst>
+          </p:cNvPr>
+          <p:cNvCxnSpPr>
+            <a:cxnSpLocks/>
+          </p:cNvCxnSpPr>
+          <p:nvPr/>
+        </p:nvCxnSpPr>
+        <p:spPr>
+          <a:xfrm flipH="1">
+            <a:off x="5136422" y="723421"/>
+            <a:ext cx="32543" cy="3370114"/>
+          </a:xfrm>
+          <a:prstGeom prst="line">
+            <a:avLst/>
+          </a:prstGeom>
+          <a:ln w="57150">
+            <a:solidFill>
+              <a:schemeClr val="accent1">
+                <a:lumMod val="60000"/>
+                <a:lumOff val="40000"/>
+              </a:schemeClr>
+            </a:solidFill>
+          </a:ln>
+        </p:spPr>
+        <p:style>
+          <a:lnRef idx="1">
+            <a:schemeClr val="accent1"/>
+          </a:lnRef>
+          <a:fillRef idx="0">
+            <a:schemeClr val="accent1"/>
+          </a:fillRef>
+          <a:effectRef idx="0">
+            <a:schemeClr val="accent1"/>
+          </a:effectRef>
+          <a:fontRef idx="minor">
+            <a:schemeClr val="tx1"/>
+          </a:fontRef>
+        </p:style>
+      </p:cxnSp>
+      <p:cxnSp>
+        <p:nvCxnSpPr>
+          <p:cNvPr id="29" name="直線コネクタ 28">
+            <a:extLst>
+              <a:ext uri="{FF2B5EF4-FFF2-40B4-BE49-F238E27FC236}">
+                <a16:creationId xmlns:a16="http://schemas.microsoft.com/office/drawing/2014/main" id="{F59D639C-ED14-4356-BA3C-154795A69DA9}"/>
+              </a:ext>
+            </a:extLst>
+          </p:cNvPr>
+          <p:cNvCxnSpPr>
+            <a:cxnSpLocks/>
+          </p:cNvCxnSpPr>
+          <p:nvPr/>
+        </p:nvCxnSpPr>
+        <p:spPr>
+          <a:xfrm flipH="1">
+            <a:off x="4926973" y="4093535"/>
+            <a:ext cx="209449" cy="531848"/>
+          </a:xfrm>
+          <a:prstGeom prst="line">
+            <a:avLst/>
+          </a:prstGeom>
+          <a:ln w="57150">
+            <a:solidFill>
+              <a:schemeClr val="accent1">
+                <a:lumMod val="60000"/>
+                <a:lumOff val="40000"/>
+              </a:schemeClr>
+            </a:solidFill>
+          </a:ln>
+        </p:spPr>
+        <p:style>
+          <a:lnRef idx="1">
+            <a:schemeClr val="accent1"/>
+          </a:lnRef>
+          <a:fillRef idx="0">
+            <a:schemeClr val="accent1"/>
+          </a:fillRef>
+          <a:effectRef idx="0">
+            <a:schemeClr val="accent1"/>
+          </a:effectRef>
+          <a:fontRef idx="minor">
+            <a:schemeClr val="tx1"/>
+          </a:fontRef>
+        </p:style>
+      </p:cxnSp>
+      <p:cxnSp>
+        <p:nvCxnSpPr>
+          <p:cNvPr id="31" name="直線コネクタ 30">
+            <a:extLst>
+              <a:ext uri="{FF2B5EF4-FFF2-40B4-BE49-F238E27FC236}">
+                <a16:creationId xmlns:a16="http://schemas.microsoft.com/office/drawing/2014/main" id="{1E3D66DB-0E5D-45F2-95ED-07777E4E34EF}"/>
+              </a:ext>
+            </a:extLst>
+          </p:cNvPr>
+          <p:cNvCxnSpPr>
+            <a:cxnSpLocks/>
+            <a:stCxn id="48" idx="5"/>
+          </p:cNvCxnSpPr>
+          <p:nvPr/>
+        </p:nvCxnSpPr>
+        <p:spPr>
+          <a:xfrm>
+            <a:off x="4882759" y="4593990"/>
+            <a:ext cx="646171" cy="470236"/>
+          </a:xfrm>
+          <a:prstGeom prst="line">
+            <a:avLst/>
+          </a:prstGeom>
+          <a:ln w="57150">
+            <a:solidFill>
+              <a:schemeClr val="accent1">
+                <a:lumMod val="60000"/>
+                <a:lumOff val="40000"/>
+              </a:schemeClr>
+            </a:solidFill>
+          </a:ln>
+        </p:spPr>
+        <p:style>
+          <a:lnRef idx="1">
+            <a:schemeClr val="accent1"/>
+          </a:lnRef>
+          <a:fillRef idx="0">
+            <a:schemeClr val="accent1"/>
+          </a:fillRef>
+          <a:effectRef idx="0">
+            <a:schemeClr val="accent1"/>
+          </a:effectRef>
+          <a:fontRef idx="minor">
+            <a:schemeClr val="tx1"/>
+          </a:fontRef>
+        </p:style>
+      </p:cxnSp>
+      <p:cxnSp>
+        <p:nvCxnSpPr>
+          <p:cNvPr id="35" name="直線コネクタ 34">
+            <a:extLst>
+              <a:ext uri="{FF2B5EF4-FFF2-40B4-BE49-F238E27FC236}">
+                <a16:creationId xmlns:a16="http://schemas.microsoft.com/office/drawing/2014/main" id="{E54920BE-24BA-4F91-9866-3F262CB61A98}"/>
+              </a:ext>
+            </a:extLst>
+          </p:cNvPr>
+          <p:cNvCxnSpPr>
+            <a:cxnSpLocks/>
+          </p:cNvCxnSpPr>
+          <p:nvPr/>
+        </p:nvCxnSpPr>
+        <p:spPr>
+          <a:xfrm flipH="1">
+            <a:off x="5129229" y="6144285"/>
+            <a:ext cx="399701" cy="168279"/>
+          </a:xfrm>
+          <a:prstGeom prst="line">
+            <a:avLst/>
+          </a:prstGeom>
+          <a:ln w="57150">
+            <a:solidFill>
+              <a:schemeClr val="accent1">
+                <a:lumMod val="60000"/>
+                <a:lumOff val="40000"/>
+              </a:schemeClr>
+            </a:solidFill>
+          </a:ln>
+        </p:spPr>
+        <p:style>
+          <a:lnRef idx="1">
+            <a:schemeClr val="accent1"/>
+          </a:lnRef>
+          <a:fillRef idx="0">
+            <a:schemeClr val="accent1"/>
+          </a:fillRef>
+          <a:effectRef idx="0">
+            <a:schemeClr val="accent1"/>
+          </a:effectRef>
+          <a:fontRef idx="minor">
+            <a:schemeClr val="tx1"/>
+          </a:fontRef>
+        </p:style>
+      </p:cxnSp>
+      <p:cxnSp>
+        <p:nvCxnSpPr>
+          <p:cNvPr id="38" name="直線コネクタ 37">
+            <a:extLst>
+              <a:ext uri="{FF2B5EF4-FFF2-40B4-BE49-F238E27FC236}">
+                <a16:creationId xmlns:a16="http://schemas.microsoft.com/office/drawing/2014/main" id="{CA2BCE06-9FE7-46EA-98EF-43581C73486E}"/>
+              </a:ext>
+            </a:extLst>
+          </p:cNvPr>
+          <p:cNvCxnSpPr>
+            <a:cxnSpLocks/>
+          </p:cNvCxnSpPr>
+          <p:nvPr/>
+        </p:nvCxnSpPr>
+        <p:spPr>
+          <a:xfrm>
+            <a:off x="5517214" y="5059764"/>
+            <a:ext cx="0" cy="1084521"/>
+          </a:xfrm>
+          <a:prstGeom prst="line">
+            <a:avLst/>
+          </a:prstGeom>
+          <a:ln w="57150">
+            <a:solidFill>
+              <a:schemeClr val="accent1">
+                <a:lumMod val="60000"/>
+                <a:lumOff val="40000"/>
+              </a:schemeClr>
+            </a:solidFill>
+          </a:ln>
+        </p:spPr>
+        <p:style>
+          <a:lnRef idx="1">
+            <a:schemeClr val="accent1"/>
+          </a:lnRef>
+          <a:fillRef idx="0">
+            <a:schemeClr val="accent1"/>
+          </a:fillRef>
+          <a:effectRef idx="0">
+            <a:schemeClr val="accent1"/>
+          </a:effectRef>
+          <a:fontRef idx="minor">
+            <a:schemeClr val="tx1"/>
+          </a:fontRef>
+        </p:style>
+      </p:cxnSp>
+      <p:sp>
+        <p:nvSpPr>
+          <p:cNvPr id="40" name="楕円 39">
+            <a:extLst>
+              <a:ext uri="{FF2B5EF4-FFF2-40B4-BE49-F238E27FC236}">
+                <a16:creationId xmlns:a16="http://schemas.microsoft.com/office/drawing/2014/main" id="{223D97D7-2A70-41E0-B750-32680885F656}"/>
               </a:ext>
             </a:extLst>
           </p:cNvPr>
@@ -14107,7 +15574,7 @@
         </p:nvSpPr>
         <p:spPr>
           <a:xfrm flipV="1">
-            <a:off x="4668664" y="679581"/>
+            <a:off x="5072429" y="2361352"/>
             <a:ext cx="176092" cy="182966"/>
           </a:xfrm>
           <a:prstGeom prst="ellipse">
@@ -14145,473 +15612,57 @@
           </a:p>
         </p:txBody>
       </p:sp>
-      <p:sp>
-        <p:nvSpPr>
-          <p:cNvPr id="7" name="楕円 6">
-            <a:extLst>
-              <a:ext uri="{FF2B5EF4-FFF2-40B4-BE49-F238E27FC236}">
-                <a16:creationId xmlns:a16="http://schemas.microsoft.com/office/drawing/2014/main" id="{3B110D3F-0631-4A34-B34D-A3A8EAD6EF60}"/>
-              </a:ext>
-            </a:extLst>
-          </p:cNvPr>
-          <p:cNvSpPr/>
-          <p:nvPr/>
-        </p:nvSpPr>
-        <p:spPr>
-          <a:xfrm>
-            <a:off x="1250701" y="1746609"/>
-            <a:ext cx="1943891" cy="1922693"/>
-          </a:xfrm>
-          <a:prstGeom prst="ellipse">
-            <a:avLst/>
-          </a:prstGeom>
-          <a:solidFill>
-            <a:schemeClr val="bg1"/>
-          </a:solidFill>
-          <a:ln w="28575">
+      <p:cxnSp>
+        <p:nvCxnSpPr>
+          <p:cNvPr id="32" name="直線コネクタ 31">
+            <a:extLst>
+              <a:ext uri="{FF2B5EF4-FFF2-40B4-BE49-F238E27FC236}">
+                <a16:creationId xmlns:a16="http://schemas.microsoft.com/office/drawing/2014/main" id="{1A25DF72-A536-48AA-8C93-5E64923762A4}"/>
+              </a:ext>
+            </a:extLst>
+          </p:cNvPr>
+          <p:cNvCxnSpPr>
+            <a:cxnSpLocks/>
+          </p:cNvCxnSpPr>
+          <p:nvPr/>
+        </p:nvCxnSpPr>
+        <p:spPr>
+          <a:xfrm flipH="1">
+            <a:off x="1950360" y="2883281"/>
+            <a:ext cx="2265195" cy="1"/>
+          </a:xfrm>
+          <a:prstGeom prst="line">
+            <a:avLst/>
+          </a:prstGeom>
+          <a:ln w="57150">
             <a:solidFill>
               <a:schemeClr val="bg2">
                 <a:lumMod val="10000"/>
               </a:schemeClr>
             </a:solidFill>
-            <a:prstDash val="dash"/>
-          </a:ln>
-        </p:spPr>
-        <p:style>
-          <a:lnRef idx="2">
-            <a:schemeClr val="accent1">
-              <a:shade val="50000"/>
-            </a:schemeClr>
-          </a:lnRef>
-          <a:fillRef idx="1">
-            <a:schemeClr val="accent1"/>
-          </a:fillRef>
-          <a:effectRef idx="0">
-            <a:schemeClr val="accent1"/>
-          </a:effectRef>
-          <a:fontRef idx="minor">
-            <a:schemeClr val="lt1"/>
-          </a:fontRef>
-        </p:style>
-        <p:txBody>
-          <a:bodyPr rtlCol="0" anchor="ctr"/>
-          <a:lstStyle/>
-          <a:p>
-            <a:pPr algn="ctr"/>
-            <a:endParaRPr kumimoji="1" lang="ja-JP" altLang="en-US"/>
-          </a:p>
-        </p:txBody>
-      </p:sp>
-      <p:sp>
-        <p:nvSpPr>
-          <p:cNvPr id="9" name="楕円 8">
-            <a:extLst>
-              <a:ext uri="{FF2B5EF4-FFF2-40B4-BE49-F238E27FC236}">
-                <a16:creationId xmlns:a16="http://schemas.microsoft.com/office/drawing/2014/main" id="{5F83C3E4-DD28-48F0-9CF1-131ACAD0A376}"/>
-              </a:ext>
-            </a:extLst>
-          </p:cNvPr>
-          <p:cNvSpPr/>
-          <p:nvPr/>
-        </p:nvSpPr>
-        <p:spPr>
-          <a:xfrm>
-            <a:off x="4041153" y="1746608"/>
-            <a:ext cx="1943891" cy="1922693"/>
-          </a:xfrm>
-          <a:prstGeom prst="ellipse">
-            <a:avLst/>
-          </a:prstGeom>
-          <a:solidFill>
-            <a:schemeClr val="bg1"/>
-          </a:solidFill>
-          <a:ln w="28575">
-            <a:solidFill>
-              <a:schemeClr val="bg2">
-                <a:lumMod val="10000"/>
-              </a:schemeClr>
-            </a:solidFill>
-            <a:prstDash val="dash"/>
-          </a:ln>
-        </p:spPr>
-        <p:style>
-          <a:lnRef idx="2">
-            <a:schemeClr val="accent1">
-              <a:shade val="50000"/>
-            </a:schemeClr>
-          </a:lnRef>
-          <a:fillRef idx="1">
-            <a:schemeClr val="accent1"/>
-          </a:fillRef>
-          <a:effectRef idx="0">
-            <a:schemeClr val="accent1"/>
-          </a:effectRef>
-          <a:fontRef idx="minor">
-            <a:schemeClr val="lt1"/>
-          </a:fontRef>
-        </p:style>
-        <p:txBody>
-          <a:bodyPr rtlCol="0" anchor="ctr"/>
-          <a:lstStyle/>
-          <a:p>
-            <a:pPr algn="ctr"/>
-            <a:endParaRPr kumimoji="1" lang="ja-JP" altLang="en-US"/>
-          </a:p>
-        </p:txBody>
-      </p:sp>
-      <p:sp>
-        <p:nvSpPr>
-          <p:cNvPr id="16" name="テキスト ボックス 15">
-            <a:extLst>
-              <a:ext uri="{FF2B5EF4-FFF2-40B4-BE49-F238E27FC236}">
-                <a16:creationId xmlns:a16="http://schemas.microsoft.com/office/drawing/2014/main" id="{11ABFD26-0EEB-409A-AB57-C9147DB964C5}"/>
-              </a:ext>
-            </a:extLst>
-          </p:cNvPr>
-          <p:cNvSpPr txBox="1"/>
-          <p:nvPr/>
-        </p:nvSpPr>
-        <p:spPr>
-          <a:xfrm>
-            <a:off x="8454372" y="792060"/>
-            <a:ext cx="613925" cy="461665"/>
-          </a:xfrm>
-          <a:prstGeom prst="rect">
-            <a:avLst/>
-          </a:prstGeom>
-          <a:noFill/>
-        </p:spPr>
-        <p:txBody>
-          <a:bodyPr wrap="square" rtlCol="0">
-            <a:spAutoFit/>
-          </a:bodyPr>
-          <a:lstStyle/>
-          <a:p>
-            <a:r>
-              <a:rPr kumimoji="1" lang="en-US" altLang="ja-JP" sz="2400" b="1" dirty="0">
-                <a:latin typeface="Georgia" panose="02040502050405020303" pitchFamily="18" charset="0"/>
-              </a:rPr>
-              <a:t>2</a:t>
-            </a:r>
-            <a:endParaRPr kumimoji="1" lang="ja-JP" altLang="en-US" sz="2400" b="1" dirty="0">
-              <a:latin typeface="Georgia" panose="02040502050405020303" pitchFamily="18" charset="0"/>
-            </a:endParaRPr>
-          </a:p>
-        </p:txBody>
-      </p:sp>
-      <p:sp>
-        <p:nvSpPr>
-          <p:cNvPr id="20" name="テキスト ボックス 19">
-            <a:extLst>
-              <a:ext uri="{FF2B5EF4-FFF2-40B4-BE49-F238E27FC236}">
-                <a16:creationId xmlns:a16="http://schemas.microsoft.com/office/drawing/2014/main" id="{717BE03C-CB30-4BDE-AEBF-A8972D86E172}"/>
-              </a:ext>
-            </a:extLst>
-          </p:cNvPr>
-          <p:cNvSpPr txBox="1"/>
-          <p:nvPr/>
-        </p:nvSpPr>
-        <p:spPr>
-          <a:xfrm>
-            <a:off x="1958736" y="5695302"/>
-            <a:ext cx="492443" cy="461665"/>
-          </a:xfrm>
-          <a:prstGeom prst="rect">
-            <a:avLst/>
-          </a:prstGeom>
-          <a:noFill/>
-        </p:spPr>
-        <p:txBody>
-          <a:bodyPr wrap="none" rtlCol="0">
-            <a:spAutoFit/>
-          </a:bodyPr>
-          <a:lstStyle/>
-          <a:p>
-            <a:r>
-              <a:rPr kumimoji="1" lang="ja-JP" altLang="en-US" sz="2400" b="1" dirty="0">
-                <a:latin typeface="Georgia" panose="02040502050405020303" pitchFamily="18" charset="0"/>
-              </a:rPr>
-              <a:t>イ</a:t>
-            </a:r>
-          </a:p>
-        </p:txBody>
-      </p:sp>
-      <p:sp>
-        <p:nvSpPr>
-          <p:cNvPr id="23" name="テキスト ボックス 22">
-            <a:extLst>
-              <a:ext uri="{FF2B5EF4-FFF2-40B4-BE49-F238E27FC236}">
-                <a16:creationId xmlns:a16="http://schemas.microsoft.com/office/drawing/2014/main" id="{2998232B-0DED-4BBB-8FE4-21473337C476}"/>
-              </a:ext>
-            </a:extLst>
-          </p:cNvPr>
-          <p:cNvSpPr txBox="1"/>
-          <p:nvPr/>
-        </p:nvSpPr>
-        <p:spPr>
-          <a:xfrm>
-            <a:off x="5035620" y="217916"/>
-            <a:ext cx="442750" cy="461665"/>
-          </a:xfrm>
-          <a:prstGeom prst="rect">
-            <a:avLst/>
-          </a:prstGeom>
-          <a:noFill/>
-        </p:spPr>
-        <p:txBody>
-          <a:bodyPr wrap="none" rtlCol="0">
-            <a:spAutoFit/>
-          </a:bodyPr>
-          <a:lstStyle/>
-          <a:p>
-            <a:r>
-              <a:rPr lang="en-US" altLang="ja-JP" sz="2400" b="1" dirty="0">
-                <a:latin typeface="Georgia" panose="02040502050405020303" pitchFamily="18" charset="0"/>
-              </a:rPr>
-              <a:t>N</a:t>
-            </a:r>
-            <a:endParaRPr kumimoji="1" lang="ja-JP" altLang="en-US" sz="2400" b="1" dirty="0">
-              <a:latin typeface="Georgia" panose="02040502050405020303" pitchFamily="18" charset="0"/>
-            </a:endParaRPr>
-          </a:p>
-        </p:txBody>
-      </p:sp>
-      <p:sp>
-        <p:nvSpPr>
-          <p:cNvPr id="24" name="テキスト ボックス 23">
-            <a:extLst>
-              <a:ext uri="{FF2B5EF4-FFF2-40B4-BE49-F238E27FC236}">
-                <a16:creationId xmlns:a16="http://schemas.microsoft.com/office/drawing/2014/main" id="{CAD876F1-1C0C-4045-B2A6-9488A827BDBD}"/>
-              </a:ext>
-            </a:extLst>
-          </p:cNvPr>
-          <p:cNvSpPr txBox="1"/>
-          <p:nvPr/>
-        </p:nvSpPr>
-        <p:spPr>
-          <a:xfrm>
-            <a:off x="4528506" y="217916"/>
-            <a:ext cx="396262" cy="461665"/>
-          </a:xfrm>
-          <a:prstGeom prst="rect">
-            <a:avLst/>
-          </a:prstGeom>
-          <a:noFill/>
-        </p:spPr>
-        <p:txBody>
-          <a:bodyPr wrap="none" rtlCol="0">
-            <a:spAutoFit/>
-          </a:bodyPr>
-          <a:lstStyle/>
-          <a:p>
-            <a:r>
-              <a:rPr kumimoji="1" lang="en-US" altLang="ja-JP" sz="2400" b="1" dirty="0">
-                <a:latin typeface="Georgia" panose="02040502050405020303" pitchFamily="18" charset="0"/>
-              </a:rPr>
-              <a:t>L</a:t>
-            </a:r>
-            <a:endParaRPr kumimoji="1" lang="ja-JP" altLang="en-US" sz="2400" b="1" dirty="0">
-              <a:latin typeface="Georgia" panose="02040502050405020303" pitchFamily="18" charset="0"/>
-            </a:endParaRPr>
-          </a:p>
-        </p:txBody>
-      </p:sp>
-      <p:sp>
-        <p:nvSpPr>
-          <p:cNvPr id="2" name="テキスト ボックス 1">
-            <a:extLst>
-              <a:ext uri="{FF2B5EF4-FFF2-40B4-BE49-F238E27FC236}">
-                <a16:creationId xmlns:a16="http://schemas.microsoft.com/office/drawing/2014/main" id="{3BAA7CD5-5A36-45E7-8A9E-8452104EE84E}"/>
-              </a:ext>
-            </a:extLst>
-          </p:cNvPr>
-          <p:cNvSpPr txBox="1"/>
-          <p:nvPr/>
-        </p:nvSpPr>
-        <p:spPr>
-          <a:xfrm>
-            <a:off x="2624965" y="417813"/>
-            <a:ext cx="492443" cy="461665"/>
-          </a:xfrm>
-          <a:prstGeom prst="rect">
-            <a:avLst/>
-          </a:prstGeom>
-          <a:noFill/>
-        </p:spPr>
-        <p:txBody>
-          <a:bodyPr wrap="none" rtlCol="0">
-            <a:spAutoFit/>
-          </a:bodyPr>
-          <a:lstStyle/>
-          <a:p>
-            <a:r>
-              <a:rPr kumimoji="1" lang="ja-JP" altLang="en-US" sz="2400" b="1" dirty="0">
-                <a:latin typeface="Georgia" panose="02040502050405020303" pitchFamily="18" charset="0"/>
-              </a:rPr>
-              <a:t>イ</a:t>
-            </a:r>
-          </a:p>
-        </p:txBody>
-      </p:sp>
-      <p:sp>
-        <p:nvSpPr>
-          <p:cNvPr id="3" name="楕円 2">
-            <a:extLst>
-              <a:ext uri="{FF2B5EF4-FFF2-40B4-BE49-F238E27FC236}">
-                <a16:creationId xmlns:a16="http://schemas.microsoft.com/office/drawing/2014/main" id="{CB003734-785B-4885-B625-31F194B279F2}"/>
-              </a:ext>
-            </a:extLst>
-          </p:cNvPr>
-          <p:cNvSpPr/>
-          <p:nvPr/>
-        </p:nvSpPr>
-        <p:spPr>
-          <a:xfrm>
-            <a:off x="1838167" y="118587"/>
-            <a:ext cx="786798" cy="818707"/>
-          </a:xfrm>
-          <a:prstGeom prst="ellipse">
-            <a:avLst/>
-          </a:prstGeom>
-          <a:solidFill>
-            <a:schemeClr val="bg1"/>
-          </a:solidFill>
-          <a:ln w="38100">
-            <a:solidFill>
-              <a:schemeClr val="bg2">
-                <a:lumMod val="10000"/>
-              </a:schemeClr>
-            </a:solidFill>
-          </a:ln>
-        </p:spPr>
-        <p:style>
-          <a:lnRef idx="2">
-            <a:schemeClr val="accent1">
-              <a:shade val="50000"/>
-            </a:schemeClr>
-          </a:lnRef>
-          <a:fillRef idx="1">
-            <a:schemeClr val="accent1"/>
-          </a:fillRef>
-          <a:effectRef idx="0">
-            <a:schemeClr val="accent1"/>
-          </a:effectRef>
-          <a:fontRef idx="minor">
-            <a:schemeClr val="lt1"/>
-          </a:fontRef>
-        </p:style>
-        <p:txBody>
-          <a:bodyPr rtlCol="0" anchor="ctr"/>
-          <a:lstStyle/>
-          <a:p>
-            <a:pPr algn="ctr"/>
-            <a:endParaRPr kumimoji="1" lang="ja-JP" altLang="en-US"/>
-          </a:p>
-        </p:txBody>
-      </p:sp>
-      <p:sp>
-        <p:nvSpPr>
-          <p:cNvPr id="8" name="テキスト ボックス 7">
-            <a:extLst>
-              <a:ext uri="{FF2B5EF4-FFF2-40B4-BE49-F238E27FC236}">
-                <a16:creationId xmlns:a16="http://schemas.microsoft.com/office/drawing/2014/main" id="{1E0AF941-4756-4A0D-BEAD-851DF1A9F734}"/>
-              </a:ext>
-            </a:extLst>
-          </p:cNvPr>
-          <p:cNvSpPr txBox="1"/>
-          <p:nvPr/>
-        </p:nvSpPr>
-        <p:spPr>
-          <a:xfrm>
-            <a:off x="1945865" y="133861"/>
-            <a:ext cx="535724" cy="769441"/>
-          </a:xfrm>
-          <a:prstGeom prst="rect">
-            <a:avLst/>
-          </a:prstGeom>
-          <a:noFill/>
-        </p:spPr>
-        <p:txBody>
-          <a:bodyPr wrap="none" rtlCol="0">
-            <a:spAutoFit/>
-          </a:bodyPr>
-          <a:lstStyle/>
-          <a:p>
-            <a:r>
-              <a:rPr kumimoji="1" lang="en-US" altLang="ja-JP" sz="4400" dirty="0">
-                <a:latin typeface="Cambria Math" panose="02040503050406030204" pitchFamily="18" charset="0"/>
-                <a:ea typeface="Cambria Math" panose="02040503050406030204" pitchFamily="18" charset="0"/>
-              </a:rPr>
-              <a:t>R</a:t>
-            </a:r>
-            <a:endParaRPr kumimoji="1" lang="ja-JP" altLang="en-US" sz="4400" dirty="0">
-              <a:latin typeface="Cambria Math" panose="02040503050406030204" pitchFamily="18" charset="0"/>
-            </a:endParaRPr>
-          </a:p>
-        </p:txBody>
-      </p:sp>
-      <p:sp>
-        <p:nvSpPr>
-          <p:cNvPr id="40" name="楕円 39">
-            <a:extLst>
-              <a:ext uri="{FF2B5EF4-FFF2-40B4-BE49-F238E27FC236}">
-                <a16:creationId xmlns:a16="http://schemas.microsoft.com/office/drawing/2014/main" id="{1A8B9F64-49EE-4937-A333-1C8B2735E22C}"/>
-              </a:ext>
-            </a:extLst>
-          </p:cNvPr>
-          <p:cNvSpPr/>
-          <p:nvPr/>
-        </p:nvSpPr>
-        <p:spPr>
-          <a:xfrm>
-            <a:off x="7586885" y="2208347"/>
-            <a:ext cx="786798" cy="736573"/>
-          </a:xfrm>
-          <a:prstGeom prst="ellipse">
-            <a:avLst/>
-          </a:prstGeom>
-          <a:solidFill>
-            <a:schemeClr val="bg1"/>
-          </a:solidFill>
-          <a:ln w="38100">
-            <a:solidFill>
-              <a:schemeClr val="bg2">
-                <a:lumMod val="10000"/>
-              </a:schemeClr>
-            </a:solidFill>
-          </a:ln>
-        </p:spPr>
-        <p:style>
-          <a:lnRef idx="2">
-            <a:schemeClr val="accent1">
-              <a:shade val="50000"/>
-            </a:schemeClr>
-          </a:lnRef>
-          <a:fillRef idx="1">
-            <a:schemeClr val="accent1"/>
-          </a:fillRef>
-          <a:effectRef idx="0">
-            <a:schemeClr val="accent1"/>
-          </a:effectRef>
-          <a:fontRef idx="minor">
-            <a:schemeClr val="lt1"/>
-          </a:fontRef>
-        </p:style>
-        <p:txBody>
-          <a:bodyPr rtlCol="0" anchor="ctr"/>
-          <a:lstStyle/>
-          <a:p>
-            <a:pPr algn="ctr"/>
-            <a:endParaRPr kumimoji="1" lang="ja-JP" altLang="en-US"/>
-          </a:p>
-        </p:txBody>
-      </p:sp>
+          </a:ln>
+        </p:spPr>
+        <p:style>
+          <a:lnRef idx="1">
+            <a:schemeClr val="accent1"/>
+          </a:lnRef>
+          <a:fillRef idx="0">
+            <a:schemeClr val="accent1"/>
+          </a:fillRef>
+          <a:effectRef idx="0">
+            <a:schemeClr val="accent1"/>
+          </a:effectRef>
+          <a:fontRef idx="minor">
+            <a:schemeClr val="tx1"/>
+          </a:fontRef>
+        </p:style>
+      </p:cxnSp>
       <p:cxnSp>
         <p:nvCxnSpPr>
           <p:cNvPr id="41" name="直線コネクタ 40">
             <a:extLst>
               <a:ext uri="{FF2B5EF4-FFF2-40B4-BE49-F238E27FC236}">
-                <a16:creationId xmlns:a16="http://schemas.microsoft.com/office/drawing/2014/main" id="{4C216ED0-3ED0-4120-B606-2A044FBF4ED4}"/>
+                <a16:creationId xmlns:a16="http://schemas.microsoft.com/office/drawing/2014/main" id="{01B62AEA-0FB0-4E02-9D4A-CD96958B5335}"/>
               </a:ext>
             </a:extLst>
           </p:cNvPr>
@@ -14622,8 +15673,8 @@
         </p:nvCxnSpPr>
         <p:spPr>
           <a:xfrm flipH="1" flipV="1">
-            <a:off x="7694365" y="2776717"/>
-            <a:ext cx="571838" cy="345"/>
+            <a:off x="4167080" y="2862578"/>
+            <a:ext cx="48475" cy="2197186"/>
           </a:xfrm>
           <a:prstGeom prst="line">
             <a:avLst/>
@@ -14656,7 +15707,7 @@
           <p:cNvPr id="42" name="直線コネクタ 41">
             <a:extLst>
               <a:ext uri="{FF2B5EF4-FFF2-40B4-BE49-F238E27FC236}">
-                <a16:creationId xmlns:a16="http://schemas.microsoft.com/office/drawing/2014/main" id="{8CF98F51-54EA-4790-8D7A-4DB60B59A57B}"/>
+                <a16:creationId xmlns:a16="http://schemas.microsoft.com/office/drawing/2014/main" id="{2468C495-DBEB-456F-8040-49167CE12451}"/>
               </a:ext>
             </a:extLst>
           </p:cNvPr>
@@ -14666,9 +15717,9 @@
           <p:nvPr/>
         </p:nvCxnSpPr>
         <p:spPr>
-          <a:xfrm flipV="1">
-            <a:off x="7875772" y="2208347"/>
-            <a:ext cx="0" cy="554960"/>
+          <a:xfrm flipH="1" flipV="1">
+            <a:off x="4201761" y="5044279"/>
+            <a:ext cx="280974" cy="313962"/>
           </a:xfrm>
           <a:prstGeom prst="line">
             <a:avLst/>
@@ -14701,19 +15752,20 @@
           <p:cNvPr id="43" name="直線コネクタ 42">
             <a:extLst>
               <a:ext uri="{FF2B5EF4-FFF2-40B4-BE49-F238E27FC236}">
-                <a16:creationId xmlns:a16="http://schemas.microsoft.com/office/drawing/2014/main" id="{12CAC96B-AB51-4330-9F64-BE4819430290}"/>
+                <a16:creationId xmlns:a16="http://schemas.microsoft.com/office/drawing/2014/main" id="{CB385E6A-757A-4133-B416-350E70CC85E5}"/>
               </a:ext>
             </a:extLst>
           </p:cNvPr>
           <p:cNvCxnSpPr>
             <a:cxnSpLocks/>
+            <a:endCxn id="18" idx="1"/>
           </p:cNvCxnSpPr>
           <p:nvPr/>
         </p:nvCxnSpPr>
         <p:spPr>
-          <a:xfrm flipV="1">
-            <a:off x="8082017" y="2209600"/>
-            <a:ext cx="0" cy="554960"/>
+          <a:xfrm flipH="1">
+            <a:off x="4464848" y="5519964"/>
+            <a:ext cx="2372" cy="571003"/>
           </a:xfrm>
           <a:prstGeom prst="line">
             <a:avLst/>
@@ -14743,370 +15795,10 @@
       </p:cxnSp>
       <p:sp>
         <p:nvSpPr>
-          <p:cNvPr id="31" name="テキスト ボックス 30">
-            <a:extLst>
-              <a:ext uri="{FF2B5EF4-FFF2-40B4-BE49-F238E27FC236}">
-                <a16:creationId xmlns:a16="http://schemas.microsoft.com/office/drawing/2014/main" id="{A4981440-8765-4CCA-8CF6-353ACF557958}"/>
-              </a:ext>
-            </a:extLst>
-          </p:cNvPr>
-          <p:cNvSpPr txBox="1"/>
-          <p:nvPr/>
-        </p:nvSpPr>
-        <p:spPr>
-          <a:xfrm>
-            <a:off x="8310195" y="2576633"/>
-            <a:ext cx="902277" cy="461665"/>
-          </a:xfrm>
-          <a:prstGeom prst="rect">
-            <a:avLst/>
-          </a:prstGeom>
-          <a:noFill/>
-        </p:spPr>
-        <p:txBody>
-          <a:bodyPr wrap="square" rtlCol="0">
-            <a:spAutoFit/>
-          </a:bodyPr>
-          <a:lstStyle/>
-          <a:p>
-            <a:r>
-              <a:rPr kumimoji="1" lang="en-US" altLang="ja-JP" sz="2400" b="1">
-                <a:latin typeface="Georgia" panose="02040502050405020303" pitchFamily="18" charset="0"/>
-              </a:rPr>
-              <a:t>EET</a:t>
-            </a:r>
-            <a:endParaRPr kumimoji="1" lang="ja-JP" altLang="en-US" sz="2400" b="1" dirty="0">
-              <a:latin typeface="Georgia" panose="02040502050405020303" pitchFamily="18" charset="0"/>
-            </a:endParaRPr>
-          </a:p>
-        </p:txBody>
-      </p:sp>
-      <p:cxnSp>
-        <p:nvCxnSpPr>
-          <p:cNvPr id="32" name="直線コネクタ 31">
-            <a:extLst>
-              <a:ext uri="{FF2B5EF4-FFF2-40B4-BE49-F238E27FC236}">
-                <a16:creationId xmlns:a16="http://schemas.microsoft.com/office/drawing/2014/main" id="{F9A4CB49-5571-4387-87DA-B66DD254E253}"/>
-              </a:ext>
-            </a:extLst>
-          </p:cNvPr>
-          <p:cNvCxnSpPr>
-            <a:cxnSpLocks/>
-          </p:cNvCxnSpPr>
-          <p:nvPr/>
-        </p:nvCxnSpPr>
-        <p:spPr>
-          <a:xfrm>
-            <a:off x="7739287" y="5212838"/>
-            <a:ext cx="715085" cy="0"/>
-          </a:xfrm>
-          <a:prstGeom prst="line">
-            <a:avLst/>
-          </a:prstGeom>
-          <a:ln w="57150">
-            <a:solidFill>
-              <a:schemeClr val="bg2">
-                <a:lumMod val="10000"/>
-              </a:schemeClr>
-            </a:solidFill>
-          </a:ln>
-        </p:spPr>
-        <p:style>
-          <a:lnRef idx="1">
-            <a:schemeClr val="accent1"/>
-          </a:lnRef>
-          <a:fillRef idx="0">
-            <a:schemeClr val="accent1"/>
-          </a:fillRef>
-          <a:effectRef idx="0">
-            <a:schemeClr val="accent1"/>
-          </a:effectRef>
-          <a:fontRef idx="minor">
-            <a:schemeClr val="tx1"/>
-          </a:fontRef>
-        </p:style>
-      </p:cxnSp>
-      <p:cxnSp>
-        <p:nvCxnSpPr>
-          <p:cNvPr id="35" name="直線コネクタ 34">
-            <a:extLst>
-              <a:ext uri="{FF2B5EF4-FFF2-40B4-BE49-F238E27FC236}">
-                <a16:creationId xmlns:a16="http://schemas.microsoft.com/office/drawing/2014/main" id="{160D0986-2D16-44EF-B4DB-7ABF661F6F7B}"/>
-              </a:ext>
-            </a:extLst>
-          </p:cNvPr>
-          <p:cNvCxnSpPr>
-            <a:cxnSpLocks/>
-          </p:cNvCxnSpPr>
-          <p:nvPr/>
-        </p:nvCxnSpPr>
-        <p:spPr>
-          <a:xfrm>
-            <a:off x="7891687" y="5344961"/>
-            <a:ext cx="418508" cy="0"/>
-          </a:xfrm>
-          <a:prstGeom prst="line">
-            <a:avLst/>
-          </a:prstGeom>
-          <a:ln w="57150">
-            <a:solidFill>
-              <a:schemeClr val="bg2">
-                <a:lumMod val="10000"/>
-              </a:schemeClr>
-            </a:solidFill>
-          </a:ln>
-        </p:spPr>
-        <p:style>
-          <a:lnRef idx="1">
-            <a:schemeClr val="accent1"/>
-          </a:lnRef>
-          <a:fillRef idx="0">
-            <a:schemeClr val="accent1"/>
-          </a:fillRef>
-          <a:effectRef idx="0">
-            <a:schemeClr val="accent1"/>
-          </a:effectRef>
-          <a:fontRef idx="minor">
-            <a:schemeClr val="tx1"/>
-          </a:fontRef>
-        </p:style>
-      </p:cxnSp>
-      <p:cxnSp>
-        <p:nvCxnSpPr>
-          <p:cNvPr id="38" name="直線コネクタ 37">
-            <a:extLst>
-              <a:ext uri="{FF2B5EF4-FFF2-40B4-BE49-F238E27FC236}">
-                <a16:creationId xmlns:a16="http://schemas.microsoft.com/office/drawing/2014/main" id="{48BDD2AA-0A0E-47E6-9707-CB854D4B890A}"/>
-              </a:ext>
-            </a:extLst>
-          </p:cNvPr>
-          <p:cNvCxnSpPr>
-            <a:cxnSpLocks/>
-          </p:cNvCxnSpPr>
-          <p:nvPr/>
-        </p:nvCxnSpPr>
-        <p:spPr>
-          <a:xfrm>
-            <a:off x="7971469" y="5476353"/>
-            <a:ext cx="221057" cy="4207"/>
-          </a:xfrm>
-          <a:prstGeom prst="line">
-            <a:avLst/>
-          </a:prstGeom>
-          <a:ln w="57150">
-            <a:solidFill>
-              <a:schemeClr val="bg2">
-                <a:lumMod val="10000"/>
-              </a:schemeClr>
-            </a:solidFill>
-          </a:ln>
-        </p:spPr>
-        <p:style>
-          <a:lnRef idx="1">
-            <a:schemeClr val="accent1"/>
-          </a:lnRef>
-          <a:fillRef idx="0">
-            <a:schemeClr val="accent1"/>
-          </a:fillRef>
-          <a:effectRef idx="0">
-            <a:schemeClr val="accent1"/>
-          </a:effectRef>
-          <a:fontRef idx="minor">
-            <a:schemeClr val="tx1"/>
-          </a:fontRef>
-        </p:style>
-      </p:cxnSp>
-      <p:cxnSp>
-        <p:nvCxnSpPr>
-          <p:cNvPr id="33" name="直線コネクタ 32">
-            <a:extLst>
-              <a:ext uri="{FF2B5EF4-FFF2-40B4-BE49-F238E27FC236}">
-                <a16:creationId xmlns:a16="http://schemas.microsoft.com/office/drawing/2014/main" id="{BBE3D8B6-900A-47E6-9329-B5608B8785AB}"/>
-              </a:ext>
-            </a:extLst>
-          </p:cNvPr>
-          <p:cNvCxnSpPr>
-            <a:cxnSpLocks/>
-          </p:cNvCxnSpPr>
-          <p:nvPr/>
-        </p:nvCxnSpPr>
-        <p:spPr>
-          <a:xfrm>
-            <a:off x="5256995" y="857004"/>
-            <a:ext cx="0" cy="4139772"/>
-          </a:xfrm>
-          <a:prstGeom prst="line">
-            <a:avLst/>
-          </a:prstGeom>
-          <a:ln w="57150">
-            <a:solidFill>
-              <a:schemeClr val="accent1">
-                <a:lumMod val="60000"/>
-                <a:lumOff val="40000"/>
-              </a:schemeClr>
-            </a:solidFill>
-          </a:ln>
-        </p:spPr>
-        <p:style>
-          <a:lnRef idx="1">
-            <a:schemeClr val="accent1"/>
-          </a:lnRef>
-          <a:fillRef idx="0">
-            <a:schemeClr val="accent1"/>
-          </a:fillRef>
-          <a:effectRef idx="0">
-            <a:schemeClr val="accent1"/>
-          </a:effectRef>
-          <a:fontRef idx="minor">
-            <a:schemeClr val="tx1"/>
-          </a:fontRef>
-        </p:style>
-      </p:cxnSp>
-      <p:cxnSp>
-        <p:nvCxnSpPr>
-          <p:cNvPr id="34" name="直線コネクタ 33">
-            <a:extLst>
-              <a:ext uri="{FF2B5EF4-FFF2-40B4-BE49-F238E27FC236}">
-                <a16:creationId xmlns:a16="http://schemas.microsoft.com/office/drawing/2014/main" id="{F227838D-2CE7-4895-BFB5-2CED3C1FDA29}"/>
-              </a:ext>
-            </a:extLst>
-          </p:cNvPr>
-          <p:cNvCxnSpPr>
-            <a:cxnSpLocks/>
-            <a:stCxn id="40" idx="1"/>
-          </p:cNvCxnSpPr>
-          <p:nvPr/>
-        </p:nvCxnSpPr>
-        <p:spPr>
-          <a:xfrm flipH="1" flipV="1">
-            <a:off x="2481589" y="2306282"/>
-            <a:ext cx="5220520" cy="9934"/>
-          </a:xfrm>
-          <a:prstGeom prst="line">
-            <a:avLst/>
-          </a:prstGeom>
-          <a:ln w="57150">
-            <a:solidFill>
-              <a:schemeClr val="accent1">
-                <a:lumMod val="60000"/>
-                <a:lumOff val="40000"/>
-              </a:schemeClr>
-            </a:solidFill>
-          </a:ln>
-        </p:spPr>
-        <p:style>
-          <a:lnRef idx="1">
-            <a:schemeClr val="accent1"/>
-          </a:lnRef>
-          <a:fillRef idx="0">
-            <a:schemeClr val="accent1"/>
-          </a:fillRef>
-          <a:effectRef idx="0">
-            <a:schemeClr val="accent1"/>
-          </a:effectRef>
-          <a:fontRef idx="minor">
-            <a:schemeClr val="tx1"/>
-          </a:fontRef>
-        </p:style>
-      </p:cxnSp>
-      <p:cxnSp>
-        <p:nvCxnSpPr>
-          <p:cNvPr id="39" name="直線コネクタ 38">
-            <a:extLst>
-              <a:ext uri="{FF2B5EF4-FFF2-40B4-BE49-F238E27FC236}">
-                <a16:creationId xmlns:a16="http://schemas.microsoft.com/office/drawing/2014/main" id="{B978440D-0487-4861-9EC7-AB28C4BF9C00}"/>
-              </a:ext>
-            </a:extLst>
-          </p:cNvPr>
-          <p:cNvCxnSpPr>
-            <a:cxnSpLocks/>
-          </p:cNvCxnSpPr>
-          <p:nvPr/>
-        </p:nvCxnSpPr>
-        <p:spPr>
-          <a:xfrm>
-            <a:off x="2478996" y="857004"/>
-            <a:ext cx="0" cy="1449278"/>
-          </a:xfrm>
-          <a:prstGeom prst="line">
-            <a:avLst/>
-          </a:prstGeom>
-          <a:ln w="57150">
-            <a:solidFill>
-              <a:schemeClr val="accent1">
-                <a:lumMod val="60000"/>
-                <a:lumOff val="40000"/>
-              </a:schemeClr>
-            </a:solidFill>
-          </a:ln>
-        </p:spPr>
-        <p:style>
-          <a:lnRef idx="1">
-            <a:schemeClr val="accent1"/>
-          </a:lnRef>
-          <a:fillRef idx="0">
-            <a:schemeClr val="accent1"/>
-          </a:fillRef>
-          <a:effectRef idx="0">
-            <a:schemeClr val="accent1"/>
-          </a:effectRef>
-          <a:fontRef idx="minor">
-            <a:schemeClr val="tx1"/>
-          </a:fontRef>
-        </p:style>
-      </p:cxnSp>
-      <p:cxnSp>
-        <p:nvCxnSpPr>
-          <p:cNvPr id="45" name="直線コネクタ 44">
-            <a:extLst>
-              <a:ext uri="{FF2B5EF4-FFF2-40B4-BE49-F238E27FC236}">
-                <a16:creationId xmlns:a16="http://schemas.microsoft.com/office/drawing/2014/main" id="{CAEC8063-BD55-4922-9107-49B21F634087}"/>
-              </a:ext>
-            </a:extLst>
-          </p:cNvPr>
-          <p:cNvCxnSpPr>
-            <a:cxnSpLocks/>
-          </p:cNvCxnSpPr>
-          <p:nvPr/>
-        </p:nvCxnSpPr>
-        <p:spPr>
-          <a:xfrm>
-            <a:off x="7662282" y="857004"/>
-            <a:ext cx="0" cy="1449278"/>
-          </a:xfrm>
-          <a:prstGeom prst="line">
-            <a:avLst/>
-          </a:prstGeom>
-          <a:ln w="57150">
-            <a:solidFill>
-              <a:schemeClr val="accent1">
-                <a:lumMod val="60000"/>
-                <a:lumOff val="40000"/>
-              </a:schemeClr>
-            </a:solidFill>
-          </a:ln>
-        </p:spPr>
-        <p:style>
-          <a:lnRef idx="1">
-            <a:schemeClr val="accent1"/>
-          </a:lnRef>
-          <a:fillRef idx="0">
-            <a:schemeClr val="accent1"/>
-          </a:fillRef>
-          <a:effectRef idx="0">
-            <a:schemeClr val="accent1"/>
-          </a:effectRef>
-          <a:fontRef idx="minor">
-            <a:schemeClr val="tx1"/>
-          </a:fontRef>
-        </p:style>
-      </p:cxnSp>
-      <p:sp>
-        <p:nvSpPr>
-          <p:cNvPr id="46" name="楕円 45">
-            <a:extLst>
-              <a:ext uri="{FF2B5EF4-FFF2-40B4-BE49-F238E27FC236}">
-                <a16:creationId xmlns:a16="http://schemas.microsoft.com/office/drawing/2014/main" id="{46062B52-5B22-46C1-8F9C-78E04C4F44D3}"/>
+          <p:cNvPr id="44" name="楕円 43">
+            <a:extLst>
+              <a:ext uri="{FF2B5EF4-FFF2-40B4-BE49-F238E27FC236}">
+                <a16:creationId xmlns:a16="http://schemas.microsoft.com/office/drawing/2014/main" id="{0A05C9AA-58BF-49B4-A9BF-2B155DCAF6F6}"/>
               </a:ext>
             </a:extLst>
           </p:cNvPr>
@@ -15115,7 +15807,7 @@
         </p:nvSpPr>
         <p:spPr>
           <a:xfrm flipV="1">
-            <a:off x="2439312" y="2181535"/>
+            <a:off x="4079034" y="2823017"/>
             <a:ext cx="176092" cy="182966"/>
           </a:xfrm>
           <a:prstGeom prst="ellipse">
@@ -15153,12 +15845,278 @@
           </a:p>
         </p:txBody>
       </p:sp>
-      <p:sp>
-        <p:nvSpPr>
-          <p:cNvPr id="47" name="楕円 46">
-            <a:extLst>
-              <a:ext uri="{FF2B5EF4-FFF2-40B4-BE49-F238E27FC236}">
-                <a16:creationId xmlns:a16="http://schemas.microsoft.com/office/drawing/2014/main" id="{17EB55EE-792D-4475-B423-8A38D81326B1}"/>
+      <p:cxnSp>
+        <p:nvCxnSpPr>
+          <p:cNvPr id="51" name="直線コネクタ 50">
+            <a:extLst>
+              <a:ext uri="{FF2B5EF4-FFF2-40B4-BE49-F238E27FC236}">
+                <a16:creationId xmlns:a16="http://schemas.microsoft.com/office/drawing/2014/main" id="{65A682D9-E622-4C61-B90E-3029AEB08F25}"/>
+              </a:ext>
+            </a:extLst>
+          </p:cNvPr>
+          <p:cNvCxnSpPr>
+            <a:cxnSpLocks/>
+          </p:cNvCxnSpPr>
+          <p:nvPr/>
+        </p:nvCxnSpPr>
+        <p:spPr>
+          <a:xfrm flipH="1" flipV="1">
+            <a:off x="4813283" y="5006341"/>
+            <a:ext cx="280974" cy="313962"/>
+          </a:xfrm>
+          <a:prstGeom prst="line">
+            <a:avLst/>
+          </a:prstGeom>
+          <a:ln w="57150">
+            <a:solidFill>
+              <a:srgbClr val="FF0000"/>
+            </a:solidFill>
+          </a:ln>
+        </p:spPr>
+        <p:style>
+          <a:lnRef idx="1">
+            <a:schemeClr val="accent1"/>
+          </a:lnRef>
+          <a:fillRef idx="0">
+            <a:schemeClr val="accent1"/>
+          </a:fillRef>
+          <a:effectRef idx="0">
+            <a:schemeClr val="accent1"/>
+          </a:effectRef>
+          <a:fontRef idx="minor">
+            <a:schemeClr val="tx1"/>
+          </a:fontRef>
+        </p:style>
+      </p:cxnSp>
+      <p:cxnSp>
+        <p:nvCxnSpPr>
+          <p:cNvPr id="52" name="直線コネクタ 51">
+            <a:extLst>
+              <a:ext uri="{FF2B5EF4-FFF2-40B4-BE49-F238E27FC236}">
+                <a16:creationId xmlns:a16="http://schemas.microsoft.com/office/drawing/2014/main" id="{12A1C3A3-DC07-4A0C-9FA8-1127B606526F}"/>
+              </a:ext>
+            </a:extLst>
+          </p:cNvPr>
+          <p:cNvCxnSpPr>
+            <a:cxnSpLocks/>
+          </p:cNvCxnSpPr>
+          <p:nvPr/>
+        </p:nvCxnSpPr>
+        <p:spPr>
+          <a:xfrm flipH="1" flipV="1">
+            <a:off x="4491027" y="5006341"/>
+            <a:ext cx="349531" cy="31844"/>
+          </a:xfrm>
+          <a:prstGeom prst="line">
+            <a:avLst/>
+          </a:prstGeom>
+          <a:ln w="57150">
+            <a:solidFill>
+              <a:srgbClr val="FF0000"/>
+            </a:solidFill>
+          </a:ln>
+        </p:spPr>
+        <p:style>
+          <a:lnRef idx="1">
+            <a:schemeClr val="accent1"/>
+          </a:lnRef>
+          <a:fillRef idx="0">
+            <a:schemeClr val="accent1"/>
+          </a:fillRef>
+          <a:effectRef idx="0">
+            <a:schemeClr val="accent1"/>
+          </a:effectRef>
+          <a:fontRef idx="minor">
+            <a:schemeClr val="tx1"/>
+          </a:fontRef>
+        </p:style>
+      </p:cxnSp>
+      <p:cxnSp>
+        <p:nvCxnSpPr>
+          <p:cNvPr id="53" name="直線コネクタ 52">
+            <a:extLst>
+              <a:ext uri="{FF2B5EF4-FFF2-40B4-BE49-F238E27FC236}">
+                <a16:creationId xmlns:a16="http://schemas.microsoft.com/office/drawing/2014/main" id="{F034DB2C-DF0B-4790-A666-AD7425734837}"/>
+              </a:ext>
+            </a:extLst>
+          </p:cNvPr>
+          <p:cNvCxnSpPr>
+            <a:cxnSpLocks/>
+            <a:stCxn id="48" idx="2"/>
+          </p:cNvCxnSpPr>
+          <p:nvPr/>
+        </p:nvCxnSpPr>
+        <p:spPr>
+          <a:xfrm flipH="1">
+            <a:off x="4491027" y="4703208"/>
+            <a:ext cx="142133" cy="291675"/>
+          </a:xfrm>
+          <a:prstGeom prst="line">
+            <a:avLst/>
+          </a:prstGeom>
+          <a:ln w="57150">
+            <a:solidFill>
+              <a:srgbClr val="FF0000"/>
+            </a:solidFill>
+          </a:ln>
+        </p:spPr>
+        <p:style>
+          <a:lnRef idx="1">
+            <a:schemeClr val="accent1"/>
+          </a:lnRef>
+          <a:fillRef idx="0">
+            <a:schemeClr val="accent1"/>
+          </a:fillRef>
+          <a:effectRef idx="0">
+            <a:schemeClr val="accent1"/>
+          </a:effectRef>
+          <a:fontRef idx="minor">
+            <a:schemeClr val="tx1"/>
+          </a:fontRef>
+        </p:style>
+      </p:cxnSp>
+      <p:cxnSp>
+        <p:nvCxnSpPr>
+          <p:cNvPr id="54" name="直線コネクタ 53">
+            <a:extLst>
+              <a:ext uri="{FF2B5EF4-FFF2-40B4-BE49-F238E27FC236}">
+                <a16:creationId xmlns:a16="http://schemas.microsoft.com/office/drawing/2014/main" id="{884176C7-3414-4E31-BEE7-5F831D7ABF74}"/>
+              </a:ext>
+            </a:extLst>
+          </p:cNvPr>
+          <p:cNvCxnSpPr>
+            <a:cxnSpLocks/>
+          </p:cNvCxnSpPr>
+          <p:nvPr/>
+        </p:nvCxnSpPr>
+        <p:spPr>
+          <a:xfrm>
+            <a:off x="4428037" y="4442855"/>
+            <a:ext cx="195945" cy="290081"/>
+          </a:xfrm>
+          <a:prstGeom prst="line">
+            <a:avLst/>
+          </a:prstGeom>
+          <a:ln w="57150">
+            <a:solidFill>
+              <a:schemeClr val="tx1">
+                <a:lumMod val="95000"/>
+                <a:lumOff val="5000"/>
+              </a:schemeClr>
+            </a:solidFill>
+          </a:ln>
+        </p:spPr>
+        <p:style>
+          <a:lnRef idx="1">
+            <a:schemeClr val="accent1"/>
+          </a:lnRef>
+          <a:fillRef idx="0">
+            <a:schemeClr val="accent1"/>
+          </a:fillRef>
+          <a:effectRef idx="0">
+            <a:schemeClr val="accent1"/>
+          </a:effectRef>
+          <a:fontRef idx="minor">
+            <a:schemeClr val="tx1"/>
+          </a:fontRef>
+        </p:style>
+      </p:cxnSp>
+      <p:cxnSp>
+        <p:nvCxnSpPr>
+          <p:cNvPr id="58" name="直線コネクタ 57">
+            <a:extLst>
+              <a:ext uri="{FF2B5EF4-FFF2-40B4-BE49-F238E27FC236}">
+                <a16:creationId xmlns:a16="http://schemas.microsoft.com/office/drawing/2014/main" id="{20FC6B90-86FD-417C-9708-33C2716BCD5E}"/>
+              </a:ext>
+            </a:extLst>
+          </p:cNvPr>
+          <p:cNvCxnSpPr>
+            <a:cxnSpLocks/>
+          </p:cNvCxnSpPr>
+          <p:nvPr/>
+        </p:nvCxnSpPr>
+        <p:spPr>
+          <a:xfrm>
+            <a:off x="4428037" y="712699"/>
+            <a:ext cx="38393" cy="3768182"/>
+          </a:xfrm>
+          <a:prstGeom prst="line">
+            <a:avLst/>
+          </a:prstGeom>
+          <a:ln w="57150">
+            <a:solidFill>
+              <a:schemeClr val="bg2">
+                <a:lumMod val="10000"/>
+              </a:schemeClr>
+            </a:solidFill>
+          </a:ln>
+        </p:spPr>
+        <p:style>
+          <a:lnRef idx="1">
+            <a:schemeClr val="accent1"/>
+          </a:lnRef>
+          <a:fillRef idx="0">
+            <a:schemeClr val="accent1"/>
+          </a:fillRef>
+          <a:effectRef idx="0">
+            <a:schemeClr val="accent1"/>
+          </a:effectRef>
+          <a:fontRef idx="minor">
+            <a:schemeClr val="tx1"/>
+          </a:fontRef>
+        </p:style>
+      </p:cxnSp>
+      <p:cxnSp>
+        <p:nvCxnSpPr>
+          <p:cNvPr id="59" name="直線コネクタ 58">
+            <a:extLst>
+              <a:ext uri="{FF2B5EF4-FFF2-40B4-BE49-F238E27FC236}">
+                <a16:creationId xmlns:a16="http://schemas.microsoft.com/office/drawing/2014/main" id="{B3AD509C-0CA6-4364-BECE-1E1E2977461A}"/>
+              </a:ext>
+            </a:extLst>
+          </p:cNvPr>
+          <p:cNvCxnSpPr>
+            <a:cxnSpLocks/>
+          </p:cNvCxnSpPr>
+          <p:nvPr/>
+        </p:nvCxnSpPr>
+        <p:spPr>
+          <a:xfrm flipH="1">
+            <a:off x="4401844" y="2770887"/>
+            <a:ext cx="3166039" cy="156232"/>
+          </a:xfrm>
+          <a:prstGeom prst="line">
+            <a:avLst/>
+          </a:prstGeom>
+          <a:ln w="57150">
+            <a:solidFill>
+              <a:schemeClr val="bg2">
+                <a:lumMod val="10000"/>
+              </a:schemeClr>
+            </a:solidFill>
+          </a:ln>
+        </p:spPr>
+        <p:style>
+          <a:lnRef idx="1">
+            <a:schemeClr val="accent1"/>
+          </a:lnRef>
+          <a:fillRef idx="0">
+            <a:schemeClr val="accent1"/>
+          </a:fillRef>
+          <a:effectRef idx="0">
+            <a:schemeClr val="accent1"/>
+          </a:effectRef>
+          <a:fontRef idx="minor">
+            <a:schemeClr val="tx1"/>
+          </a:fontRef>
+        </p:style>
+      </p:cxnSp>
+      <p:sp>
+        <p:nvSpPr>
+          <p:cNvPr id="60" name="楕円 59">
+            <a:extLst>
+              <a:ext uri="{FF2B5EF4-FFF2-40B4-BE49-F238E27FC236}">
+                <a16:creationId xmlns:a16="http://schemas.microsoft.com/office/drawing/2014/main" id="{1CB14FC5-3B4A-451E-A523-413C3DC93887}"/>
               </a:ext>
             </a:extLst>
           </p:cNvPr>
@@ -15167,7 +16125,7 @@
         </p:nvSpPr>
         <p:spPr>
           <a:xfrm flipV="1">
-            <a:off x="5168949" y="2214597"/>
+            <a:off x="4342248" y="2821753"/>
             <a:ext cx="176092" cy="182966"/>
           </a:xfrm>
           <a:prstGeom prst="ellipse">
@@ -15205,12 +16163,159 @@
           </a:p>
         </p:txBody>
       </p:sp>
+      <p:sp>
+        <p:nvSpPr>
+          <p:cNvPr id="61" name="テキスト ボックス 60">
+            <a:extLst>
+              <a:ext uri="{FF2B5EF4-FFF2-40B4-BE49-F238E27FC236}">
+                <a16:creationId xmlns:a16="http://schemas.microsoft.com/office/drawing/2014/main" id="{CA3A91D8-866B-4B30-944D-0B929ACA177D}"/>
+              </a:ext>
+            </a:extLst>
+          </p:cNvPr>
+          <p:cNvSpPr txBox="1"/>
+          <p:nvPr/>
+        </p:nvSpPr>
+        <p:spPr>
+          <a:xfrm>
+            <a:off x="5240536" y="1606474"/>
+            <a:ext cx="1415772" cy="461665"/>
+          </a:xfrm>
+          <a:prstGeom prst="rect">
+            <a:avLst/>
+          </a:prstGeom>
+          <a:noFill/>
+        </p:spPr>
+        <p:txBody>
+          <a:bodyPr wrap="none" rtlCol="0">
+            <a:spAutoFit/>
+          </a:bodyPr>
+          <a:lstStyle/>
+          <a:p>
+            <a:r>
+              <a:rPr lang="ja-JP" altLang="en-US" sz="2400" b="1" dirty="0">
+                <a:solidFill>
+                  <a:srgbClr val="FF0000"/>
+                </a:solidFill>
+                <a:latin typeface="Georgia" panose="02040502050405020303" pitchFamily="18" charset="0"/>
+              </a:rPr>
+              <a:t>刻印：中</a:t>
+            </a:r>
+            <a:endParaRPr kumimoji="1" lang="ja-JP" altLang="en-US" sz="2400" b="1" dirty="0">
+              <a:solidFill>
+                <a:srgbClr val="FF0000"/>
+              </a:solidFill>
+              <a:latin typeface="Georgia" panose="02040502050405020303" pitchFamily="18" charset="0"/>
+            </a:endParaRPr>
+          </a:p>
+        </p:txBody>
+      </p:sp>
+      <p:sp>
+        <p:nvSpPr>
+          <p:cNvPr id="62" name="テキスト ボックス 61">
+            <a:extLst>
+              <a:ext uri="{FF2B5EF4-FFF2-40B4-BE49-F238E27FC236}">
+                <a16:creationId xmlns:a16="http://schemas.microsoft.com/office/drawing/2014/main" id="{D192608A-34E0-40CA-8418-28BA885E6C16}"/>
+              </a:ext>
+            </a:extLst>
+          </p:cNvPr>
+          <p:cNvSpPr txBox="1"/>
+          <p:nvPr/>
+        </p:nvSpPr>
+        <p:spPr>
+          <a:xfrm>
+            <a:off x="2624615" y="3470614"/>
+            <a:ext cx="1415772" cy="461665"/>
+          </a:xfrm>
+          <a:prstGeom prst="rect">
+            <a:avLst/>
+          </a:prstGeom>
+          <a:noFill/>
+        </p:spPr>
+        <p:txBody>
+          <a:bodyPr wrap="none" rtlCol="0">
+            <a:spAutoFit/>
+          </a:bodyPr>
+          <a:lstStyle/>
+          <a:p>
+            <a:r>
+              <a:rPr lang="ja-JP" altLang="en-US" sz="2400" b="1" dirty="0">
+                <a:solidFill>
+                  <a:srgbClr val="FF0000"/>
+                </a:solidFill>
+                <a:latin typeface="Georgia" panose="02040502050405020303" pitchFamily="18" charset="0"/>
+              </a:rPr>
+              <a:t>刻印：小</a:t>
+            </a:r>
+            <a:endParaRPr kumimoji="1" lang="ja-JP" altLang="en-US" sz="2400" b="1" dirty="0">
+              <a:solidFill>
+                <a:srgbClr val="FF0000"/>
+              </a:solidFill>
+              <a:latin typeface="Georgia" panose="02040502050405020303" pitchFamily="18" charset="0"/>
+            </a:endParaRPr>
+          </a:p>
+        </p:txBody>
+      </p:sp>
+      <p:sp>
+        <p:nvSpPr>
+          <p:cNvPr id="63" name="テキスト ボックス 62">
+            <a:extLst>
+              <a:ext uri="{FF2B5EF4-FFF2-40B4-BE49-F238E27FC236}">
+                <a16:creationId xmlns:a16="http://schemas.microsoft.com/office/drawing/2014/main" id="{10C34F14-6E8A-4014-9C98-3B60ECDC0FA9}"/>
+              </a:ext>
+            </a:extLst>
+          </p:cNvPr>
+          <p:cNvSpPr txBox="1"/>
+          <p:nvPr/>
+        </p:nvSpPr>
+        <p:spPr>
+          <a:xfrm>
+            <a:off x="2297632" y="1677567"/>
+            <a:ext cx="1915909" cy="461665"/>
+          </a:xfrm>
+          <a:prstGeom prst="rect">
+            <a:avLst/>
+          </a:prstGeom>
+          <a:noFill/>
+        </p:spPr>
+        <p:txBody>
+          <a:bodyPr wrap="none" rtlCol="0">
+            <a:spAutoFit/>
+          </a:bodyPr>
+          <a:lstStyle/>
+          <a:p>
+            <a:r>
+              <a:rPr lang="ja-JP" altLang="en-US" sz="2400" b="1" dirty="0">
+                <a:solidFill>
+                  <a:srgbClr val="FF0000"/>
+                </a:solidFill>
+                <a:latin typeface="Georgia" panose="02040502050405020303" pitchFamily="18" charset="0"/>
+              </a:rPr>
+              <a:t>コネクタ：</a:t>
+            </a:r>
+            <a:r>
+              <a:rPr lang="en-US" altLang="ja-JP" sz="2400" b="1" dirty="0">
+                <a:solidFill>
+                  <a:srgbClr val="FF0000"/>
+                </a:solidFill>
+                <a:latin typeface="Georgia" panose="02040502050405020303" pitchFamily="18" charset="0"/>
+              </a:rPr>
+              <a:t>3</a:t>
+            </a:r>
+            <a:endParaRPr kumimoji="1" lang="ja-JP" altLang="en-US" sz="2400" b="1" dirty="0">
+              <a:solidFill>
+                <a:srgbClr val="FF0000"/>
+              </a:solidFill>
+              <a:latin typeface="Georgia" panose="02040502050405020303" pitchFamily="18" charset="0"/>
+            </a:endParaRPr>
+          </a:p>
+        </p:txBody>
+      </p:sp>
       <p:cxnSp>
         <p:nvCxnSpPr>
-          <p:cNvPr id="37" name="直線コネクタ 36">
-            <a:extLst>
-              <a:ext uri="{FF2B5EF4-FFF2-40B4-BE49-F238E27FC236}">
-                <a16:creationId xmlns:a16="http://schemas.microsoft.com/office/drawing/2014/main" id="{22B5ECCF-C1F1-4D96-B1A2-A7DED4967AAC}"/>
+          <p:cNvPr id="65" name="直線矢印コネクタ 64">
+            <a:extLst>
+              <a:ext uri="{FF2B5EF4-FFF2-40B4-BE49-F238E27FC236}">
+                <a16:creationId xmlns:a16="http://schemas.microsoft.com/office/drawing/2014/main" id="{990EB8BC-BECE-4126-860A-D2685B43521D}"/>
               </a:ext>
             </a:extLst>
           </p:cNvPr>
@@ -15221,29 +16326,28 @@
         </p:nvCxnSpPr>
         <p:spPr>
           <a:xfrm flipH="1">
-            <a:off x="4719249" y="735679"/>
-            <a:ext cx="14231" cy="1840954"/>
-          </a:xfrm>
-          <a:prstGeom prst="line">
-            <a:avLst/>
-          </a:prstGeom>
-          <a:ln w="57150">
-            <a:solidFill>
-              <a:schemeClr val="bg2">
-                <a:lumMod val="10000"/>
-              </a:schemeClr>
-            </a:solidFill>
-          </a:ln>
-        </p:spPr>
-        <p:style>
-          <a:lnRef idx="1">
-            <a:schemeClr val="accent1"/>
+            <a:off x="5320093" y="2060266"/>
+            <a:ext cx="391649" cy="325964"/>
+          </a:xfrm>
+          <a:prstGeom prst="straightConnector1">
+            <a:avLst/>
+          </a:prstGeom>
+          <a:ln w="38100">
+            <a:solidFill>
+              <a:srgbClr val="FF0000"/>
+            </a:solidFill>
+            <a:tailEnd type="triangle"/>
+          </a:ln>
+        </p:spPr>
+        <p:style>
+          <a:lnRef idx="3">
+            <a:schemeClr val="dk1"/>
           </a:lnRef>
           <a:fillRef idx="0">
-            <a:schemeClr val="accent1"/>
-          </a:fillRef>
-          <a:effectRef idx="0">
-            <a:schemeClr val="accent1"/>
+            <a:schemeClr val="dk1"/>
+          </a:fillRef>
+          <a:effectRef idx="2">
+            <a:schemeClr val="dk1"/>
           </a:effectRef>
           <a:fontRef idx="minor">
             <a:schemeClr val="tx1"/>
@@ -15252,44 +16356,42 @@
       </p:cxnSp>
       <p:cxnSp>
         <p:nvCxnSpPr>
-          <p:cNvPr id="48" name="直線コネクタ 47">
-            <a:extLst>
-              <a:ext uri="{FF2B5EF4-FFF2-40B4-BE49-F238E27FC236}">
-                <a16:creationId xmlns:a16="http://schemas.microsoft.com/office/drawing/2014/main" id="{E7F997F5-5BBF-40BB-9B86-ED7F93AE86EB}"/>
+          <p:cNvPr id="67" name="直線矢印コネクタ 66">
+            <a:extLst>
+              <a:ext uri="{FF2B5EF4-FFF2-40B4-BE49-F238E27FC236}">
+                <a16:creationId xmlns:a16="http://schemas.microsoft.com/office/drawing/2014/main" id="{19D82CD2-2683-4F72-95BA-370BDA591453}"/>
               </a:ext>
             </a:extLst>
           </p:cNvPr>
           <p:cNvCxnSpPr>
             <a:cxnSpLocks/>
-            <a:endCxn id="53" idx="6"/>
           </p:cNvCxnSpPr>
           <p:nvPr/>
         </p:nvCxnSpPr>
         <p:spPr>
-          <a:xfrm flipH="1">
-            <a:off x="2558032" y="2729033"/>
-            <a:ext cx="5072170" cy="55373"/>
-          </a:xfrm>
-          <a:prstGeom prst="line">
-            <a:avLst/>
-          </a:prstGeom>
-          <a:ln w="57150">
-            <a:solidFill>
-              <a:schemeClr val="bg2">
-                <a:lumMod val="10000"/>
-              </a:schemeClr>
-            </a:solidFill>
-          </a:ln>
-        </p:spPr>
-        <p:style>
-          <a:lnRef idx="1">
-            <a:schemeClr val="accent1"/>
+          <a:xfrm>
+            <a:off x="3495377" y="2244938"/>
+            <a:ext cx="784633" cy="437140"/>
+          </a:xfrm>
+          <a:prstGeom prst="straightConnector1">
+            <a:avLst/>
+          </a:prstGeom>
+          <a:ln w="38100">
+            <a:solidFill>
+              <a:srgbClr val="FF0000"/>
+            </a:solidFill>
+            <a:tailEnd type="triangle"/>
+          </a:ln>
+        </p:spPr>
+        <p:style>
+          <a:lnRef idx="3">
+            <a:schemeClr val="dk1"/>
           </a:lnRef>
           <a:fillRef idx="0">
-            <a:schemeClr val="accent1"/>
-          </a:fillRef>
-          <a:effectRef idx="0">
-            <a:schemeClr val="accent1"/>
+            <a:schemeClr val="dk1"/>
+          </a:fillRef>
+          <a:effectRef idx="2">
+            <a:schemeClr val="dk1"/>
           </a:effectRef>
           <a:fontRef idx="minor">
             <a:schemeClr val="tx1"/>
@@ -15298,10 +16400,10 @@
       </p:cxnSp>
       <p:cxnSp>
         <p:nvCxnSpPr>
-          <p:cNvPr id="49" name="直線コネクタ 48">
-            <a:extLst>
-              <a:ext uri="{FF2B5EF4-FFF2-40B4-BE49-F238E27FC236}">
-                <a16:creationId xmlns:a16="http://schemas.microsoft.com/office/drawing/2014/main" id="{6A845EE8-12FD-4AEE-A7AD-E85CCB700BA9}"/>
+          <p:cNvPr id="68" name="直線矢印コネクタ 67">
+            <a:extLst>
+              <a:ext uri="{FF2B5EF4-FFF2-40B4-BE49-F238E27FC236}">
+                <a16:creationId xmlns:a16="http://schemas.microsoft.com/office/drawing/2014/main" id="{F7F67072-4A03-4BEB-A1BA-85D5521F2677}"/>
               </a:ext>
             </a:extLst>
           </p:cNvPr>
@@ -15311,42 +16413,98 @@
           <p:nvPr/>
         </p:nvCxnSpPr>
         <p:spPr>
-          <a:xfrm flipH="1">
-            <a:off x="4719249" y="705813"/>
-            <a:ext cx="14232" cy="2023220"/>
-          </a:xfrm>
-          <a:prstGeom prst="line">
-            <a:avLst/>
-          </a:prstGeom>
-          <a:ln w="57150">
-            <a:solidFill>
-              <a:schemeClr val="bg2">
-                <a:lumMod val="10000"/>
-              </a:schemeClr>
-            </a:solidFill>
-          </a:ln>
-        </p:spPr>
-        <p:style>
-          <a:lnRef idx="1">
-            <a:schemeClr val="accent1"/>
+          <a:xfrm flipV="1">
+            <a:off x="3558809" y="3004719"/>
+            <a:ext cx="457143" cy="417693"/>
+          </a:xfrm>
+          <a:prstGeom prst="straightConnector1">
+            <a:avLst/>
+          </a:prstGeom>
+          <a:ln w="38100">
+            <a:solidFill>
+              <a:srgbClr val="FF0000"/>
+            </a:solidFill>
+            <a:tailEnd type="triangle"/>
+          </a:ln>
+        </p:spPr>
+        <p:style>
+          <a:lnRef idx="3">
+            <a:schemeClr val="dk1"/>
           </a:lnRef>
           <a:fillRef idx="0">
-            <a:schemeClr val="accent1"/>
-          </a:fillRef>
-          <a:effectRef idx="0">
-            <a:schemeClr val="accent1"/>
+            <a:schemeClr val="dk1"/>
+          </a:fillRef>
+          <a:effectRef idx="2">
+            <a:schemeClr val="dk1"/>
           </a:effectRef>
           <a:fontRef idx="minor">
             <a:schemeClr val="tx1"/>
           </a:fontRef>
         </p:style>
       </p:cxnSp>
+      <p:sp>
+        <p:nvSpPr>
+          <p:cNvPr id="69" name="テキスト ボックス 68">
+            <a:extLst>
+              <a:ext uri="{FF2B5EF4-FFF2-40B4-BE49-F238E27FC236}">
+                <a16:creationId xmlns:a16="http://schemas.microsoft.com/office/drawing/2014/main" id="{FE853E69-E55D-4D09-8531-DA9F3765ED5B}"/>
+              </a:ext>
+            </a:extLst>
+          </p:cNvPr>
+          <p:cNvSpPr txBox="1"/>
+          <p:nvPr/>
+        </p:nvSpPr>
+        <p:spPr>
+          <a:xfrm>
+            <a:off x="7447333" y="1201460"/>
+            <a:ext cx="2031325" cy="830997"/>
+          </a:xfrm>
+          <a:prstGeom prst="rect">
+            <a:avLst/>
+          </a:prstGeom>
+          <a:noFill/>
+        </p:spPr>
+        <p:txBody>
+          <a:bodyPr wrap="none" rtlCol="0">
+            <a:spAutoFit/>
+          </a:bodyPr>
+          <a:lstStyle/>
+          <a:p>
+            <a:r>
+              <a:rPr kumimoji="1" lang="ja-JP" altLang="en-US" sz="2400" b="1" dirty="0">
+                <a:solidFill>
+                  <a:srgbClr val="FF0000"/>
+                </a:solidFill>
+                <a:latin typeface="+mn-ea"/>
+              </a:rPr>
+              <a:t>受金ねじ部の</a:t>
+            </a:r>
+            <a:endParaRPr kumimoji="1" lang="en-US" altLang="ja-JP" sz="2400" b="1" dirty="0">
+              <a:solidFill>
+                <a:srgbClr val="FF0000"/>
+              </a:solidFill>
+              <a:latin typeface="+mn-ea"/>
+            </a:endParaRPr>
+          </a:p>
+          <a:p>
+            <a:r>
+              <a:rPr kumimoji="1" lang="ja-JP" altLang="en-US" sz="2400" b="1" dirty="0">
+                <a:solidFill>
+                  <a:srgbClr val="FF0000"/>
+                </a:solidFill>
+                <a:latin typeface="+mn-ea"/>
+              </a:rPr>
+              <a:t>端子に白線</a:t>
+            </a:r>
+          </a:p>
+        </p:txBody>
+      </p:sp>
       <p:cxnSp>
         <p:nvCxnSpPr>
-          <p:cNvPr id="51" name="直線コネクタ 50">
-            <a:extLst>
-              <a:ext uri="{FF2B5EF4-FFF2-40B4-BE49-F238E27FC236}">
-                <a16:creationId xmlns:a16="http://schemas.microsoft.com/office/drawing/2014/main" id="{038A68AB-C23E-41C7-B3DD-3D87631C12AA}"/>
+          <p:cNvPr id="70" name="直線矢印コネクタ 69">
+            <a:extLst>
+              <a:ext uri="{FF2B5EF4-FFF2-40B4-BE49-F238E27FC236}">
+                <a16:creationId xmlns:a16="http://schemas.microsoft.com/office/drawing/2014/main" id="{99A7BF89-A869-4DF2-B590-54AEEF028165}"/>
               </a:ext>
             </a:extLst>
           </p:cNvPr>
@@ -15356,531 +16514,51 @@
           <p:nvPr/>
         </p:nvCxnSpPr>
         <p:spPr>
+          <a:xfrm flipH="1">
+            <a:off x="7686080" y="1905157"/>
+            <a:ext cx="391649" cy="325964"/>
+          </a:xfrm>
+          <a:prstGeom prst="straightConnector1">
+            <a:avLst/>
+          </a:prstGeom>
+          <a:ln w="38100">
+            <a:solidFill>
+              <a:srgbClr val="FF0000"/>
+            </a:solidFill>
+            <a:tailEnd type="triangle"/>
+          </a:ln>
+        </p:spPr>
+        <p:style>
+          <a:lnRef idx="3">
+            <a:schemeClr val="dk1"/>
+          </a:lnRef>
+          <a:fillRef idx="0">
+            <a:schemeClr val="dk1"/>
+          </a:fillRef>
+          <a:effectRef idx="2">
+            <a:schemeClr val="dk1"/>
+          </a:effectRef>
+          <a:fontRef idx="minor">
+            <a:schemeClr val="tx1"/>
+          </a:fontRef>
+        </p:style>
+      </p:cxnSp>
+      <p:sp>
+        <p:nvSpPr>
+          <p:cNvPr id="71" name="テキスト ボックス 70">
+            <a:extLst>
+              <a:ext uri="{FF2B5EF4-FFF2-40B4-BE49-F238E27FC236}">
+                <a16:creationId xmlns:a16="http://schemas.microsoft.com/office/drawing/2014/main" id="{26E0CFD3-9100-4980-84F3-6379760058BD}"/>
+              </a:ext>
+            </a:extLst>
+          </p:cNvPr>
+          <p:cNvSpPr txBox="1"/>
+          <p:nvPr/>
+        </p:nvSpPr>
+        <p:spPr>
           <a:xfrm>
-            <a:off x="2481151" y="2752875"/>
-            <a:ext cx="11556" cy="2687850"/>
-          </a:xfrm>
-          <a:prstGeom prst="line">
-            <a:avLst/>
-          </a:prstGeom>
-          <a:ln w="57150">
-            <a:solidFill>
-              <a:schemeClr val="bg2">
-                <a:lumMod val="10000"/>
-              </a:schemeClr>
-            </a:solidFill>
-          </a:ln>
-        </p:spPr>
-        <p:style>
-          <a:lnRef idx="1">
-            <a:schemeClr val="accent1"/>
-          </a:lnRef>
-          <a:fillRef idx="0">
-            <a:schemeClr val="accent1"/>
-          </a:fillRef>
-          <a:effectRef idx="0">
-            <a:schemeClr val="accent1"/>
-          </a:effectRef>
-          <a:fontRef idx="minor">
-            <a:schemeClr val="tx1"/>
-          </a:fontRef>
-        </p:style>
-      </p:cxnSp>
-      <p:sp>
-        <p:nvSpPr>
-          <p:cNvPr id="52" name="楕円 51">
-            <a:extLst>
-              <a:ext uri="{FF2B5EF4-FFF2-40B4-BE49-F238E27FC236}">
-                <a16:creationId xmlns:a16="http://schemas.microsoft.com/office/drawing/2014/main" id="{8A8F546A-74A1-4990-9019-FB481F04F03F}"/>
-              </a:ext>
-            </a:extLst>
-          </p:cNvPr>
-          <p:cNvSpPr/>
-          <p:nvPr/>
-        </p:nvSpPr>
-        <p:spPr>
-          <a:xfrm flipV="1">
-            <a:off x="4652860" y="2651151"/>
-            <a:ext cx="176092" cy="182966"/>
-          </a:xfrm>
-          <a:prstGeom prst="ellipse">
-            <a:avLst/>
-          </a:prstGeom>
-          <a:solidFill>
-            <a:schemeClr val="tx1"/>
-          </a:solidFill>
-          <a:ln w="28575">
-            <a:noFill/>
-          </a:ln>
-        </p:spPr>
-        <p:style>
-          <a:lnRef idx="2">
-            <a:schemeClr val="accent1">
-              <a:shade val="50000"/>
-            </a:schemeClr>
-          </a:lnRef>
-          <a:fillRef idx="1">
-            <a:schemeClr val="accent1"/>
-          </a:fillRef>
-          <a:effectRef idx="0">
-            <a:schemeClr val="accent1"/>
-          </a:effectRef>
-          <a:fontRef idx="minor">
-            <a:schemeClr val="lt1"/>
-          </a:fontRef>
-        </p:style>
-        <p:txBody>
-          <a:bodyPr rtlCol="0" anchor="ctr"/>
-          <a:lstStyle/>
-          <a:p>
-            <a:pPr algn="ctr"/>
-            <a:endParaRPr kumimoji="1" lang="ja-JP" altLang="en-US"/>
-          </a:p>
-        </p:txBody>
-      </p:sp>
-      <p:sp>
-        <p:nvSpPr>
-          <p:cNvPr id="53" name="楕円 52">
-            <a:extLst>
-              <a:ext uri="{FF2B5EF4-FFF2-40B4-BE49-F238E27FC236}">
-                <a16:creationId xmlns:a16="http://schemas.microsoft.com/office/drawing/2014/main" id="{9C1CDE45-0620-4641-B886-8737C885C86C}"/>
-              </a:ext>
-            </a:extLst>
-          </p:cNvPr>
-          <p:cNvSpPr/>
-          <p:nvPr/>
-        </p:nvSpPr>
-        <p:spPr>
-          <a:xfrm flipV="1">
-            <a:off x="2381940" y="2692923"/>
-            <a:ext cx="176092" cy="182966"/>
-          </a:xfrm>
-          <a:prstGeom prst="ellipse">
-            <a:avLst/>
-          </a:prstGeom>
-          <a:solidFill>
-            <a:schemeClr val="tx1"/>
-          </a:solidFill>
-          <a:ln w="28575">
-            <a:noFill/>
-          </a:ln>
-        </p:spPr>
-        <p:style>
-          <a:lnRef idx="2">
-            <a:schemeClr val="accent1">
-              <a:shade val="50000"/>
-            </a:schemeClr>
-          </a:lnRef>
-          <a:fillRef idx="1">
-            <a:schemeClr val="accent1"/>
-          </a:fillRef>
-          <a:effectRef idx="0">
-            <a:schemeClr val="accent1"/>
-          </a:effectRef>
-          <a:fontRef idx="minor">
-            <a:schemeClr val="lt1"/>
-          </a:fontRef>
-        </p:style>
-        <p:txBody>
-          <a:bodyPr rtlCol="0" anchor="ctr"/>
-          <a:lstStyle/>
-          <a:p>
-            <a:pPr algn="ctr"/>
-            <a:endParaRPr kumimoji="1" lang="ja-JP" altLang="en-US"/>
-          </a:p>
-        </p:txBody>
-      </p:sp>
-      <p:cxnSp>
-        <p:nvCxnSpPr>
-          <p:cNvPr id="54" name="直線コネクタ 53">
-            <a:extLst>
-              <a:ext uri="{FF2B5EF4-FFF2-40B4-BE49-F238E27FC236}">
-                <a16:creationId xmlns:a16="http://schemas.microsoft.com/office/drawing/2014/main" id="{E3C891C8-764D-4F13-93A9-B2CE92AC7B89}"/>
-              </a:ext>
-            </a:extLst>
-          </p:cNvPr>
-          <p:cNvCxnSpPr>
-            <a:cxnSpLocks/>
-            <a:stCxn id="18" idx="5"/>
-            <a:endCxn id="40" idx="7"/>
-          </p:cNvCxnSpPr>
-          <p:nvPr/>
-        </p:nvCxnSpPr>
-        <p:spPr>
-          <a:xfrm>
-            <a:off x="8258459" y="954330"/>
-            <a:ext cx="0" cy="1361886"/>
-          </a:xfrm>
-          <a:prstGeom prst="line">
-            <a:avLst/>
-          </a:prstGeom>
-          <a:ln w="57150">
-            <a:solidFill>
-              <a:schemeClr val="bg2">
-                <a:lumMod val="10000"/>
-              </a:schemeClr>
-            </a:solidFill>
-          </a:ln>
-        </p:spPr>
-        <p:style>
-          <a:lnRef idx="1">
-            <a:schemeClr val="accent1"/>
-          </a:lnRef>
-          <a:fillRef idx="0">
-            <a:schemeClr val="accent1"/>
-          </a:fillRef>
-          <a:effectRef idx="0">
-            <a:schemeClr val="accent1"/>
-          </a:effectRef>
-          <a:fontRef idx="minor">
-            <a:schemeClr val="tx1"/>
-          </a:fontRef>
-        </p:style>
-      </p:cxnSp>
-      <p:cxnSp>
-        <p:nvCxnSpPr>
-          <p:cNvPr id="58" name="直線コネクタ 57">
-            <a:extLst>
-              <a:ext uri="{FF2B5EF4-FFF2-40B4-BE49-F238E27FC236}">
-                <a16:creationId xmlns:a16="http://schemas.microsoft.com/office/drawing/2014/main" id="{6478A194-D476-40DB-AA88-7D2E53FF6C58}"/>
-              </a:ext>
-            </a:extLst>
-          </p:cNvPr>
-          <p:cNvCxnSpPr>
-            <a:cxnSpLocks/>
-          </p:cNvCxnSpPr>
-          <p:nvPr/>
-        </p:nvCxnSpPr>
-        <p:spPr>
-          <a:xfrm>
-            <a:off x="7971469" y="2944920"/>
-            <a:ext cx="110548" cy="2267918"/>
-          </a:xfrm>
-          <a:prstGeom prst="line">
-            <a:avLst/>
-          </a:prstGeom>
-          <a:ln w="57150">
-            <a:solidFill>
-              <a:srgbClr val="92D050"/>
-            </a:solidFill>
-          </a:ln>
-        </p:spPr>
-        <p:style>
-          <a:lnRef idx="1">
-            <a:schemeClr val="accent1"/>
-          </a:lnRef>
-          <a:fillRef idx="0">
-            <a:schemeClr val="accent1"/>
-          </a:fillRef>
-          <a:effectRef idx="0">
-            <a:schemeClr val="accent1"/>
-          </a:effectRef>
-          <a:fontRef idx="minor">
-            <a:schemeClr val="tx1"/>
-          </a:fontRef>
-        </p:style>
-      </p:cxnSp>
-      <p:cxnSp>
-        <p:nvCxnSpPr>
-          <p:cNvPr id="59" name="直線コネクタ 58">
-            <a:extLst>
-              <a:ext uri="{FF2B5EF4-FFF2-40B4-BE49-F238E27FC236}">
-                <a16:creationId xmlns:a16="http://schemas.microsoft.com/office/drawing/2014/main" id="{1D265AFA-9777-45B9-BB32-D936E73A52C2}"/>
-              </a:ext>
-            </a:extLst>
-          </p:cNvPr>
-          <p:cNvCxnSpPr>
-            <a:cxnSpLocks/>
-            <a:endCxn id="62" idx="4"/>
-          </p:cNvCxnSpPr>
-          <p:nvPr/>
-        </p:nvCxnSpPr>
-        <p:spPr>
-          <a:xfrm flipH="1">
-            <a:off x="1956855" y="837610"/>
-            <a:ext cx="30642" cy="2164472"/>
-          </a:xfrm>
-          <a:prstGeom prst="line">
-            <a:avLst/>
-          </a:prstGeom>
-          <a:ln w="57150">
-            <a:solidFill>
-              <a:schemeClr val="bg2">
-                <a:lumMod val="10000"/>
-              </a:schemeClr>
-            </a:solidFill>
-          </a:ln>
-        </p:spPr>
-        <p:style>
-          <a:lnRef idx="1">
-            <a:schemeClr val="accent1"/>
-          </a:lnRef>
-          <a:fillRef idx="0">
-            <a:schemeClr val="accent1"/>
-          </a:fillRef>
-          <a:effectRef idx="0">
-            <a:schemeClr val="accent1"/>
-          </a:effectRef>
-          <a:fontRef idx="minor">
-            <a:schemeClr val="tx1"/>
-          </a:fontRef>
-        </p:style>
-      </p:cxnSp>
-      <p:cxnSp>
-        <p:nvCxnSpPr>
-          <p:cNvPr id="60" name="直線コネクタ 59">
-            <a:extLst>
-              <a:ext uri="{FF2B5EF4-FFF2-40B4-BE49-F238E27FC236}">
-                <a16:creationId xmlns:a16="http://schemas.microsoft.com/office/drawing/2014/main" id="{FE1BF8C7-533A-4AA2-A4B3-8B517D59006D}"/>
-              </a:ext>
-            </a:extLst>
-          </p:cNvPr>
-          <p:cNvCxnSpPr>
-            <a:cxnSpLocks/>
-          </p:cNvCxnSpPr>
-          <p:nvPr/>
-        </p:nvCxnSpPr>
-        <p:spPr>
-          <a:xfrm flipH="1" flipV="1">
-            <a:off x="1984733" y="3106625"/>
-            <a:ext cx="2717237" cy="7407"/>
-          </a:xfrm>
-          <a:prstGeom prst="line">
-            <a:avLst/>
-          </a:prstGeom>
-          <a:ln w="57150">
-            <a:solidFill>
-              <a:srgbClr val="FF0000"/>
-            </a:solidFill>
-          </a:ln>
-        </p:spPr>
-        <p:style>
-          <a:lnRef idx="1">
-            <a:schemeClr val="accent1"/>
-          </a:lnRef>
-          <a:fillRef idx="0">
-            <a:schemeClr val="accent1"/>
-          </a:fillRef>
-          <a:effectRef idx="0">
-            <a:schemeClr val="accent1"/>
-          </a:effectRef>
-          <a:fontRef idx="minor">
-            <a:schemeClr val="tx1"/>
-          </a:fontRef>
-        </p:style>
-      </p:cxnSp>
-      <p:cxnSp>
-        <p:nvCxnSpPr>
-          <p:cNvPr id="61" name="直線コネクタ 60">
-            <a:extLst>
-              <a:ext uri="{FF2B5EF4-FFF2-40B4-BE49-F238E27FC236}">
-                <a16:creationId xmlns:a16="http://schemas.microsoft.com/office/drawing/2014/main" id="{F4ED03DD-CE43-4658-8CD5-729EDC979B2E}"/>
-              </a:ext>
-            </a:extLst>
-          </p:cNvPr>
-          <p:cNvCxnSpPr>
-            <a:cxnSpLocks/>
-          </p:cNvCxnSpPr>
-          <p:nvPr/>
-        </p:nvCxnSpPr>
-        <p:spPr>
-          <a:xfrm flipH="1" flipV="1">
-            <a:off x="4726732" y="3093565"/>
-            <a:ext cx="28347" cy="2106213"/>
-          </a:xfrm>
-          <a:prstGeom prst="line">
-            <a:avLst/>
-          </a:prstGeom>
-          <a:ln w="57150">
-            <a:solidFill>
-              <a:schemeClr val="bg2">
-                <a:lumMod val="10000"/>
-              </a:schemeClr>
-            </a:solidFill>
-          </a:ln>
-        </p:spPr>
-        <p:style>
-          <a:lnRef idx="1">
-            <a:schemeClr val="accent1"/>
-          </a:lnRef>
-          <a:fillRef idx="0">
-            <a:schemeClr val="accent1"/>
-          </a:fillRef>
-          <a:effectRef idx="0">
-            <a:schemeClr val="accent1"/>
-          </a:effectRef>
-          <a:fontRef idx="minor">
-            <a:schemeClr val="tx1"/>
-          </a:fontRef>
-        </p:style>
-      </p:cxnSp>
-      <p:sp>
-        <p:nvSpPr>
-          <p:cNvPr id="62" name="楕円 61">
-            <a:extLst>
-              <a:ext uri="{FF2B5EF4-FFF2-40B4-BE49-F238E27FC236}">
-                <a16:creationId xmlns:a16="http://schemas.microsoft.com/office/drawing/2014/main" id="{DAB72845-6DA8-4E8A-B81F-B4B6034FC69A}"/>
-              </a:ext>
-            </a:extLst>
-          </p:cNvPr>
-          <p:cNvSpPr/>
-          <p:nvPr/>
-        </p:nvSpPr>
-        <p:spPr>
-          <a:xfrm flipV="1">
-            <a:off x="1868809" y="3002082"/>
-            <a:ext cx="176092" cy="182966"/>
-          </a:xfrm>
-          <a:prstGeom prst="ellipse">
-            <a:avLst/>
-          </a:prstGeom>
-          <a:solidFill>
-            <a:schemeClr val="tx1"/>
-          </a:solidFill>
-          <a:ln w="28575">
-            <a:noFill/>
-          </a:ln>
-        </p:spPr>
-        <p:style>
-          <a:lnRef idx="2">
-            <a:schemeClr val="accent1">
-              <a:shade val="50000"/>
-            </a:schemeClr>
-          </a:lnRef>
-          <a:fillRef idx="1">
-            <a:schemeClr val="accent1"/>
-          </a:fillRef>
-          <a:effectRef idx="0">
-            <a:schemeClr val="accent1"/>
-          </a:effectRef>
-          <a:fontRef idx="minor">
-            <a:schemeClr val="lt1"/>
-          </a:fontRef>
-        </p:style>
-        <p:txBody>
-          <a:bodyPr rtlCol="0" anchor="ctr"/>
-          <a:lstStyle/>
-          <a:p>
-            <a:pPr algn="ctr"/>
-            <a:endParaRPr kumimoji="1" lang="ja-JP" altLang="en-US"/>
-          </a:p>
-        </p:txBody>
-      </p:sp>
-      <p:sp>
-        <p:nvSpPr>
-          <p:cNvPr id="63" name="楕円 62">
-            <a:extLst>
-              <a:ext uri="{FF2B5EF4-FFF2-40B4-BE49-F238E27FC236}">
-                <a16:creationId xmlns:a16="http://schemas.microsoft.com/office/drawing/2014/main" id="{0C1A8288-4B3A-4F7A-8599-1AF6A28F4D9B}"/>
-              </a:ext>
-            </a:extLst>
-          </p:cNvPr>
-          <p:cNvSpPr/>
-          <p:nvPr/>
-        </p:nvSpPr>
-        <p:spPr>
-          <a:xfrm flipV="1">
-            <a:off x="4631203" y="3022549"/>
-            <a:ext cx="176092" cy="182966"/>
-          </a:xfrm>
-          <a:prstGeom prst="ellipse">
-            <a:avLst/>
-          </a:prstGeom>
-          <a:solidFill>
-            <a:schemeClr val="tx1"/>
-          </a:solidFill>
-          <a:ln w="28575">
-            <a:noFill/>
-          </a:ln>
-        </p:spPr>
-        <p:style>
-          <a:lnRef idx="2">
-            <a:schemeClr val="accent1">
-              <a:shade val="50000"/>
-            </a:schemeClr>
-          </a:lnRef>
-          <a:fillRef idx="1">
-            <a:schemeClr val="accent1"/>
-          </a:fillRef>
-          <a:effectRef idx="0">
-            <a:schemeClr val="accent1"/>
-          </a:effectRef>
-          <a:fontRef idx="minor">
-            <a:schemeClr val="lt1"/>
-          </a:fontRef>
-        </p:style>
-        <p:txBody>
-          <a:bodyPr rtlCol="0" anchor="ctr"/>
-          <a:lstStyle/>
-          <a:p>
-            <a:pPr algn="ctr"/>
-            <a:endParaRPr kumimoji="1" lang="ja-JP" altLang="en-US"/>
-          </a:p>
-        </p:txBody>
-      </p:sp>
-      <p:cxnSp>
-        <p:nvCxnSpPr>
-          <p:cNvPr id="67" name="直線コネクタ 66">
-            <a:extLst>
-              <a:ext uri="{FF2B5EF4-FFF2-40B4-BE49-F238E27FC236}">
-                <a16:creationId xmlns:a16="http://schemas.microsoft.com/office/drawing/2014/main" id="{A8DA6499-2396-4094-9671-AEDFE4169FD1}"/>
-              </a:ext>
-            </a:extLst>
-          </p:cNvPr>
-          <p:cNvCxnSpPr>
-            <a:cxnSpLocks/>
-            <a:endCxn id="57" idx="4"/>
-          </p:cNvCxnSpPr>
-          <p:nvPr/>
-        </p:nvCxnSpPr>
-        <p:spPr>
-          <a:xfrm flipH="1">
-            <a:off x="1926213" y="3114032"/>
-            <a:ext cx="30642" cy="2323740"/>
-          </a:xfrm>
-          <a:prstGeom prst="line">
-            <a:avLst/>
-          </a:prstGeom>
-          <a:ln w="57150">
-            <a:solidFill>
-              <a:schemeClr val="accent1">
-                <a:lumMod val="60000"/>
-                <a:lumOff val="40000"/>
-              </a:schemeClr>
-            </a:solidFill>
-          </a:ln>
-        </p:spPr>
-        <p:style>
-          <a:lnRef idx="1">
-            <a:schemeClr val="accent1"/>
-          </a:lnRef>
-          <a:fillRef idx="0">
-            <a:schemeClr val="accent1"/>
-          </a:fillRef>
-          <a:effectRef idx="0">
-            <a:schemeClr val="accent1"/>
-          </a:effectRef>
-          <a:fontRef idx="minor">
-            <a:schemeClr val="tx1"/>
-          </a:fontRef>
-        </p:style>
-      </p:cxnSp>
-      <p:sp>
-        <p:nvSpPr>
-          <p:cNvPr id="68" name="テキスト ボックス 67">
-            <a:extLst>
-              <a:ext uri="{FF2B5EF4-FFF2-40B4-BE49-F238E27FC236}">
-                <a16:creationId xmlns:a16="http://schemas.microsoft.com/office/drawing/2014/main" id="{15235E63-6DA0-4FF3-BC67-C89623279D3D}"/>
-              </a:ext>
-            </a:extLst>
-          </p:cNvPr>
-          <p:cNvSpPr txBox="1"/>
-          <p:nvPr/>
-        </p:nvSpPr>
-        <p:spPr>
-          <a:xfrm>
-            <a:off x="5168949" y="5947913"/>
-            <a:ext cx="2005677" cy="461665"/>
+            <a:off x="5799896" y="5720471"/>
+            <a:ext cx="2313454" cy="461665"/>
           </a:xfrm>
           <a:prstGeom prst="rect">
             <a:avLst/>
@@ -15909,17 +16587,61 @@
                 </a:solidFill>
                 <a:latin typeface="+mn-ea"/>
               </a:rPr>
-              <a:t>端子に白線</a:t>
-            </a:r>
-          </a:p>
-        </p:txBody>
-      </p:sp>
-      <p:sp>
-        <p:nvSpPr>
-          <p:cNvPr id="70" name="テキスト ボックス 69">
-            <a:extLst>
-              <a:ext uri="{FF2B5EF4-FFF2-40B4-BE49-F238E27FC236}">
-                <a16:creationId xmlns:a16="http://schemas.microsoft.com/office/drawing/2014/main" id="{BDBE6955-4A7A-4DA4-B9B3-E1E772F4DD41}"/>
+              <a:t>側端子に白線</a:t>
+            </a:r>
+          </a:p>
+        </p:txBody>
+      </p:sp>
+      <p:cxnSp>
+        <p:nvCxnSpPr>
+          <p:cNvPr id="72" name="直線矢印コネクタ 71">
+            <a:extLst>
+              <a:ext uri="{FF2B5EF4-FFF2-40B4-BE49-F238E27FC236}">
+                <a16:creationId xmlns:a16="http://schemas.microsoft.com/office/drawing/2014/main" id="{DEABAF6F-8263-4D70-BF0E-77FD4D1186A3}"/>
+              </a:ext>
+            </a:extLst>
+          </p:cNvPr>
+          <p:cNvCxnSpPr>
+            <a:cxnSpLocks/>
+          </p:cNvCxnSpPr>
+          <p:nvPr/>
+        </p:nvCxnSpPr>
+        <p:spPr>
+          <a:xfrm flipH="1">
+            <a:off x="5406725" y="6230672"/>
+            <a:ext cx="689275" cy="241424"/>
+          </a:xfrm>
+          <a:prstGeom prst="straightConnector1">
+            <a:avLst/>
+          </a:prstGeom>
+          <a:ln w="38100">
+            <a:solidFill>
+              <a:srgbClr val="FF0000"/>
+            </a:solidFill>
+            <a:tailEnd type="triangle"/>
+          </a:ln>
+        </p:spPr>
+        <p:style>
+          <a:lnRef idx="3">
+            <a:schemeClr val="dk1"/>
+          </a:lnRef>
+          <a:fillRef idx="0">
+            <a:schemeClr val="dk1"/>
+          </a:fillRef>
+          <a:effectRef idx="2">
+            <a:schemeClr val="dk1"/>
+          </a:effectRef>
+          <a:fontRef idx="minor">
+            <a:schemeClr val="tx1"/>
+          </a:fontRef>
+        </p:style>
+      </p:cxnSp>
+      <p:sp>
+        <p:nvSpPr>
+          <p:cNvPr id="74" name="テキスト ボックス 73">
+            <a:extLst>
+              <a:ext uri="{FF2B5EF4-FFF2-40B4-BE49-F238E27FC236}">
+                <a16:creationId xmlns:a16="http://schemas.microsoft.com/office/drawing/2014/main" id="{A8C29313-95FF-4DE9-9244-1A9137F67EDB}"/>
               </a:ext>
             </a:extLst>
           </p:cNvPr>
@@ -15928,8 +16650,8 @@
         </p:nvSpPr>
         <p:spPr>
           <a:xfrm>
-            <a:off x="5706696" y="861787"/>
-            <a:ext cx="2005677" cy="461665"/>
+            <a:off x="5793916" y="575319"/>
+            <a:ext cx="2646878" cy="461665"/>
           </a:xfrm>
           <a:prstGeom prst="rect">
             <a:avLst/>
@@ -15942,15 +16664,6 @@
           </a:bodyPr>
           <a:lstStyle/>
           <a:p>
-            <a:r>
-              <a:rPr kumimoji="1" lang="en-US" altLang="ja-JP" sz="2400" b="1" dirty="0">
-                <a:solidFill>
-                  <a:srgbClr val="FF0000"/>
-                </a:solidFill>
-                <a:latin typeface="+mn-ea"/>
-              </a:rPr>
-              <a:t>W</a:t>
-            </a:r>
             <a:r>
               <a:rPr kumimoji="1" lang="ja-JP" altLang="en-US" sz="2400" b="1" dirty="0">
                 <a:solidFill>
@@ -15958,29 +16671,30 @@
                 </a:solidFill>
                 <a:latin typeface="+mn-ea"/>
               </a:rPr>
-              <a:t>端子に白線</a:t>
+              <a:t>接地側端子に白線</a:t>
             </a:r>
           </a:p>
         </p:txBody>
       </p:sp>
       <p:cxnSp>
         <p:nvCxnSpPr>
-          <p:cNvPr id="71" name="直線矢印コネクタ 70">
-            <a:extLst>
-              <a:ext uri="{FF2B5EF4-FFF2-40B4-BE49-F238E27FC236}">
-                <a16:creationId xmlns:a16="http://schemas.microsoft.com/office/drawing/2014/main" id="{2CAAB169-D13C-46FF-977C-A66475D5E4AA}"/>
+          <p:cNvPr id="75" name="直線矢印コネクタ 74">
+            <a:extLst>
+              <a:ext uri="{FF2B5EF4-FFF2-40B4-BE49-F238E27FC236}">
+                <a16:creationId xmlns:a16="http://schemas.microsoft.com/office/drawing/2014/main" id="{81DF9B63-C356-4A6D-A2F7-B4287D25AA41}"/>
               </a:ext>
             </a:extLst>
           </p:cNvPr>
           <p:cNvCxnSpPr>
             <a:cxnSpLocks/>
+            <a:stCxn id="74" idx="1"/>
           </p:cNvCxnSpPr>
           <p:nvPr/>
         </p:nvCxnSpPr>
         <p:spPr>
-          <a:xfrm flipH="1" flipV="1">
-            <a:off x="5488618" y="5675250"/>
-            <a:ext cx="235973" cy="272663"/>
+          <a:xfrm flipH="1">
+            <a:off x="5389404" y="806152"/>
+            <a:ext cx="404512" cy="63343"/>
           </a:xfrm>
           <a:prstGeom prst="straightConnector1">
             <a:avLst/>
@@ -16007,66 +16721,22 @@
           </a:fontRef>
         </p:style>
       </p:cxnSp>
-      <p:cxnSp>
-        <p:nvCxnSpPr>
-          <p:cNvPr id="72" name="直線矢印コネクタ 71">
-            <a:extLst>
-              <a:ext uri="{FF2B5EF4-FFF2-40B4-BE49-F238E27FC236}">
-                <a16:creationId xmlns:a16="http://schemas.microsoft.com/office/drawing/2014/main" id="{D4FE3808-D878-4F39-8C8B-E5D7B32D48A7}"/>
-              </a:ext>
-            </a:extLst>
-          </p:cNvPr>
-          <p:cNvCxnSpPr>
-            <a:cxnSpLocks/>
-          </p:cNvCxnSpPr>
-          <p:nvPr/>
-        </p:nvCxnSpPr>
+      <p:sp>
+        <p:nvSpPr>
+          <p:cNvPr id="73" name="テキスト ボックス 68">
+            <a:extLst>
+              <a:ext uri="{FF2B5EF4-FFF2-40B4-BE49-F238E27FC236}">
+                <a16:creationId xmlns:a16="http://schemas.microsoft.com/office/drawing/2014/main" id="{65BED0B1-B358-4FAB-AA2D-95A92093335B}"/>
+              </a:ext>
+            </a:extLst>
+          </p:cNvPr>
+          <p:cNvSpPr txBox="1"/>
+          <p:nvPr/>
+        </p:nvSpPr>
         <p:spPr>
           <a:xfrm>
-            <a:off x="7035432" y="1323452"/>
-            <a:ext cx="511627" cy="751376"/>
-          </a:xfrm>
-          <a:prstGeom prst="straightConnector1">
-            <a:avLst/>
-          </a:prstGeom>
-          <a:ln w="38100">
-            <a:solidFill>
-              <a:srgbClr val="FF0000"/>
-            </a:solidFill>
-            <a:tailEnd type="triangle"/>
-          </a:ln>
-        </p:spPr>
-        <p:style>
-          <a:lnRef idx="3">
-            <a:schemeClr val="dk1"/>
-          </a:lnRef>
-          <a:fillRef idx="0">
-            <a:schemeClr val="dk1"/>
-          </a:fillRef>
-          <a:effectRef idx="2">
-            <a:schemeClr val="dk1"/>
-          </a:effectRef>
-          <a:fontRef idx="minor">
-            <a:schemeClr val="tx1"/>
-          </a:fontRef>
-        </p:style>
-      </p:cxnSp>
-      <p:sp>
-        <p:nvSpPr>
-          <p:cNvPr id="73" name="テキスト ボックス 72">
-            <a:extLst>
-              <a:ext uri="{FF2B5EF4-FFF2-40B4-BE49-F238E27FC236}">
-                <a16:creationId xmlns:a16="http://schemas.microsoft.com/office/drawing/2014/main" id="{54C03BA0-FC24-4727-ACEA-877EFE41EA92}"/>
-              </a:ext>
-            </a:extLst>
-          </p:cNvPr>
-          <p:cNvSpPr txBox="1"/>
-          <p:nvPr/>
-        </p:nvSpPr>
-        <p:spPr>
-          <a:xfrm>
-            <a:off x="2573675" y="841392"/>
-            <a:ext cx="2031325" cy="830997"/>
+            <a:off x="841678" y="3204133"/>
+            <a:ext cx="2053767" cy="830997"/>
           </a:xfrm>
           <a:prstGeom prst="rect">
             <a:avLst/>
@@ -16077,87 +16747,292 @@
           <a:bodyPr wrap="none" rtlCol="0">
             <a:spAutoFit/>
           </a:bodyPr>
-          <a:lstStyle/>
-          <a:p>
-            <a:r>
-              <a:rPr kumimoji="1" lang="ja-JP" altLang="en-US" sz="2400" b="1" dirty="0">
+          <a:lstStyle>
+            <a:defPPr>
+              <a:defRPr lang="ja-JP"/>
+            </a:defPPr>
+            <a:lvl1pPr marL="0" algn="l" defTabSz="914400" rtl="0" eaLnBrk="1" latinLnBrk="0" hangingPunct="1">
+              <a:defRPr kumimoji="1" sz="1800" kern="1200">
                 <a:solidFill>
-                  <a:srgbClr val="FF0000"/>
+                  <a:schemeClr val="tx1"/>
+                </a:solidFill>
+                <a:latin typeface="+mn-lt"/>
+                <a:ea typeface="+mn-ea"/>
+                <a:cs typeface="+mn-cs"/>
+              </a:defRPr>
+            </a:lvl1pPr>
+            <a:lvl2pPr marL="457200" algn="l" defTabSz="914400" rtl="0" eaLnBrk="1" latinLnBrk="0" hangingPunct="1">
+              <a:defRPr kumimoji="1" sz="1800" kern="1200">
+                <a:solidFill>
+                  <a:schemeClr val="tx1"/>
+                </a:solidFill>
+                <a:latin typeface="+mn-lt"/>
+                <a:ea typeface="+mn-ea"/>
+                <a:cs typeface="+mn-cs"/>
+              </a:defRPr>
+            </a:lvl2pPr>
+            <a:lvl3pPr marL="914400" algn="l" defTabSz="914400" rtl="0" eaLnBrk="1" latinLnBrk="0" hangingPunct="1">
+              <a:defRPr kumimoji="1" sz="1800" kern="1200">
+                <a:solidFill>
+                  <a:schemeClr val="tx1"/>
+                </a:solidFill>
+                <a:latin typeface="+mn-lt"/>
+                <a:ea typeface="+mn-ea"/>
+                <a:cs typeface="+mn-cs"/>
+              </a:defRPr>
+            </a:lvl3pPr>
+            <a:lvl4pPr marL="1371600" algn="l" defTabSz="914400" rtl="0" eaLnBrk="1" latinLnBrk="0" hangingPunct="1">
+              <a:defRPr kumimoji="1" sz="1800" kern="1200">
+                <a:solidFill>
+                  <a:schemeClr val="tx1"/>
+                </a:solidFill>
+                <a:latin typeface="+mn-lt"/>
+                <a:ea typeface="+mn-ea"/>
+                <a:cs typeface="+mn-cs"/>
+              </a:defRPr>
+            </a:lvl4pPr>
+            <a:lvl5pPr marL="1828800" algn="l" defTabSz="914400" rtl="0" eaLnBrk="1" latinLnBrk="0" hangingPunct="1">
+              <a:defRPr kumimoji="1" sz="1800" kern="1200">
+                <a:solidFill>
+                  <a:schemeClr val="tx1"/>
+                </a:solidFill>
+                <a:latin typeface="+mn-lt"/>
+                <a:ea typeface="+mn-ea"/>
+                <a:cs typeface="+mn-cs"/>
+              </a:defRPr>
+            </a:lvl5pPr>
+            <a:lvl6pPr marL="2286000" algn="l" defTabSz="914400" rtl="0" eaLnBrk="1" latinLnBrk="0" hangingPunct="1">
+              <a:defRPr kumimoji="1" sz="1800" kern="1200">
+                <a:solidFill>
+                  <a:schemeClr val="tx1"/>
+                </a:solidFill>
+                <a:latin typeface="+mn-lt"/>
+                <a:ea typeface="+mn-ea"/>
+                <a:cs typeface="+mn-cs"/>
+              </a:defRPr>
+            </a:lvl6pPr>
+            <a:lvl7pPr marL="2743200" algn="l" defTabSz="914400" rtl="0" eaLnBrk="1" latinLnBrk="0" hangingPunct="1">
+              <a:defRPr kumimoji="1" sz="1800" kern="1200">
+                <a:solidFill>
+                  <a:schemeClr val="tx1"/>
+                </a:solidFill>
+                <a:latin typeface="+mn-lt"/>
+                <a:ea typeface="+mn-ea"/>
+                <a:cs typeface="+mn-cs"/>
+              </a:defRPr>
+            </a:lvl7pPr>
+            <a:lvl8pPr marL="3200400" algn="l" defTabSz="914400" rtl="0" eaLnBrk="1" latinLnBrk="0" hangingPunct="1">
+              <a:defRPr kumimoji="1" sz="1800" kern="1200">
+                <a:solidFill>
+                  <a:schemeClr val="tx1"/>
+                </a:solidFill>
+                <a:latin typeface="+mn-lt"/>
+                <a:ea typeface="+mn-ea"/>
+                <a:cs typeface="+mn-cs"/>
+              </a:defRPr>
+            </a:lvl8pPr>
+            <a:lvl9pPr marL="3657600" algn="l" defTabSz="914400" rtl="0" eaLnBrk="1" latinLnBrk="0" hangingPunct="1">
+              <a:defRPr kumimoji="1" sz="1800" kern="1200">
+                <a:solidFill>
+                  <a:schemeClr val="tx1"/>
+                </a:solidFill>
+                <a:latin typeface="+mn-lt"/>
+                <a:ea typeface="+mn-ea"/>
+                <a:cs typeface="+mn-cs"/>
+              </a:defRPr>
+            </a:lvl9pPr>
+          </a:lstStyle>
+          <a:p>
+            <a:r>
+              <a:rPr kumimoji="1" lang="en-US" altLang="ja-JP" sz="2400" b="1" dirty="0">
+                <a:solidFill>
+                  <a:schemeClr val="accent6">
+                    <a:lumMod val="60000"/>
+                    <a:lumOff val="40000"/>
+                  </a:schemeClr>
                 </a:solidFill>
                 <a:latin typeface="+mn-ea"/>
               </a:rPr>
-              <a:t>受金ねじ部の</a:t>
-            </a:r>
-            <a:endParaRPr kumimoji="1" lang="en-US" altLang="ja-JP" sz="2400" b="1" dirty="0">
+              <a:t>50+150+100</a:t>
+            </a:r>
+          </a:p>
+          <a:p>
+            <a:r>
+              <a:rPr lang="en-US" altLang="ja-JP" sz="2400" b="1" dirty="0">
+                <a:solidFill>
+                  <a:schemeClr val="accent6">
+                    <a:lumMod val="60000"/>
+                    <a:lumOff val="40000"/>
+                  </a:schemeClr>
+                </a:solidFill>
+                <a:latin typeface="+mn-ea"/>
+              </a:rPr>
+              <a:t>(VVF2.0-2C)</a:t>
+            </a:r>
+            <a:endParaRPr kumimoji="1" lang="ja-JP" altLang="en-US" sz="2400" b="1" dirty="0">
               <a:solidFill>
-                <a:srgbClr val="FF0000"/>
+                <a:schemeClr val="accent6">
+                  <a:lumMod val="60000"/>
+                  <a:lumOff val="40000"/>
+                </a:schemeClr>
               </a:solidFill>
               <a:latin typeface="+mn-ea"/>
             </a:endParaRPr>
           </a:p>
-          <a:p>
-            <a:r>
-              <a:rPr kumimoji="1" lang="ja-JP" altLang="en-US" sz="2400" b="1" dirty="0">
+        </p:txBody>
+      </p:sp>
+      <p:sp>
+        <p:nvSpPr>
+          <p:cNvPr id="76" name="テキスト ボックス 68">
+            <a:extLst>
+              <a:ext uri="{FF2B5EF4-FFF2-40B4-BE49-F238E27FC236}">
+                <a16:creationId xmlns:a16="http://schemas.microsoft.com/office/drawing/2014/main" id="{B47A4E15-AEDF-43C2-913B-7D43EB8641DB}"/>
+              </a:ext>
+            </a:extLst>
+          </p:cNvPr>
+          <p:cNvSpPr txBox="1"/>
+          <p:nvPr/>
+        </p:nvSpPr>
+        <p:spPr>
+          <a:xfrm>
+            <a:off x="2261970" y="997626"/>
+            <a:ext cx="2053767" cy="461665"/>
+          </a:xfrm>
+          <a:prstGeom prst="rect">
+            <a:avLst/>
+          </a:prstGeom>
+          <a:noFill/>
+        </p:spPr>
+        <p:txBody>
+          <a:bodyPr wrap="none" rtlCol="0">
+            <a:spAutoFit/>
+          </a:bodyPr>
+          <a:lstStyle>
+            <a:defPPr>
+              <a:defRPr lang="ja-JP"/>
+            </a:defPPr>
+            <a:lvl1pPr marL="0" algn="l" defTabSz="914400" rtl="0" eaLnBrk="1" latinLnBrk="0" hangingPunct="1">
+              <a:defRPr kumimoji="1" sz="1800" kern="1200">
                 <a:solidFill>
-                  <a:srgbClr val="FF0000"/>
+                  <a:schemeClr val="tx1"/>
+                </a:solidFill>
+                <a:latin typeface="+mn-lt"/>
+                <a:ea typeface="+mn-ea"/>
+                <a:cs typeface="+mn-cs"/>
+              </a:defRPr>
+            </a:lvl1pPr>
+            <a:lvl2pPr marL="457200" algn="l" defTabSz="914400" rtl="0" eaLnBrk="1" latinLnBrk="0" hangingPunct="1">
+              <a:defRPr kumimoji="1" sz="1800" kern="1200">
+                <a:solidFill>
+                  <a:schemeClr val="tx1"/>
+                </a:solidFill>
+                <a:latin typeface="+mn-lt"/>
+                <a:ea typeface="+mn-ea"/>
+                <a:cs typeface="+mn-cs"/>
+              </a:defRPr>
+            </a:lvl2pPr>
+            <a:lvl3pPr marL="914400" algn="l" defTabSz="914400" rtl="0" eaLnBrk="1" latinLnBrk="0" hangingPunct="1">
+              <a:defRPr kumimoji="1" sz="1800" kern="1200">
+                <a:solidFill>
+                  <a:schemeClr val="tx1"/>
+                </a:solidFill>
+                <a:latin typeface="+mn-lt"/>
+                <a:ea typeface="+mn-ea"/>
+                <a:cs typeface="+mn-cs"/>
+              </a:defRPr>
+            </a:lvl3pPr>
+            <a:lvl4pPr marL="1371600" algn="l" defTabSz="914400" rtl="0" eaLnBrk="1" latinLnBrk="0" hangingPunct="1">
+              <a:defRPr kumimoji="1" sz="1800" kern="1200">
+                <a:solidFill>
+                  <a:schemeClr val="tx1"/>
+                </a:solidFill>
+                <a:latin typeface="+mn-lt"/>
+                <a:ea typeface="+mn-ea"/>
+                <a:cs typeface="+mn-cs"/>
+              </a:defRPr>
+            </a:lvl4pPr>
+            <a:lvl5pPr marL="1828800" algn="l" defTabSz="914400" rtl="0" eaLnBrk="1" latinLnBrk="0" hangingPunct="1">
+              <a:defRPr kumimoji="1" sz="1800" kern="1200">
+                <a:solidFill>
+                  <a:schemeClr val="tx1"/>
+                </a:solidFill>
+                <a:latin typeface="+mn-lt"/>
+                <a:ea typeface="+mn-ea"/>
+                <a:cs typeface="+mn-cs"/>
+              </a:defRPr>
+            </a:lvl5pPr>
+            <a:lvl6pPr marL="2286000" algn="l" defTabSz="914400" rtl="0" eaLnBrk="1" latinLnBrk="0" hangingPunct="1">
+              <a:defRPr kumimoji="1" sz="1800" kern="1200">
+                <a:solidFill>
+                  <a:schemeClr val="tx1"/>
+                </a:solidFill>
+                <a:latin typeface="+mn-lt"/>
+                <a:ea typeface="+mn-ea"/>
+                <a:cs typeface="+mn-cs"/>
+              </a:defRPr>
+            </a:lvl6pPr>
+            <a:lvl7pPr marL="2743200" algn="l" defTabSz="914400" rtl="0" eaLnBrk="1" latinLnBrk="0" hangingPunct="1">
+              <a:defRPr kumimoji="1" sz="1800" kern="1200">
+                <a:solidFill>
+                  <a:schemeClr val="tx1"/>
+                </a:solidFill>
+                <a:latin typeface="+mn-lt"/>
+                <a:ea typeface="+mn-ea"/>
+                <a:cs typeface="+mn-cs"/>
+              </a:defRPr>
+            </a:lvl7pPr>
+            <a:lvl8pPr marL="3200400" algn="l" defTabSz="914400" rtl="0" eaLnBrk="1" latinLnBrk="0" hangingPunct="1">
+              <a:defRPr kumimoji="1" sz="1800" kern="1200">
+                <a:solidFill>
+                  <a:schemeClr val="tx1"/>
+                </a:solidFill>
+                <a:latin typeface="+mn-lt"/>
+                <a:ea typeface="+mn-ea"/>
+                <a:cs typeface="+mn-cs"/>
+              </a:defRPr>
+            </a:lvl8pPr>
+            <a:lvl9pPr marL="3657600" algn="l" defTabSz="914400" rtl="0" eaLnBrk="1" latinLnBrk="0" hangingPunct="1">
+              <a:defRPr kumimoji="1" sz="1800" kern="1200">
+                <a:solidFill>
+                  <a:schemeClr val="tx1"/>
+                </a:solidFill>
+                <a:latin typeface="+mn-lt"/>
+                <a:ea typeface="+mn-ea"/>
+                <a:cs typeface="+mn-cs"/>
+              </a:defRPr>
+            </a:lvl9pPr>
+          </a:lstStyle>
+          <a:p>
+            <a:r>
+              <a:rPr kumimoji="1" lang="en-US" altLang="ja-JP" sz="2400" b="1" dirty="0">
+                <a:solidFill>
+                  <a:schemeClr val="accent6">
+                    <a:lumMod val="60000"/>
+                    <a:lumOff val="40000"/>
+                  </a:schemeClr>
                 </a:solidFill>
                 <a:latin typeface="+mn-ea"/>
               </a:rPr>
-              <a:t>端子に白線</a:t>
-            </a:r>
-          </a:p>
-        </p:txBody>
-      </p:sp>
-      <p:cxnSp>
-        <p:nvCxnSpPr>
-          <p:cNvPr id="74" name="直線矢印コネクタ 73">
-            <a:extLst>
-              <a:ext uri="{FF2B5EF4-FFF2-40B4-BE49-F238E27FC236}">
-                <a16:creationId xmlns:a16="http://schemas.microsoft.com/office/drawing/2014/main" id="{7E6EE061-27C7-4F4B-995F-0DCA7A0650A7}"/>
-              </a:ext>
-            </a:extLst>
-          </p:cNvPr>
-          <p:cNvCxnSpPr>
-            <a:cxnSpLocks/>
-          </p:cNvCxnSpPr>
-          <p:nvPr/>
-        </p:nvCxnSpPr>
-        <p:spPr>
-          <a:xfrm flipH="1" flipV="1">
-            <a:off x="2766852" y="285459"/>
-            <a:ext cx="623678" cy="363186"/>
-          </a:xfrm>
-          <a:prstGeom prst="straightConnector1">
-            <a:avLst/>
-          </a:prstGeom>
-          <a:ln w="38100">
-            <a:solidFill>
-              <a:srgbClr val="FF0000"/>
-            </a:solidFill>
-            <a:tailEnd type="triangle"/>
-          </a:ln>
-        </p:spPr>
-        <p:style>
-          <a:lnRef idx="3">
-            <a:schemeClr val="dk1"/>
-          </a:lnRef>
-          <a:fillRef idx="0">
-            <a:schemeClr val="dk1"/>
-          </a:fillRef>
-          <a:effectRef idx="2">
-            <a:schemeClr val="dk1"/>
-          </a:effectRef>
-          <a:fontRef idx="minor">
-            <a:schemeClr val="tx1"/>
-          </a:fontRef>
-        </p:style>
-      </p:cxnSp>
-      <p:sp>
-        <p:nvSpPr>
-          <p:cNvPr id="75" name="テキスト ボックス 74">
-            <a:extLst>
-              <a:ext uri="{FF2B5EF4-FFF2-40B4-BE49-F238E27FC236}">
-                <a16:creationId xmlns:a16="http://schemas.microsoft.com/office/drawing/2014/main" id="{9BF0E264-D3D4-438B-A7AC-5E56D5E87516}"/>
+              <a:t>20+150+100</a:t>
+            </a:r>
+            <a:endParaRPr kumimoji="1" lang="ja-JP" altLang="en-US" sz="2400" b="1" dirty="0">
+              <a:solidFill>
+                <a:schemeClr val="accent6">
+                  <a:lumMod val="60000"/>
+                  <a:lumOff val="40000"/>
+                </a:schemeClr>
+              </a:solidFill>
+              <a:latin typeface="+mn-ea"/>
+            </a:endParaRPr>
+          </a:p>
+        </p:txBody>
+      </p:sp>
+      <p:sp>
+        <p:nvSpPr>
+          <p:cNvPr id="77" name="テキスト ボックス 68">
+            <a:extLst>
+              <a:ext uri="{FF2B5EF4-FFF2-40B4-BE49-F238E27FC236}">
+                <a16:creationId xmlns:a16="http://schemas.microsoft.com/office/drawing/2014/main" id="{AB627FFC-12AC-4FA3-A857-13227B9929E1}"/>
               </a:ext>
             </a:extLst>
           </p:cNvPr>
@@ -16166,8 +17041,8 @@
         </p:nvSpPr>
         <p:spPr>
           <a:xfrm>
-            <a:off x="71588" y="3589779"/>
-            <a:ext cx="1915909" cy="461665"/>
+            <a:off x="5853397" y="3011553"/>
+            <a:ext cx="2053767" cy="461665"/>
           </a:xfrm>
           <a:prstGeom prst="rect">
             <a:avLst/>
@@ -16178,29 +17053,132 @@
           <a:bodyPr wrap="none" rtlCol="0">
             <a:spAutoFit/>
           </a:bodyPr>
-          <a:lstStyle/>
-          <a:p>
-            <a:r>
-              <a:rPr lang="ja-JP" altLang="en-US" sz="2400" b="1" dirty="0">
+          <a:lstStyle>
+            <a:defPPr>
+              <a:defRPr lang="ja-JP"/>
+            </a:defPPr>
+            <a:lvl1pPr marL="0" algn="l" defTabSz="914400" rtl="0" eaLnBrk="1" latinLnBrk="0" hangingPunct="1">
+              <a:defRPr kumimoji="1" sz="1800" kern="1200">
                 <a:solidFill>
-                  <a:srgbClr val="FF0000"/>
+                  <a:schemeClr val="tx1"/>
                 </a:solidFill>
-                <a:latin typeface="Georgia" panose="02040502050405020303" pitchFamily="18" charset="0"/>
-              </a:rPr>
-              <a:t>コネクタ：</a:t>
-            </a:r>
+                <a:latin typeface="+mn-lt"/>
+                <a:ea typeface="+mn-ea"/>
+                <a:cs typeface="+mn-cs"/>
+              </a:defRPr>
+            </a:lvl1pPr>
+            <a:lvl2pPr marL="457200" algn="l" defTabSz="914400" rtl="0" eaLnBrk="1" latinLnBrk="0" hangingPunct="1">
+              <a:defRPr kumimoji="1" sz="1800" kern="1200">
+                <a:solidFill>
+                  <a:schemeClr val="tx1"/>
+                </a:solidFill>
+                <a:latin typeface="+mn-lt"/>
+                <a:ea typeface="+mn-ea"/>
+                <a:cs typeface="+mn-cs"/>
+              </a:defRPr>
+            </a:lvl2pPr>
+            <a:lvl3pPr marL="914400" algn="l" defTabSz="914400" rtl="0" eaLnBrk="1" latinLnBrk="0" hangingPunct="1">
+              <a:defRPr kumimoji="1" sz="1800" kern="1200">
+                <a:solidFill>
+                  <a:schemeClr val="tx1"/>
+                </a:solidFill>
+                <a:latin typeface="+mn-lt"/>
+                <a:ea typeface="+mn-ea"/>
+                <a:cs typeface="+mn-cs"/>
+              </a:defRPr>
+            </a:lvl3pPr>
+            <a:lvl4pPr marL="1371600" algn="l" defTabSz="914400" rtl="0" eaLnBrk="1" latinLnBrk="0" hangingPunct="1">
+              <a:defRPr kumimoji="1" sz="1800" kern="1200">
+                <a:solidFill>
+                  <a:schemeClr val="tx1"/>
+                </a:solidFill>
+                <a:latin typeface="+mn-lt"/>
+                <a:ea typeface="+mn-ea"/>
+                <a:cs typeface="+mn-cs"/>
+              </a:defRPr>
+            </a:lvl4pPr>
+            <a:lvl5pPr marL="1828800" algn="l" defTabSz="914400" rtl="0" eaLnBrk="1" latinLnBrk="0" hangingPunct="1">
+              <a:defRPr kumimoji="1" sz="1800" kern="1200">
+                <a:solidFill>
+                  <a:schemeClr val="tx1"/>
+                </a:solidFill>
+                <a:latin typeface="+mn-lt"/>
+                <a:ea typeface="+mn-ea"/>
+                <a:cs typeface="+mn-cs"/>
+              </a:defRPr>
+            </a:lvl5pPr>
+            <a:lvl6pPr marL="2286000" algn="l" defTabSz="914400" rtl="0" eaLnBrk="1" latinLnBrk="0" hangingPunct="1">
+              <a:defRPr kumimoji="1" sz="1800" kern="1200">
+                <a:solidFill>
+                  <a:schemeClr val="tx1"/>
+                </a:solidFill>
+                <a:latin typeface="+mn-lt"/>
+                <a:ea typeface="+mn-ea"/>
+                <a:cs typeface="+mn-cs"/>
+              </a:defRPr>
+            </a:lvl6pPr>
+            <a:lvl7pPr marL="2743200" algn="l" defTabSz="914400" rtl="0" eaLnBrk="1" latinLnBrk="0" hangingPunct="1">
+              <a:defRPr kumimoji="1" sz="1800" kern="1200">
+                <a:solidFill>
+                  <a:schemeClr val="tx1"/>
+                </a:solidFill>
+                <a:latin typeface="+mn-lt"/>
+                <a:ea typeface="+mn-ea"/>
+                <a:cs typeface="+mn-cs"/>
+              </a:defRPr>
+            </a:lvl7pPr>
+            <a:lvl8pPr marL="3200400" algn="l" defTabSz="914400" rtl="0" eaLnBrk="1" latinLnBrk="0" hangingPunct="1">
+              <a:defRPr kumimoji="1" sz="1800" kern="1200">
+                <a:solidFill>
+                  <a:schemeClr val="tx1"/>
+                </a:solidFill>
+                <a:latin typeface="+mn-lt"/>
+                <a:ea typeface="+mn-ea"/>
+                <a:cs typeface="+mn-cs"/>
+              </a:defRPr>
+            </a:lvl8pPr>
+            <a:lvl9pPr marL="3657600" algn="l" defTabSz="914400" rtl="0" eaLnBrk="1" latinLnBrk="0" hangingPunct="1">
+              <a:defRPr kumimoji="1" sz="1800" kern="1200">
+                <a:solidFill>
+                  <a:schemeClr val="tx1"/>
+                </a:solidFill>
+                <a:latin typeface="+mn-lt"/>
+                <a:ea typeface="+mn-ea"/>
+                <a:cs typeface="+mn-cs"/>
+              </a:defRPr>
+            </a:lvl9pPr>
+          </a:lstStyle>
+          <a:p>
             <a:r>
               <a:rPr lang="en-US" altLang="ja-JP" sz="2400" b="1" dirty="0">
                 <a:solidFill>
-                  <a:srgbClr val="FF0000"/>
+                  <a:schemeClr val="accent6">
+                    <a:lumMod val="60000"/>
+                    <a:lumOff val="40000"/>
+                  </a:schemeClr>
                 </a:solidFill>
                 <a:latin typeface="+mn-ea"/>
               </a:rPr>
-              <a:t>3</a:t>
+              <a:t>10</a:t>
+            </a:r>
+            <a:r>
+              <a:rPr kumimoji="1" lang="en-US" altLang="ja-JP" sz="2400" b="1" dirty="0">
+                <a:solidFill>
+                  <a:schemeClr val="accent6">
+                    <a:lumMod val="60000"/>
+                    <a:lumOff val="40000"/>
+                  </a:schemeClr>
+                </a:solidFill>
+                <a:latin typeface="+mn-ea"/>
+              </a:rPr>
+              <a:t>0+150+50</a:t>
             </a:r>
             <a:endParaRPr kumimoji="1" lang="ja-JP" altLang="en-US" sz="2400" b="1" dirty="0">
               <a:solidFill>
-                <a:srgbClr val="FF0000"/>
+                <a:schemeClr val="accent6">
+                  <a:lumMod val="60000"/>
+                  <a:lumOff val="40000"/>
+                </a:schemeClr>
               </a:solidFill>
               <a:latin typeface="+mn-ea"/>
             </a:endParaRPr>
@@ -16209,10 +17187,10 @@
       </p:sp>
       <p:sp>
         <p:nvSpPr>
-          <p:cNvPr id="76" name="テキスト ボックス 75">
-            <a:extLst>
-              <a:ext uri="{FF2B5EF4-FFF2-40B4-BE49-F238E27FC236}">
-                <a16:creationId xmlns:a16="http://schemas.microsoft.com/office/drawing/2014/main" id="{83DA3751-6D37-4C36-B64C-165950DC20AD}"/>
+          <p:cNvPr id="78" name="テキスト ボックス 68">
+            <a:extLst>
+              <a:ext uri="{FF2B5EF4-FFF2-40B4-BE49-F238E27FC236}">
+                <a16:creationId xmlns:a16="http://schemas.microsoft.com/office/drawing/2014/main" id="{F926122E-231A-466B-8F43-0000B79455CA}"/>
               </a:ext>
             </a:extLst>
           </p:cNvPr>
@@ -16221,8 +17199,8 @@
         </p:nvSpPr>
         <p:spPr>
           <a:xfrm>
-            <a:off x="98350" y="1222365"/>
-            <a:ext cx="1915909" cy="461665"/>
+            <a:off x="5293974" y="3993192"/>
+            <a:ext cx="2230098" cy="461665"/>
           </a:xfrm>
           <a:prstGeom prst="rect">
             <a:avLst/>
@@ -16233,395 +17211,198 @@
           <a:bodyPr wrap="none" rtlCol="0">
             <a:spAutoFit/>
           </a:bodyPr>
-          <a:lstStyle/>
-          <a:p>
-            <a:r>
-              <a:rPr lang="ja-JP" altLang="en-US" sz="2400" b="1" dirty="0">
+          <a:lstStyle>
+            <a:defPPr>
+              <a:defRPr lang="ja-JP"/>
+            </a:defPPr>
+            <a:lvl1pPr marL="0" algn="l" defTabSz="914400" rtl="0" eaLnBrk="1" latinLnBrk="0" hangingPunct="1">
+              <a:defRPr kumimoji="1" sz="1800" kern="1200">
                 <a:solidFill>
-                  <a:srgbClr val="FF0000"/>
+                  <a:schemeClr val="tx1"/>
                 </a:solidFill>
-                <a:latin typeface="Georgia" panose="02040502050405020303" pitchFamily="18" charset="0"/>
-              </a:rPr>
-              <a:t>コネクタ：</a:t>
-            </a:r>
+                <a:latin typeface="+mn-lt"/>
+                <a:ea typeface="+mn-ea"/>
+                <a:cs typeface="+mn-cs"/>
+              </a:defRPr>
+            </a:lvl1pPr>
+            <a:lvl2pPr marL="457200" algn="l" defTabSz="914400" rtl="0" eaLnBrk="1" latinLnBrk="0" hangingPunct="1">
+              <a:defRPr kumimoji="1" sz="1800" kern="1200">
+                <a:solidFill>
+                  <a:schemeClr val="tx1"/>
+                </a:solidFill>
+                <a:latin typeface="+mn-lt"/>
+                <a:ea typeface="+mn-ea"/>
+                <a:cs typeface="+mn-cs"/>
+              </a:defRPr>
+            </a:lvl2pPr>
+            <a:lvl3pPr marL="914400" algn="l" defTabSz="914400" rtl="0" eaLnBrk="1" latinLnBrk="0" hangingPunct="1">
+              <a:defRPr kumimoji="1" sz="1800" kern="1200">
+                <a:solidFill>
+                  <a:schemeClr val="tx1"/>
+                </a:solidFill>
+                <a:latin typeface="+mn-lt"/>
+                <a:ea typeface="+mn-ea"/>
+                <a:cs typeface="+mn-cs"/>
+              </a:defRPr>
+            </a:lvl3pPr>
+            <a:lvl4pPr marL="1371600" algn="l" defTabSz="914400" rtl="0" eaLnBrk="1" latinLnBrk="0" hangingPunct="1">
+              <a:defRPr kumimoji="1" sz="1800" kern="1200">
+                <a:solidFill>
+                  <a:schemeClr val="tx1"/>
+                </a:solidFill>
+                <a:latin typeface="+mn-lt"/>
+                <a:ea typeface="+mn-ea"/>
+                <a:cs typeface="+mn-cs"/>
+              </a:defRPr>
+            </a:lvl4pPr>
+            <a:lvl5pPr marL="1828800" algn="l" defTabSz="914400" rtl="0" eaLnBrk="1" latinLnBrk="0" hangingPunct="1">
+              <a:defRPr kumimoji="1" sz="1800" kern="1200">
+                <a:solidFill>
+                  <a:schemeClr val="tx1"/>
+                </a:solidFill>
+                <a:latin typeface="+mn-lt"/>
+                <a:ea typeface="+mn-ea"/>
+                <a:cs typeface="+mn-cs"/>
+              </a:defRPr>
+            </a:lvl5pPr>
+            <a:lvl6pPr marL="2286000" algn="l" defTabSz="914400" rtl="0" eaLnBrk="1" latinLnBrk="0" hangingPunct="1">
+              <a:defRPr kumimoji="1" sz="1800" kern="1200">
+                <a:solidFill>
+                  <a:schemeClr val="tx1"/>
+                </a:solidFill>
+                <a:latin typeface="+mn-lt"/>
+                <a:ea typeface="+mn-ea"/>
+                <a:cs typeface="+mn-cs"/>
+              </a:defRPr>
+            </a:lvl6pPr>
+            <a:lvl7pPr marL="2743200" algn="l" defTabSz="914400" rtl="0" eaLnBrk="1" latinLnBrk="0" hangingPunct="1">
+              <a:defRPr kumimoji="1" sz="1800" kern="1200">
+                <a:solidFill>
+                  <a:schemeClr val="tx1"/>
+                </a:solidFill>
+                <a:latin typeface="+mn-lt"/>
+                <a:ea typeface="+mn-ea"/>
+                <a:cs typeface="+mn-cs"/>
+              </a:defRPr>
+            </a:lvl7pPr>
+            <a:lvl8pPr marL="3200400" algn="l" defTabSz="914400" rtl="0" eaLnBrk="1" latinLnBrk="0" hangingPunct="1">
+              <a:defRPr kumimoji="1" sz="1800" kern="1200">
+                <a:solidFill>
+                  <a:schemeClr val="tx1"/>
+                </a:solidFill>
+                <a:latin typeface="+mn-lt"/>
+                <a:ea typeface="+mn-ea"/>
+                <a:cs typeface="+mn-cs"/>
+              </a:defRPr>
+            </a:lvl8pPr>
+            <a:lvl9pPr marL="3657600" algn="l" defTabSz="914400" rtl="0" eaLnBrk="1" latinLnBrk="0" hangingPunct="1">
+              <a:defRPr kumimoji="1" sz="1800" kern="1200">
+                <a:solidFill>
+                  <a:schemeClr val="tx1"/>
+                </a:solidFill>
+                <a:latin typeface="+mn-lt"/>
+                <a:ea typeface="+mn-ea"/>
+                <a:cs typeface="+mn-cs"/>
+              </a:defRPr>
+            </a:lvl9pPr>
+          </a:lstStyle>
+          <a:p>
             <a:r>
               <a:rPr lang="en-US" altLang="ja-JP" sz="2400" b="1" dirty="0">
                 <a:solidFill>
-                  <a:srgbClr val="FF0000"/>
+                  <a:schemeClr val="accent6">
+                    <a:lumMod val="60000"/>
+                    <a:lumOff val="40000"/>
+                  </a:schemeClr>
                 </a:solidFill>
                 <a:latin typeface="+mn-ea"/>
               </a:rPr>
-              <a:t>2</a:t>
+              <a:t>10</a:t>
+            </a:r>
+            <a:r>
+              <a:rPr kumimoji="1" lang="en-US" altLang="ja-JP" sz="2400" b="1" dirty="0">
+                <a:solidFill>
+                  <a:schemeClr val="accent6">
+                    <a:lumMod val="60000"/>
+                    <a:lumOff val="40000"/>
+                  </a:schemeClr>
+                </a:solidFill>
+                <a:latin typeface="+mn-ea"/>
+              </a:rPr>
+              <a:t>0+150+100</a:t>
             </a:r>
             <a:endParaRPr kumimoji="1" lang="ja-JP" altLang="en-US" sz="2400" b="1" dirty="0">
               <a:solidFill>
-                <a:srgbClr val="FF0000"/>
+                <a:schemeClr val="accent6">
+                  <a:lumMod val="60000"/>
+                  <a:lumOff val="40000"/>
+                </a:schemeClr>
               </a:solidFill>
               <a:latin typeface="+mn-ea"/>
             </a:endParaRPr>
           </a:p>
         </p:txBody>
       </p:sp>
-      <p:cxnSp>
-        <p:nvCxnSpPr>
-          <p:cNvPr id="77" name="直線矢印コネクタ 76">
-            <a:extLst>
-              <a:ext uri="{FF2B5EF4-FFF2-40B4-BE49-F238E27FC236}">
-                <a16:creationId xmlns:a16="http://schemas.microsoft.com/office/drawing/2014/main" id="{B5F49945-65B8-4540-8CF4-44C24EE6826C}"/>
-              </a:ext>
-            </a:extLst>
-          </p:cNvPr>
-          <p:cNvCxnSpPr>
-            <a:cxnSpLocks/>
-          </p:cNvCxnSpPr>
-          <p:nvPr/>
-        </p:nvCxnSpPr>
-        <p:spPr>
-          <a:xfrm flipV="1">
-            <a:off x="1446449" y="3185048"/>
-            <a:ext cx="332817" cy="425545"/>
-          </a:xfrm>
-          <a:prstGeom prst="straightConnector1">
-            <a:avLst/>
-          </a:prstGeom>
-          <a:ln w="38100">
-            <a:solidFill>
-              <a:srgbClr val="FF0000"/>
-            </a:solidFill>
-            <a:tailEnd type="triangle"/>
-          </a:ln>
-        </p:spPr>
-        <p:style>
-          <a:lnRef idx="3">
-            <a:schemeClr val="dk1"/>
-          </a:lnRef>
-          <a:fillRef idx="0">
-            <a:schemeClr val="dk1"/>
-          </a:fillRef>
-          <a:effectRef idx="2">
-            <a:schemeClr val="dk1"/>
-          </a:effectRef>
-          <a:fontRef idx="minor">
-            <a:schemeClr val="tx1"/>
-          </a:fontRef>
-        </p:style>
-      </p:cxnSp>
-      <p:cxnSp>
-        <p:nvCxnSpPr>
-          <p:cNvPr id="78" name="直線矢印コネクタ 77">
-            <a:extLst>
-              <a:ext uri="{FF2B5EF4-FFF2-40B4-BE49-F238E27FC236}">
-                <a16:creationId xmlns:a16="http://schemas.microsoft.com/office/drawing/2014/main" id="{998C8775-7D6A-4628-9275-D668F94C454D}"/>
-              </a:ext>
-            </a:extLst>
-          </p:cNvPr>
-          <p:cNvCxnSpPr>
-            <a:cxnSpLocks/>
-          </p:cNvCxnSpPr>
-          <p:nvPr/>
-        </p:nvCxnSpPr>
+      <p:sp>
+        <p:nvSpPr>
+          <p:cNvPr id="79" name="楕円 78">
+            <a:extLst>
+              <a:ext uri="{FF2B5EF4-FFF2-40B4-BE49-F238E27FC236}">
+                <a16:creationId xmlns:a16="http://schemas.microsoft.com/office/drawing/2014/main" id="{174FC538-E42C-4B90-9006-C9C82421B6CB}"/>
+              </a:ext>
+            </a:extLst>
+          </p:cNvPr>
+          <p:cNvSpPr/>
+          <p:nvPr/>
+        </p:nvSpPr>
         <p:spPr>
           <a:xfrm>
-            <a:off x="1200890" y="1712617"/>
-            <a:ext cx="1134628" cy="1040259"/>
-          </a:xfrm>
-          <a:prstGeom prst="straightConnector1">
-            <a:avLst/>
-          </a:prstGeom>
-          <a:ln w="38100">
-            <a:solidFill>
-              <a:srgbClr val="FF0000"/>
-            </a:solidFill>
-            <a:tailEnd type="triangle"/>
-          </a:ln>
-        </p:spPr>
-        <p:style>
-          <a:lnRef idx="3">
-            <a:schemeClr val="dk1"/>
-          </a:lnRef>
-          <a:fillRef idx="0">
-            <a:schemeClr val="dk1"/>
-          </a:fillRef>
-          <a:effectRef idx="2">
-            <a:schemeClr val="dk1"/>
-          </a:effectRef>
-          <a:fontRef idx="minor">
-            <a:schemeClr val="tx1"/>
-          </a:fontRef>
-        </p:style>
-      </p:cxnSp>
-      <p:cxnSp>
-        <p:nvCxnSpPr>
-          <p:cNvPr id="79" name="直線矢印コネクタ 78">
-            <a:extLst>
-              <a:ext uri="{FF2B5EF4-FFF2-40B4-BE49-F238E27FC236}">
-                <a16:creationId xmlns:a16="http://schemas.microsoft.com/office/drawing/2014/main" id="{3414AFBE-FE5D-4C0A-B539-6BB811021DCA}"/>
-              </a:ext>
-            </a:extLst>
-          </p:cNvPr>
-          <p:cNvCxnSpPr>
-            <a:cxnSpLocks/>
-          </p:cNvCxnSpPr>
-          <p:nvPr/>
-        </p:nvCxnSpPr>
-        <p:spPr>
-          <a:xfrm>
-            <a:off x="1374553" y="1620395"/>
-            <a:ext cx="898387" cy="589205"/>
-          </a:xfrm>
-          <a:prstGeom prst="straightConnector1">
-            <a:avLst/>
-          </a:prstGeom>
-          <a:ln w="38100">
-            <a:solidFill>
-              <a:srgbClr val="FF0000"/>
-            </a:solidFill>
-            <a:tailEnd type="triangle"/>
-          </a:ln>
-        </p:spPr>
-        <p:style>
-          <a:lnRef idx="3">
-            <a:schemeClr val="dk1"/>
-          </a:lnRef>
-          <a:fillRef idx="0">
-            <a:schemeClr val="dk1"/>
-          </a:fillRef>
-          <a:effectRef idx="2">
-            <a:schemeClr val="dk1"/>
-          </a:effectRef>
-          <a:fontRef idx="minor">
-            <a:schemeClr val="tx1"/>
-          </a:fontRef>
-        </p:style>
-      </p:cxnSp>
-      <p:sp>
-        <p:nvSpPr>
-          <p:cNvPr id="80" name="テキスト ボックス 79">
-            <a:extLst>
-              <a:ext uri="{FF2B5EF4-FFF2-40B4-BE49-F238E27FC236}">
-                <a16:creationId xmlns:a16="http://schemas.microsoft.com/office/drawing/2014/main" id="{A1D3200B-6878-49DE-B7BF-281C776D0171}"/>
-              </a:ext>
-            </a:extLst>
-          </p:cNvPr>
-          <p:cNvSpPr txBox="1"/>
-          <p:nvPr/>
-        </p:nvSpPr>
-        <p:spPr>
-          <a:xfrm>
-            <a:off x="3120758" y="3644877"/>
-            <a:ext cx="1415772" cy="461665"/>
-          </a:xfrm>
-          <a:prstGeom prst="rect">
+            <a:off x="4609387" y="4865548"/>
+            <a:ext cx="477250" cy="461666"/>
+          </a:xfrm>
+          <a:prstGeom prst="ellipse">
             <a:avLst/>
           </a:prstGeom>
           <a:noFill/>
-        </p:spPr>
-        <p:txBody>
-          <a:bodyPr wrap="none" rtlCol="0">
-            <a:spAutoFit/>
-          </a:bodyPr>
-          <a:lstStyle/>
-          <a:p>
-            <a:r>
-              <a:rPr lang="ja-JP" altLang="en-US" sz="2400" b="1" dirty="0">
-                <a:solidFill>
-                  <a:srgbClr val="FF0000"/>
-                </a:solidFill>
-                <a:latin typeface="Georgia" panose="02040502050405020303" pitchFamily="18" charset="0"/>
-              </a:rPr>
-              <a:t>刻印：○</a:t>
-            </a:r>
-            <a:endParaRPr kumimoji="1" lang="ja-JP" altLang="en-US" sz="2400" b="1" dirty="0">
-              <a:solidFill>
-                <a:srgbClr val="FF0000"/>
-              </a:solidFill>
-              <a:latin typeface="Georgia" panose="02040502050405020303" pitchFamily="18" charset="0"/>
-            </a:endParaRPr>
-          </a:p>
-        </p:txBody>
-      </p:sp>
-      <p:cxnSp>
-        <p:nvCxnSpPr>
-          <p:cNvPr id="81" name="直線矢印コネクタ 80">
-            <a:extLst>
-              <a:ext uri="{FF2B5EF4-FFF2-40B4-BE49-F238E27FC236}">
-                <a16:creationId xmlns:a16="http://schemas.microsoft.com/office/drawing/2014/main" id="{3AA00195-2217-497A-9A71-898FDE7A6A3B}"/>
-              </a:ext>
-            </a:extLst>
-          </p:cNvPr>
-          <p:cNvCxnSpPr>
-            <a:cxnSpLocks/>
-          </p:cNvCxnSpPr>
-          <p:nvPr/>
-        </p:nvCxnSpPr>
-        <p:spPr>
-          <a:xfrm flipV="1">
-            <a:off x="4262154" y="3231071"/>
-            <a:ext cx="332817" cy="425545"/>
-          </a:xfrm>
-          <a:prstGeom prst="straightConnector1">
-            <a:avLst/>
-          </a:prstGeom>
-          <a:ln w="38100">
-            <a:solidFill>
-              <a:srgbClr val="FF0000"/>
-            </a:solidFill>
-            <a:tailEnd type="triangle"/>
-          </a:ln>
-        </p:spPr>
-        <p:style>
-          <a:lnRef idx="3">
-            <a:schemeClr val="dk1"/>
-          </a:lnRef>
-          <a:fillRef idx="0">
-            <a:schemeClr val="dk1"/>
-          </a:fillRef>
-          <a:effectRef idx="2">
-            <a:schemeClr val="dk1"/>
-          </a:effectRef>
-          <a:fontRef idx="minor">
-            <a:schemeClr val="tx1"/>
-          </a:fontRef>
-        </p:style>
-      </p:cxnSp>
-      <p:sp>
-        <p:nvSpPr>
-          <p:cNvPr id="82" name="テキスト ボックス 81">
-            <a:extLst>
-              <a:ext uri="{FF2B5EF4-FFF2-40B4-BE49-F238E27FC236}">
-                <a16:creationId xmlns:a16="http://schemas.microsoft.com/office/drawing/2014/main" id="{F2AC89B1-105C-4046-98DF-33C412EFF3C0}"/>
-              </a:ext>
-            </a:extLst>
-          </p:cNvPr>
-          <p:cNvSpPr txBox="1"/>
-          <p:nvPr/>
-        </p:nvSpPr>
-        <p:spPr>
-          <a:xfrm>
-            <a:off x="5240536" y="1606474"/>
-            <a:ext cx="1415772" cy="461665"/>
-          </a:xfrm>
-          <a:prstGeom prst="rect">
-            <a:avLst/>
-          </a:prstGeom>
-          <a:noFill/>
-        </p:spPr>
-        <p:txBody>
-          <a:bodyPr wrap="none" rtlCol="0">
-            <a:spAutoFit/>
-          </a:bodyPr>
-          <a:lstStyle/>
-          <a:p>
-            <a:r>
-              <a:rPr lang="ja-JP" altLang="en-US" sz="2400" b="1" dirty="0">
-                <a:solidFill>
-                  <a:srgbClr val="FF0000"/>
-                </a:solidFill>
-                <a:latin typeface="Georgia" panose="02040502050405020303" pitchFamily="18" charset="0"/>
-              </a:rPr>
-              <a:t>刻印：中</a:t>
-            </a:r>
-            <a:endParaRPr kumimoji="1" lang="ja-JP" altLang="en-US" sz="2400" b="1" dirty="0">
-              <a:solidFill>
-                <a:srgbClr val="FF0000"/>
-              </a:solidFill>
-              <a:latin typeface="Georgia" panose="02040502050405020303" pitchFamily="18" charset="0"/>
-            </a:endParaRPr>
-          </a:p>
-        </p:txBody>
-      </p:sp>
-      <p:cxnSp>
-        <p:nvCxnSpPr>
-          <p:cNvPr id="83" name="直線矢印コネクタ 82">
-            <a:extLst>
-              <a:ext uri="{FF2B5EF4-FFF2-40B4-BE49-F238E27FC236}">
-                <a16:creationId xmlns:a16="http://schemas.microsoft.com/office/drawing/2014/main" id="{BF17DC22-BBD6-49AC-B0E2-24F3C576AB76}"/>
-              </a:ext>
-            </a:extLst>
-          </p:cNvPr>
-          <p:cNvCxnSpPr>
-            <a:cxnSpLocks/>
-          </p:cNvCxnSpPr>
-          <p:nvPr/>
-        </p:nvCxnSpPr>
-        <p:spPr>
-          <a:xfrm flipH="1">
-            <a:off x="4904906" y="2018176"/>
-            <a:ext cx="548345" cy="538759"/>
-          </a:xfrm>
-          <a:prstGeom prst="straightConnector1">
-            <a:avLst/>
-          </a:prstGeom>
-          <a:ln w="38100">
-            <a:solidFill>
-              <a:srgbClr val="FF0000"/>
-            </a:solidFill>
-            <a:tailEnd type="triangle"/>
-          </a:ln>
-        </p:spPr>
-        <p:style>
-          <a:lnRef idx="3">
-            <a:schemeClr val="dk1"/>
-          </a:lnRef>
-          <a:fillRef idx="0">
-            <a:schemeClr val="dk1"/>
-          </a:fillRef>
-          <a:effectRef idx="2">
-            <a:schemeClr val="dk1"/>
-          </a:effectRef>
-          <a:fontRef idx="minor">
-            <a:schemeClr val="tx1"/>
-          </a:fontRef>
-        </p:style>
-      </p:cxnSp>
-      <p:cxnSp>
-        <p:nvCxnSpPr>
-          <p:cNvPr id="84" name="直線矢印コネクタ 83">
-            <a:extLst>
-              <a:ext uri="{FF2B5EF4-FFF2-40B4-BE49-F238E27FC236}">
-                <a16:creationId xmlns:a16="http://schemas.microsoft.com/office/drawing/2014/main" id="{B74F1ABB-494E-4E96-98D7-BABB5D1CD737}"/>
-              </a:ext>
-            </a:extLst>
-          </p:cNvPr>
-          <p:cNvCxnSpPr>
-            <a:cxnSpLocks/>
-          </p:cNvCxnSpPr>
-          <p:nvPr/>
-        </p:nvCxnSpPr>
-        <p:spPr>
-          <a:xfrm flipH="1">
-            <a:off x="5442994" y="2017380"/>
-            <a:ext cx="287791" cy="212627"/>
-          </a:xfrm>
-          <a:prstGeom prst="straightConnector1">
-            <a:avLst/>
-          </a:prstGeom>
-          <a:ln w="38100">
-            <a:solidFill>
-              <a:srgbClr val="FF0000"/>
-            </a:solidFill>
-            <a:tailEnd type="triangle"/>
-          </a:ln>
-        </p:spPr>
-        <p:style>
-          <a:lnRef idx="3">
-            <a:schemeClr val="dk1"/>
-          </a:lnRef>
-          <a:fillRef idx="0">
-            <a:schemeClr val="dk1"/>
-          </a:fillRef>
-          <a:effectRef idx="2">
-            <a:schemeClr val="dk1"/>
-          </a:effectRef>
-          <a:fontRef idx="minor">
-            <a:schemeClr val="tx1"/>
-          </a:fontRef>
-        </p:style>
-      </p:cxnSp>
+          <a:ln w="28575">
+            <a:solidFill>
+              <a:schemeClr val="accent4">
+                <a:lumMod val="60000"/>
+                <a:lumOff val="40000"/>
+              </a:schemeClr>
+            </a:solidFill>
+            <a:prstDash val="dash"/>
+          </a:ln>
+        </p:spPr>
+        <p:style>
+          <a:lnRef idx="2">
+            <a:schemeClr val="accent1">
+              <a:shade val="50000"/>
+            </a:schemeClr>
+          </a:lnRef>
+          <a:fillRef idx="1">
+            <a:schemeClr val="accent1"/>
+          </a:fillRef>
+          <a:effectRef idx="0">
+            <a:schemeClr val="accent1"/>
+          </a:effectRef>
+          <a:fontRef idx="minor">
+            <a:schemeClr val="lt1"/>
+          </a:fontRef>
+        </p:style>
+        <p:txBody>
+          <a:bodyPr rtlCol="0" anchor="ctr"/>
+          <a:lstStyle/>
+          <a:p>
+            <a:pPr algn="ctr"/>
+            <a:endParaRPr kumimoji="1" lang="ja-JP" altLang="en-US"/>
+          </a:p>
+        </p:txBody>
+      </p:sp>
     </p:spTree>
     <p:extLst>
       <p:ext uri="{BB962C8B-B14F-4D97-AF65-F5344CB8AC3E}">
-        <p14:creationId xmlns:p14="http://schemas.microsoft.com/office/powerpoint/2010/main" val="383073534"/>
+        <p14:creationId xmlns:p14="http://schemas.microsoft.com/office/powerpoint/2010/main" val="3344949793"/>
       </p:ext>
     </p:extLst>
   </p:cSld>
